--- a/f24/assets/slides/lec15-congestion-control-1.pptx
+++ b/f24/assets/slides/lec15-congestion-control-1.pptx
@@ -5,30 +5,31 @@
     <p:sldMasterId id="2147483660" r:id="rId1"/>
   </p:sldMasterIdLst>
   <p:notesMasterIdLst>
-    <p:notesMasterId r:id="rId23"/>
+    <p:notesMasterId r:id="rId24"/>
   </p:notesMasterIdLst>
   <p:sldIdLst>
     <p:sldId id="256" r:id="rId2"/>
-    <p:sldId id="258" r:id="rId3"/>
-    <p:sldId id="261" r:id="rId4"/>
-    <p:sldId id="264" r:id="rId5"/>
-    <p:sldId id="265" r:id="rId6"/>
-    <p:sldId id="263" r:id="rId7"/>
-    <p:sldId id="266" r:id="rId8"/>
-    <p:sldId id="257" r:id="rId9"/>
-    <p:sldId id="560" r:id="rId10"/>
-    <p:sldId id="267" r:id="rId11"/>
-    <p:sldId id="268" r:id="rId12"/>
-    <p:sldId id="269" r:id="rId13"/>
-    <p:sldId id="270" r:id="rId14"/>
-    <p:sldId id="271" r:id="rId15"/>
-    <p:sldId id="272" r:id="rId16"/>
-    <p:sldId id="273" r:id="rId17"/>
-    <p:sldId id="274" r:id="rId18"/>
-    <p:sldId id="275" r:id="rId19"/>
-    <p:sldId id="276" r:id="rId20"/>
-    <p:sldId id="349" r:id="rId21"/>
-    <p:sldId id="277" r:id="rId22"/>
+    <p:sldId id="561" r:id="rId3"/>
+    <p:sldId id="258" r:id="rId4"/>
+    <p:sldId id="261" r:id="rId5"/>
+    <p:sldId id="264" r:id="rId6"/>
+    <p:sldId id="265" r:id="rId7"/>
+    <p:sldId id="263" r:id="rId8"/>
+    <p:sldId id="266" r:id="rId9"/>
+    <p:sldId id="257" r:id="rId10"/>
+    <p:sldId id="560" r:id="rId11"/>
+    <p:sldId id="267" r:id="rId12"/>
+    <p:sldId id="268" r:id="rId13"/>
+    <p:sldId id="269" r:id="rId14"/>
+    <p:sldId id="270" r:id="rId15"/>
+    <p:sldId id="271" r:id="rId16"/>
+    <p:sldId id="272" r:id="rId17"/>
+    <p:sldId id="273" r:id="rId18"/>
+    <p:sldId id="274" r:id="rId19"/>
+    <p:sldId id="275" r:id="rId20"/>
+    <p:sldId id="276" r:id="rId21"/>
+    <p:sldId id="349" r:id="rId22"/>
+    <p:sldId id="277" r:id="rId23"/>
   </p:sldIdLst>
   <p:sldSz cx="12192000" cy="6858000"/>
   <p:notesSz cx="6858000" cy="9144000"/>
@@ -133,15 +134,6 @@
     </p:ext>
   </p:extLst>
 </p:presentation>
-</file>
-
-<file path=ppt/revisionInfo.xml><?xml version="1.0" encoding="utf-8"?>
-<p1510:revInfo xmlns:a="http://schemas.openxmlformats.org/drawingml/2006/main" xmlns:r="http://schemas.openxmlformats.org/officeDocument/2006/relationships" xmlns:p1510="http://schemas.microsoft.com/office/powerpoint/2015/10/main">
-  <p1510:revLst>
-    <p1510:client id="{3E372C62-1D75-8044-9708-DED1082C0568}" v="5892" dt="2024-10-15T15:26:44.145"/>
-    <p1510:client id="{F60F2953-5FE3-3744-DDD5-0501B522723E}" v="3471" dt="2024-10-15T02:43:19.227"/>
-  </p1510:revLst>
-</p1510:revInfo>
 </file>
 
 <file path=ppt/notesMasters/notesMaster1.xml><?xml version="1.0" encoding="utf-8"?>
@@ -560,7 +552,7 @@
           <a:lstStyle/>
           <a:p>
             <a:fld id="{8512D0FB-731B-48E4-9667-3793020D078F}" type="slidenum">
-              <a:t>3</a:t>
+              <a:t>4</a:t>
             </a:fld>
             <a:endParaRPr lang="en-US"/>
           </a:p>
@@ -648,7 +640,7 @@
           <a:lstStyle/>
           <a:p>
             <a:fld id="{8512D0FB-731B-48E4-9667-3793020D078F}" type="slidenum">
-              <a:t>7</a:t>
+              <a:t>8</a:t>
             </a:fld>
             <a:endParaRPr lang="en-US"/>
           </a:p>
@@ -753,7 +745,7 @@
           <a:p>
             <a:fld id="{0CEB3C7E-8E18-4826-B9C4-0EA8EF20B24F}" type="slidenum">
               <a:rPr lang="en-US" smtClean="0"/>
-              <a:t>9</a:t>
+              <a:t>10</a:t>
             </a:fld>
             <a:endParaRPr lang="en-US" dirty="0"/>
           </a:p>
@@ -3720,7 +3712,7 @@
           <p:cNvPr id="2" name="Title 1">
             <a:extLst>
               <a:ext uri="{FF2B5EF4-FFF2-40B4-BE49-F238E27FC236}">
-                <a16:creationId xmlns:a16="http://schemas.microsoft.com/office/drawing/2014/main" id="{F4660F0D-7E26-7DD7-B618-7B0240661793}"/>
+                <a16:creationId xmlns:a16="http://schemas.microsoft.com/office/drawing/2014/main" id="{4EE6213B-8890-2D02-3F1B-85DD9AC354E0}"/>
               </a:ext>
             </a:extLst>
           </p:cNvPr>
@@ -3731,396 +3723,1032 @@
             <p:ph type="title"/>
           </p:nvPr>
         </p:nvSpPr>
-        <p:spPr/>
+        <p:spPr>
+          <a:xfrm>
+            <a:off x="1097280" y="286603"/>
+            <a:ext cx="10431574" cy="1450757"/>
+          </a:xfrm>
+        </p:spPr>
         <p:txBody>
           <a:bodyPr/>
           <a:lstStyle/>
           <a:p>
             <a:r>
               <a:rPr lang="en-US" dirty="0"/>
-              <a:t>Step 1: Revisit the receive window from the sender side</a:t>
-            </a:r>
-          </a:p>
-        </p:txBody>
-      </p:sp>
-      <p:sp>
-        <p:nvSpPr>
-          <p:cNvPr id="3" name="Content Placeholder 2">
-            <a:extLst>
-              <a:ext uri="{FF2B5EF4-FFF2-40B4-BE49-F238E27FC236}">
-                <a16:creationId xmlns:a16="http://schemas.microsoft.com/office/drawing/2014/main" id="{2B00A46F-1201-A5BA-EC3F-3397E25207CF}"/>
-              </a:ext>
-            </a:extLst>
-          </p:cNvPr>
-          <p:cNvSpPr>
-            <a:spLocks noGrp="1"/>
-          </p:cNvSpPr>
-          <p:nvPr>
-            <p:ph idx="1"/>
-          </p:nvPr>
-        </p:nvSpPr>
-        <p:spPr/>
-        <p:txBody>
-          <a:bodyPr vert="horz" lIns="91440" tIns="45720" rIns="91440" bIns="45720" rtlCol="0" anchor="t">
-            <a:normAutofit fontScale="62500" lnSpcReduction="20000"/>
+              <a:t>The problem: finding the right sending rate</a:t>
+            </a:r>
+          </a:p>
+        </p:txBody>
+      </p:sp>
+      <p:pic>
+        <p:nvPicPr>
+          <p:cNvPr id="4" name="Picture 3">
+            <a:extLst>
+              <a:ext uri="{FF2B5EF4-FFF2-40B4-BE49-F238E27FC236}">
+                <a16:creationId xmlns:a16="http://schemas.microsoft.com/office/drawing/2014/main" id="{757DF1D2-08C1-3BAA-C22D-AE13060187B5}"/>
+              </a:ext>
+            </a:extLst>
+          </p:cNvPr>
+          <p:cNvPicPr>
+            <a:picLocks noChangeAspect="1"/>
+          </p:cNvPicPr>
+          <p:nvPr/>
+        </p:nvPicPr>
+        <p:blipFill>
+          <a:blip r:embed="rId3">
+            <a:extLst>
+              <a:ext uri="{28A0092B-C50C-407E-A947-70E740481C1C}">
+                <a14:useLocalDpi xmlns:a14="http://schemas.microsoft.com/office/drawing/2010/main" val="0"/>
+              </a:ext>
+            </a:extLst>
+          </a:blip>
+          <a:srcRect/>
+          <a:stretch/>
+        </p:blipFill>
+        <p:spPr>
+          <a:xfrm>
+            <a:off x="247828" y="5081572"/>
+            <a:ext cx="10014768" cy="625923"/>
+          </a:xfrm>
+          <a:prstGeom prst="rect">
+            <a:avLst/>
+          </a:prstGeom>
+        </p:spPr>
+      </p:pic>
+      <p:pic>
+        <p:nvPicPr>
+          <p:cNvPr id="6" name="Picture 5">
+            <a:extLst>
+              <a:ext uri="{FF2B5EF4-FFF2-40B4-BE49-F238E27FC236}">
+                <a16:creationId xmlns:a16="http://schemas.microsoft.com/office/drawing/2014/main" id="{34B9798E-3012-87EC-BAA8-9492096495EC}"/>
+              </a:ext>
+            </a:extLst>
+          </p:cNvPr>
+          <p:cNvPicPr>
+            <a:picLocks noChangeAspect="1"/>
+          </p:cNvPicPr>
+          <p:nvPr/>
+        </p:nvPicPr>
+        <p:blipFill>
+          <a:blip r:embed="rId4">
+            <a:extLst>
+              <a:ext uri="{28A0092B-C50C-407E-A947-70E740481C1C}">
+                <a14:useLocalDpi xmlns:a14="http://schemas.microsoft.com/office/drawing/2010/main" val="0"/>
+              </a:ext>
+            </a:extLst>
+          </a:blip>
+          <a:srcRect/>
+          <a:stretch/>
+        </p:blipFill>
+        <p:spPr>
+          <a:xfrm>
+            <a:off x="247828" y="3620800"/>
+            <a:ext cx="10014768" cy="625923"/>
+          </a:xfrm>
+          <a:prstGeom prst="rect">
+            <a:avLst/>
+          </a:prstGeom>
+        </p:spPr>
+      </p:pic>
+      <p:pic>
+        <p:nvPicPr>
+          <p:cNvPr id="8" name="Picture 7">
+            <a:extLst>
+              <a:ext uri="{FF2B5EF4-FFF2-40B4-BE49-F238E27FC236}">
+                <a16:creationId xmlns:a16="http://schemas.microsoft.com/office/drawing/2014/main" id="{D3E5B37C-4F81-E5B4-227C-A7D92C92E71C}"/>
+              </a:ext>
+            </a:extLst>
+          </p:cNvPr>
+          <p:cNvPicPr>
+            <a:picLocks noChangeAspect="1"/>
+          </p:cNvPicPr>
+          <p:nvPr/>
+        </p:nvPicPr>
+        <p:blipFill>
+          <a:blip r:embed="rId5">
+            <a:extLst>
+              <a:ext uri="{28A0092B-C50C-407E-A947-70E740481C1C}">
+                <a14:useLocalDpi xmlns:a14="http://schemas.microsoft.com/office/drawing/2010/main" val="0"/>
+              </a:ext>
+            </a:extLst>
+          </a:blip>
+          <a:srcRect/>
+          <a:stretch/>
+        </p:blipFill>
+        <p:spPr>
+          <a:xfrm>
+            <a:off x="111993" y="1846511"/>
+            <a:ext cx="10014768" cy="625923"/>
+          </a:xfrm>
+          <a:prstGeom prst="rect">
+            <a:avLst/>
+          </a:prstGeom>
+        </p:spPr>
+      </p:pic>
+      <p:grpSp>
+        <p:nvGrpSpPr>
+          <p:cNvPr id="17" name="Group 16">
+            <a:extLst>
+              <a:ext uri="{FF2B5EF4-FFF2-40B4-BE49-F238E27FC236}">
+                <a16:creationId xmlns:a16="http://schemas.microsoft.com/office/drawing/2014/main" id="{765A8A71-DCE5-9413-AD6A-26B74AA94C2D}"/>
+              </a:ext>
+            </a:extLst>
+          </p:cNvPr>
+          <p:cNvGrpSpPr/>
+          <p:nvPr/>
+        </p:nvGrpSpPr>
+        <p:grpSpPr>
+          <a:xfrm>
+            <a:off x="221802" y="1977206"/>
+            <a:ext cx="9571115" cy="563267"/>
+            <a:chOff x="304299" y="1977206"/>
+            <a:chExt cx="11651888" cy="563267"/>
+          </a:xfrm>
+        </p:grpSpPr>
+        <p:sp>
+          <p:nvSpPr>
+            <p:cNvPr id="9" name="Rectangle 8">
+              <a:extLst>
+                <a:ext uri="{FF2B5EF4-FFF2-40B4-BE49-F238E27FC236}">
+                  <a16:creationId xmlns:a16="http://schemas.microsoft.com/office/drawing/2014/main" id="{5B24C1FC-7E5D-BB87-A0A4-CBEE903C8CAB}"/>
+                </a:ext>
+              </a:extLst>
+            </p:cNvPr>
+            <p:cNvSpPr/>
+            <p:nvPr/>
+          </p:nvSpPr>
+          <p:spPr>
+            <a:xfrm>
+              <a:off x="304299" y="1977206"/>
+              <a:ext cx="1331174" cy="498102"/>
+            </a:xfrm>
+            <a:prstGeom prst="rect">
+              <a:avLst/>
+            </a:prstGeom>
+          </p:spPr>
+          <p:style>
+            <a:lnRef idx="2">
+              <a:schemeClr val="accent1">
+                <a:shade val="50000"/>
+              </a:schemeClr>
+            </a:lnRef>
+            <a:fillRef idx="1">
+              <a:schemeClr val="accent1"/>
+            </a:fillRef>
+            <a:effectRef idx="0">
+              <a:schemeClr val="accent1"/>
+            </a:effectRef>
+            <a:fontRef idx="minor">
+              <a:schemeClr val="lt1"/>
+            </a:fontRef>
+          </p:style>
+          <p:txBody>
+            <a:bodyPr rtlCol="0" anchor="ctr"/>
+            <a:lstStyle/>
+            <a:p>
+              <a:pPr algn="ctr"/>
+              <a:r>
+                <a:rPr lang="en-US" sz="2000" dirty="0"/>
+                <a:t>Sender</a:t>
+              </a:r>
+              <a:endParaRPr lang="en-US" sz="1600" dirty="0"/>
+            </a:p>
+          </p:txBody>
+        </p:sp>
+        <p:sp>
+          <p:nvSpPr>
+            <p:cNvPr id="10" name="Rectangle 9">
+              <a:extLst>
+                <a:ext uri="{FF2B5EF4-FFF2-40B4-BE49-F238E27FC236}">
+                  <a16:creationId xmlns:a16="http://schemas.microsoft.com/office/drawing/2014/main" id="{0C558644-C60E-F0F8-9599-791E9BD97614}"/>
+                </a:ext>
+              </a:extLst>
+            </p:cNvPr>
+            <p:cNvSpPr/>
+            <p:nvPr/>
+          </p:nvSpPr>
+          <p:spPr>
+            <a:xfrm>
+              <a:off x="10239800" y="1982624"/>
+              <a:ext cx="1716387" cy="498102"/>
+            </a:xfrm>
+            <a:prstGeom prst="rect">
+              <a:avLst/>
+            </a:prstGeom>
+          </p:spPr>
+          <p:style>
+            <a:lnRef idx="2">
+              <a:schemeClr val="accent1">
+                <a:shade val="50000"/>
+              </a:schemeClr>
+            </a:lnRef>
+            <a:fillRef idx="1">
+              <a:schemeClr val="accent1"/>
+            </a:fillRef>
+            <a:effectRef idx="0">
+              <a:schemeClr val="accent1"/>
+            </a:effectRef>
+            <a:fontRef idx="minor">
+              <a:schemeClr val="lt1"/>
+            </a:fontRef>
+          </p:style>
+          <p:txBody>
+            <a:bodyPr rtlCol="0" anchor="ctr"/>
+            <a:lstStyle/>
+            <a:p>
+              <a:pPr algn="ctr"/>
+              <a:r>
+                <a:rPr lang="en-US" sz="2400" dirty="0"/>
+                <a:t>Receiver</a:t>
+              </a:r>
+              <a:endParaRPr lang="en-US" dirty="0"/>
+            </a:p>
+          </p:txBody>
+        </p:sp>
+        <p:pic>
+          <p:nvPicPr>
+            <p:cNvPr id="14" name="Picture 13" descr="Logo, icon&#10;&#10;Description automatically generated">
+              <a:extLst>
+                <a:ext uri="{FF2B5EF4-FFF2-40B4-BE49-F238E27FC236}">
+                  <a16:creationId xmlns:a16="http://schemas.microsoft.com/office/drawing/2014/main" id="{5F16A247-0840-39A1-779D-5AD478C9BFBA}"/>
+                </a:ext>
+              </a:extLst>
+            </p:cNvPr>
+            <p:cNvPicPr>
+              <a:picLocks noChangeAspect="1"/>
+            </p:cNvPicPr>
+            <p:nvPr/>
+          </p:nvPicPr>
+          <p:blipFill>
+            <a:blip r:embed="rId6">
+              <a:extLst>
+                <a:ext uri="{28A0092B-C50C-407E-A947-70E740481C1C}">
+                  <a14:useLocalDpi xmlns:a14="http://schemas.microsoft.com/office/drawing/2010/main" val="0"/>
+                </a:ext>
+              </a:extLst>
+            </a:blip>
+            <a:stretch>
+              <a:fillRect/>
+            </a:stretch>
+          </p:blipFill>
+          <p:spPr>
+            <a:xfrm>
+              <a:off x="2382471" y="2030926"/>
+              <a:ext cx="695026" cy="498102"/>
+            </a:xfrm>
+            <a:prstGeom prst="rect">
+              <a:avLst/>
+            </a:prstGeom>
+          </p:spPr>
+        </p:pic>
+        <p:pic>
+          <p:nvPicPr>
+            <p:cNvPr id="15" name="Picture 14" descr="Logo, icon&#10;&#10;Description automatically generated">
+              <a:extLst>
+                <a:ext uri="{FF2B5EF4-FFF2-40B4-BE49-F238E27FC236}">
+                  <a16:creationId xmlns:a16="http://schemas.microsoft.com/office/drawing/2014/main" id="{5E53FB2A-51EA-9B63-E6DE-4C802C2E8B70}"/>
+                </a:ext>
+              </a:extLst>
+            </p:cNvPr>
+            <p:cNvPicPr>
+              <a:picLocks noChangeAspect="1"/>
+            </p:cNvPicPr>
+            <p:nvPr/>
+          </p:nvPicPr>
+          <p:blipFill>
+            <a:blip r:embed="rId6">
+              <a:extLst>
+                <a:ext uri="{28A0092B-C50C-407E-A947-70E740481C1C}">
+                  <a14:useLocalDpi xmlns:a14="http://schemas.microsoft.com/office/drawing/2010/main" val="0"/>
+                </a:ext>
+              </a:extLst>
+            </a:blip>
+            <a:stretch>
+              <a:fillRect/>
+            </a:stretch>
+          </p:blipFill>
+          <p:spPr>
+            <a:xfrm>
+              <a:off x="7555427" y="2042371"/>
+              <a:ext cx="695026" cy="498102"/>
+            </a:xfrm>
+            <a:prstGeom prst="rect">
+              <a:avLst/>
+            </a:prstGeom>
+          </p:spPr>
+        </p:pic>
+        <p:pic>
+          <p:nvPicPr>
+            <p:cNvPr id="16" name="Picture 15" descr="Logo, icon&#10;&#10;Description automatically generated">
+              <a:extLst>
+                <a:ext uri="{FF2B5EF4-FFF2-40B4-BE49-F238E27FC236}">
+                  <a16:creationId xmlns:a16="http://schemas.microsoft.com/office/drawing/2014/main" id="{05A61C1E-4EE5-55B8-31E1-A24A2DFF02BB}"/>
+                </a:ext>
+              </a:extLst>
+            </p:cNvPr>
+            <p:cNvPicPr>
+              <a:picLocks noChangeAspect="1"/>
+            </p:cNvPicPr>
+            <p:nvPr/>
+          </p:nvPicPr>
+          <p:blipFill>
+            <a:blip r:embed="rId6">
+              <a:extLst>
+                <a:ext uri="{28A0092B-C50C-407E-A947-70E740481C1C}">
+                  <a14:useLocalDpi xmlns:a14="http://schemas.microsoft.com/office/drawing/2010/main" val="0"/>
+                </a:ext>
+              </a:extLst>
+            </a:blip>
+            <a:stretch>
+              <a:fillRect/>
+            </a:stretch>
+          </p:blipFill>
+          <p:spPr>
+            <a:xfrm>
+              <a:off x="4305159" y="2030926"/>
+              <a:ext cx="695026" cy="498102"/>
+            </a:xfrm>
+            <a:prstGeom prst="rect">
+              <a:avLst/>
+            </a:prstGeom>
+          </p:spPr>
+        </p:pic>
+      </p:grpSp>
+      <p:grpSp>
+        <p:nvGrpSpPr>
+          <p:cNvPr id="18" name="Group 17">
+            <a:extLst>
+              <a:ext uri="{FF2B5EF4-FFF2-40B4-BE49-F238E27FC236}">
+                <a16:creationId xmlns:a16="http://schemas.microsoft.com/office/drawing/2014/main" id="{9A8D790B-4486-53D8-A25F-9A509BB6AF10}"/>
+              </a:ext>
+            </a:extLst>
+          </p:cNvPr>
+          <p:cNvGrpSpPr/>
+          <p:nvPr/>
+        </p:nvGrpSpPr>
+        <p:grpSpPr>
+          <a:xfrm>
+            <a:off x="215196" y="5192047"/>
+            <a:ext cx="9580242" cy="557849"/>
+            <a:chOff x="110257" y="1982624"/>
+            <a:chExt cx="11662999" cy="557849"/>
+          </a:xfrm>
+        </p:grpSpPr>
+        <p:sp>
+          <p:nvSpPr>
+            <p:cNvPr id="19" name="Rectangle 18">
+              <a:extLst>
+                <a:ext uri="{FF2B5EF4-FFF2-40B4-BE49-F238E27FC236}">
+                  <a16:creationId xmlns:a16="http://schemas.microsoft.com/office/drawing/2014/main" id="{23B3C3B3-5982-41BE-3F89-67F8BB7FE377}"/>
+                </a:ext>
+              </a:extLst>
+            </p:cNvPr>
+            <p:cNvSpPr/>
+            <p:nvPr/>
+          </p:nvSpPr>
+          <p:spPr>
+            <a:xfrm>
+              <a:off x="110257" y="1982624"/>
+              <a:ext cx="1339216" cy="498102"/>
+            </a:xfrm>
+            <a:prstGeom prst="rect">
+              <a:avLst/>
+            </a:prstGeom>
+          </p:spPr>
+          <p:style>
+            <a:lnRef idx="2">
+              <a:schemeClr val="accent1">
+                <a:shade val="50000"/>
+              </a:schemeClr>
+            </a:lnRef>
+            <a:fillRef idx="1">
+              <a:schemeClr val="accent1"/>
+            </a:fillRef>
+            <a:effectRef idx="0">
+              <a:schemeClr val="accent1"/>
+            </a:effectRef>
+            <a:fontRef idx="minor">
+              <a:schemeClr val="lt1"/>
+            </a:fontRef>
+          </p:style>
+          <p:txBody>
+            <a:bodyPr rtlCol="0" anchor="ctr"/>
+            <a:lstStyle/>
+            <a:p>
+              <a:pPr algn="ctr"/>
+              <a:r>
+                <a:rPr lang="en-US" sz="2000" dirty="0"/>
+                <a:t>Sender</a:t>
+              </a:r>
+              <a:endParaRPr lang="en-US" sz="1600" dirty="0"/>
+            </a:p>
+          </p:txBody>
+        </p:sp>
+        <p:sp>
+          <p:nvSpPr>
+            <p:cNvPr id="20" name="Rectangle 19">
+              <a:extLst>
+                <a:ext uri="{FF2B5EF4-FFF2-40B4-BE49-F238E27FC236}">
+                  <a16:creationId xmlns:a16="http://schemas.microsoft.com/office/drawing/2014/main" id="{9ED54C4A-9F53-0F59-83D9-137736B847EA}"/>
+                </a:ext>
+              </a:extLst>
+            </p:cNvPr>
+            <p:cNvSpPr/>
+            <p:nvPr/>
+          </p:nvSpPr>
+          <p:spPr>
+            <a:xfrm>
+              <a:off x="10054268" y="1982624"/>
+              <a:ext cx="1718988" cy="498102"/>
+            </a:xfrm>
+            <a:prstGeom prst="rect">
+              <a:avLst/>
+            </a:prstGeom>
+          </p:spPr>
+          <p:style>
+            <a:lnRef idx="2">
+              <a:schemeClr val="accent1">
+                <a:shade val="50000"/>
+              </a:schemeClr>
+            </a:lnRef>
+            <a:fillRef idx="1">
+              <a:schemeClr val="accent1"/>
+            </a:fillRef>
+            <a:effectRef idx="0">
+              <a:schemeClr val="accent1"/>
+            </a:effectRef>
+            <a:fontRef idx="minor">
+              <a:schemeClr val="lt1"/>
+            </a:fontRef>
+          </p:style>
+          <p:txBody>
+            <a:bodyPr rtlCol="0" anchor="ctr"/>
+            <a:lstStyle/>
+            <a:p>
+              <a:pPr algn="ctr"/>
+              <a:r>
+                <a:rPr lang="en-US" sz="2400" dirty="0"/>
+                <a:t>Receiver</a:t>
+              </a:r>
+              <a:endParaRPr lang="en-US" dirty="0"/>
+            </a:p>
+          </p:txBody>
+        </p:sp>
+        <p:pic>
+          <p:nvPicPr>
+            <p:cNvPr id="21" name="Picture 20" descr="Logo, icon&#10;&#10;Description automatically generated">
+              <a:extLst>
+                <a:ext uri="{FF2B5EF4-FFF2-40B4-BE49-F238E27FC236}">
+                  <a16:creationId xmlns:a16="http://schemas.microsoft.com/office/drawing/2014/main" id="{B09691C8-61C3-85FF-3A4B-048B912168F0}"/>
+                </a:ext>
+              </a:extLst>
+            </p:cNvPr>
+            <p:cNvPicPr>
+              <a:picLocks noChangeAspect="1"/>
+            </p:cNvPicPr>
+            <p:nvPr/>
+          </p:nvPicPr>
+          <p:blipFill>
+            <a:blip r:embed="rId6">
+              <a:extLst>
+                <a:ext uri="{28A0092B-C50C-407E-A947-70E740481C1C}">
+                  <a14:useLocalDpi xmlns:a14="http://schemas.microsoft.com/office/drawing/2010/main" val="0"/>
+                </a:ext>
+              </a:extLst>
+            </a:blip>
+            <a:stretch>
+              <a:fillRect/>
+            </a:stretch>
+          </p:blipFill>
+          <p:spPr>
+            <a:xfrm>
+              <a:off x="2382471" y="2030926"/>
+              <a:ext cx="695026" cy="498102"/>
+            </a:xfrm>
+            <a:prstGeom prst="rect">
+              <a:avLst/>
+            </a:prstGeom>
+          </p:spPr>
+        </p:pic>
+        <p:pic>
+          <p:nvPicPr>
+            <p:cNvPr id="22" name="Picture 21" descr="Logo, icon&#10;&#10;Description automatically generated">
+              <a:extLst>
+                <a:ext uri="{FF2B5EF4-FFF2-40B4-BE49-F238E27FC236}">
+                  <a16:creationId xmlns:a16="http://schemas.microsoft.com/office/drawing/2014/main" id="{26EA2287-1277-A619-15C7-A4CFFD20C2E1}"/>
+                </a:ext>
+              </a:extLst>
+            </p:cNvPr>
+            <p:cNvPicPr>
+              <a:picLocks noChangeAspect="1"/>
+            </p:cNvPicPr>
+            <p:nvPr/>
+          </p:nvPicPr>
+          <p:blipFill>
+            <a:blip r:embed="rId6">
+              <a:extLst>
+                <a:ext uri="{28A0092B-C50C-407E-A947-70E740481C1C}">
+                  <a14:useLocalDpi xmlns:a14="http://schemas.microsoft.com/office/drawing/2010/main" val="0"/>
+                </a:ext>
+              </a:extLst>
+            </a:blip>
+            <a:stretch>
+              <a:fillRect/>
+            </a:stretch>
+          </p:blipFill>
+          <p:spPr>
+            <a:xfrm>
+              <a:off x="7555427" y="2042371"/>
+              <a:ext cx="695026" cy="498102"/>
+            </a:xfrm>
+            <a:prstGeom prst="rect">
+              <a:avLst/>
+            </a:prstGeom>
+          </p:spPr>
+        </p:pic>
+        <p:pic>
+          <p:nvPicPr>
+            <p:cNvPr id="23" name="Picture 22" descr="Logo, icon&#10;&#10;Description automatically generated">
+              <a:extLst>
+                <a:ext uri="{FF2B5EF4-FFF2-40B4-BE49-F238E27FC236}">
+                  <a16:creationId xmlns:a16="http://schemas.microsoft.com/office/drawing/2014/main" id="{73388607-CB6E-F825-FB48-8219A7C1CE6D}"/>
+                </a:ext>
+              </a:extLst>
+            </p:cNvPr>
+            <p:cNvPicPr>
+              <a:picLocks noChangeAspect="1"/>
+            </p:cNvPicPr>
+            <p:nvPr/>
+          </p:nvPicPr>
+          <p:blipFill>
+            <a:blip r:embed="rId6">
+              <a:extLst>
+                <a:ext uri="{28A0092B-C50C-407E-A947-70E740481C1C}">
+                  <a14:useLocalDpi xmlns:a14="http://schemas.microsoft.com/office/drawing/2010/main" val="0"/>
+                </a:ext>
+              </a:extLst>
+            </a:blip>
+            <a:stretch>
+              <a:fillRect/>
+            </a:stretch>
+          </p:blipFill>
+          <p:spPr>
+            <a:xfrm>
+              <a:off x="4305159" y="2030926"/>
+              <a:ext cx="695026" cy="498102"/>
+            </a:xfrm>
+            <a:prstGeom prst="rect">
+              <a:avLst/>
+            </a:prstGeom>
+          </p:spPr>
+        </p:pic>
+      </p:grpSp>
+      <p:grpSp>
+        <p:nvGrpSpPr>
+          <p:cNvPr id="25" name="Group 24">
+            <a:extLst>
+              <a:ext uri="{FF2B5EF4-FFF2-40B4-BE49-F238E27FC236}">
+                <a16:creationId xmlns:a16="http://schemas.microsoft.com/office/drawing/2014/main" id="{2F24D33F-0121-3456-FDC5-5DD9A00F45E8}"/>
+              </a:ext>
+            </a:extLst>
+          </p:cNvPr>
+          <p:cNvGrpSpPr/>
+          <p:nvPr/>
+        </p:nvGrpSpPr>
+        <p:grpSpPr>
+          <a:xfrm>
+            <a:off x="215196" y="3744961"/>
+            <a:ext cx="9580242" cy="557849"/>
+            <a:chOff x="110257" y="1982624"/>
+            <a:chExt cx="11662999" cy="557849"/>
+          </a:xfrm>
+        </p:grpSpPr>
+        <p:sp>
+          <p:nvSpPr>
+            <p:cNvPr id="26" name="Rectangle 25">
+              <a:extLst>
+                <a:ext uri="{FF2B5EF4-FFF2-40B4-BE49-F238E27FC236}">
+                  <a16:creationId xmlns:a16="http://schemas.microsoft.com/office/drawing/2014/main" id="{A593618B-524F-84B5-4E90-2DE16F841FD0}"/>
+                </a:ext>
+              </a:extLst>
+            </p:cNvPr>
+            <p:cNvSpPr/>
+            <p:nvPr/>
+          </p:nvSpPr>
+          <p:spPr>
+            <a:xfrm>
+              <a:off x="110257" y="1986973"/>
+              <a:ext cx="1339216" cy="498102"/>
+            </a:xfrm>
+            <a:prstGeom prst="rect">
+              <a:avLst/>
+            </a:prstGeom>
+          </p:spPr>
+          <p:style>
+            <a:lnRef idx="2">
+              <a:schemeClr val="accent1">
+                <a:shade val="50000"/>
+              </a:schemeClr>
+            </a:lnRef>
+            <a:fillRef idx="1">
+              <a:schemeClr val="accent1"/>
+            </a:fillRef>
+            <a:effectRef idx="0">
+              <a:schemeClr val="accent1"/>
+            </a:effectRef>
+            <a:fontRef idx="minor">
+              <a:schemeClr val="lt1"/>
+            </a:fontRef>
+          </p:style>
+          <p:txBody>
+            <a:bodyPr rtlCol="0" anchor="ctr"/>
+            <a:lstStyle/>
+            <a:p>
+              <a:pPr algn="ctr"/>
+              <a:r>
+                <a:rPr lang="en-US" sz="2000" dirty="0"/>
+                <a:t>Sender</a:t>
+              </a:r>
+              <a:endParaRPr lang="en-US" sz="1600" dirty="0"/>
+            </a:p>
+          </p:txBody>
+        </p:sp>
+        <p:sp>
+          <p:nvSpPr>
+            <p:cNvPr id="27" name="Rectangle 26">
+              <a:extLst>
+                <a:ext uri="{FF2B5EF4-FFF2-40B4-BE49-F238E27FC236}">
+                  <a16:creationId xmlns:a16="http://schemas.microsoft.com/office/drawing/2014/main" id="{A9546EED-E587-1EA8-21DF-12D09A0C2198}"/>
+                </a:ext>
+              </a:extLst>
+            </p:cNvPr>
+            <p:cNvSpPr/>
+            <p:nvPr/>
+          </p:nvSpPr>
+          <p:spPr>
+            <a:xfrm>
+              <a:off x="10054268" y="1982624"/>
+              <a:ext cx="1718988" cy="498102"/>
+            </a:xfrm>
+            <a:prstGeom prst="rect">
+              <a:avLst/>
+            </a:prstGeom>
+          </p:spPr>
+          <p:style>
+            <a:lnRef idx="2">
+              <a:schemeClr val="accent1">
+                <a:shade val="50000"/>
+              </a:schemeClr>
+            </a:lnRef>
+            <a:fillRef idx="1">
+              <a:schemeClr val="accent1"/>
+            </a:fillRef>
+            <a:effectRef idx="0">
+              <a:schemeClr val="accent1"/>
+            </a:effectRef>
+            <a:fontRef idx="minor">
+              <a:schemeClr val="lt1"/>
+            </a:fontRef>
+          </p:style>
+          <p:txBody>
+            <a:bodyPr rtlCol="0" anchor="ctr"/>
+            <a:lstStyle/>
+            <a:p>
+              <a:pPr algn="ctr"/>
+              <a:r>
+                <a:rPr lang="en-US" sz="2400" dirty="0"/>
+                <a:t>Receiver</a:t>
+              </a:r>
+              <a:endParaRPr lang="en-US" dirty="0"/>
+            </a:p>
+          </p:txBody>
+        </p:sp>
+        <p:pic>
+          <p:nvPicPr>
+            <p:cNvPr id="28" name="Picture 27" descr="Logo, icon&#10;&#10;Description automatically generated">
+              <a:extLst>
+                <a:ext uri="{FF2B5EF4-FFF2-40B4-BE49-F238E27FC236}">
+                  <a16:creationId xmlns:a16="http://schemas.microsoft.com/office/drawing/2014/main" id="{7990018B-ADA0-7903-1456-ADA095BA82D2}"/>
+                </a:ext>
+              </a:extLst>
+            </p:cNvPr>
+            <p:cNvPicPr>
+              <a:picLocks noChangeAspect="1"/>
+            </p:cNvPicPr>
+            <p:nvPr/>
+          </p:nvPicPr>
+          <p:blipFill>
+            <a:blip r:embed="rId6">
+              <a:extLst>
+                <a:ext uri="{28A0092B-C50C-407E-A947-70E740481C1C}">
+                  <a14:useLocalDpi xmlns:a14="http://schemas.microsoft.com/office/drawing/2010/main" val="0"/>
+                </a:ext>
+              </a:extLst>
+            </a:blip>
+            <a:stretch>
+              <a:fillRect/>
+            </a:stretch>
+          </p:blipFill>
+          <p:spPr>
+            <a:xfrm>
+              <a:off x="2382471" y="2030926"/>
+              <a:ext cx="695026" cy="498102"/>
+            </a:xfrm>
+            <a:prstGeom prst="rect">
+              <a:avLst/>
+            </a:prstGeom>
+          </p:spPr>
+        </p:pic>
+        <p:pic>
+          <p:nvPicPr>
+            <p:cNvPr id="29" name="Picture 28" descr="Logo, icon&#10;&#10;Description automatically generated">
+              <a:extLst>
+                <a:ext uri="{FF2B5EF4-FFF2-40B4-BE49-F238E27FC236}">
+                  <a16:creationId xmlns:a16="http://schemas.microsoft.com/office/drawing/2014/main" id="{9005FF14-AA6D-6A4D-D493-43A0DEB9B840}"/>
+                </a:ext>
+              </a:extLst>
+            </p:cNvPr>
+            <p:cNvPicPr>
+              <a:picLocks noChangeAspect="1"/>
+            </p:cNvPicPr>
+            <p:nvPr/>
+          </p:nvPicPr>
+          <p:blipFill>
+            <a:blip r:embed="rId6">
+              <a:extLst>
+                <a:ext uri="{28A0092B-C50C-407E-A947-70E740481C1C}">
+                  <a14:useLocalDpi xmlns:a14="http://schemas.microsoft.com/office/drawing/2010/main" val="0"/>
+                </a:ext>
+              </a:extLst>
+            </a:blip>
+            <a:stretch>
+              <a:fillRect/>
+            </a:stretch>
+          </p:blipFill>
+          <p:spPr>
+            <a:xfrm>
+              <a:off x="7555427" y="2042371"/>
+              <a:ext cx="695026" cy="498102"/>
+            </a:xfrm>
+            <a:prstGeom prst="rect">
+              <a:avLst/>
+            </a:prstGeom>
+          </p:spPr>
+        </p:pic>
+        <p:pic>
+          <p:nvPicPr>
+            <p:cNvPr id="30" name="Picture 29" descr="Logo, icon&#10;&#10;Description automatically generated">
+              <a:extLst>
+                <a:ext uri="{FF2B5EF4-FFF2-40B4-BE49-F238E27FC236}">
+                  <a16:creationId xmlns:a16="http://schemas.microsoft.com/office/drawing/2014/main" id="{E2093536-A4D0-1664-23DB-925572496CF9}"/>
+                </a:ext>
+              </a:extLst>
+            </p:cNvPr>
+            <p:cNvPicPr>
+              <a:picLocks noChangeAspect="1"/>
+            </p:cNvPicPr>
+            <p:nvPr/>
+          </p:nvPicPr>
+          <p:blipFill>
+            <a:blip r:embed="rId6">
+              <a:extLst>
+                <a:ext uri="{28A0092B-C50C-407E-A947-70E740481C1C}">
+                  <a14:useLocalDpi xmlns:a14="http://schemas.microsoft.com/office/drawing/2010/main" val="0"/>
+                </a:ext>
+              </a:extLst>
+            </a:blip>
+            <a:stretch>
+              <a:fillRect/>
+            </a:stretch>
+          </p:blipFill>
+          <p:spPr>
+            <a:xfrm>
+              <a:off x="4305159" y="2030926"/>
+              <a:ext cx="695026" cy="498102"/>
+            </a:xfrm>
+            <a:prstGeom prst="rect">
+              <a:avLst/>
+            </a:prstGeom>
+          </p:spPr>
+        </p:pic>
+      </p:grpSp>
+      <p:pic>
+        <p:nvPicPr>
+          <p:cNvPr id="32" name="Graphic 31" descr="Close with solid fill">
+            <a:extLst>
+              <a:ext uri="{FF2B5EF4-FFF2-40B4-BE49-F238E27FC236}">
+                <a16:creationId xmlns:a16="http://schemas.microsoft.com/office/drawing/2014/main" id="{F91DB20B-C26A-6D5A-B699-ACF9E169392E}"/>
+              </a:ext>
+            </a:extLst>
+          </p:cNvPr>
+          <p:cNvPicPr>
+            <a:picLocks noChangeAspect="1"/>
+          </p:cNvPicPr>
+          <p:nvPr/>
+        </p:nvPicPr>
+        <p:blipFill>
+          <a:blip r:embed="rId7">
+            <a:extLst>
+              <a:ext uri="{28A0092B-C50C-407E-A947-70E740481C1C}">
+                <a14:useLocalDpi xmlns:a14="http://schemas.microsoft.com/office/drawing/2010/main" val="0"/>
+              </a:ext>
+              <a:ext uri="{96DAC541-7B7A-43D3-8B79-37D633B846F1}">
+                <asvg:svgBlip xmlns:asvg="http://schemas.microsoft.com/office/drawing/2016/SVG/main" r:embed="rId8"/>
+              </a:ext>
+            </a:extLst>
+          </a:blip>
+          <a:stretch>
+            <a:fillRect/>
+          </a:stretch>
+        </p:blipFill>
+        <p:spPr>
+          <a:xfrm>
+            <a:off x="9795438" y="1939403"/>
+            <a:ext cx="601070" cy="601070"/>
+          </a:xfrm>
+          <a:prstGeom prst="rect">
+            <a:avLst/>
+          </a:prstGeom>
+        </p:spPr>
+      </p:pic>
+      <p:sp>
+        <p:nvSpPr>
+          <p:cNvPr id="33" name="TextBox 32">
+            <a:extLst>
+              <a:ext uri="{FF2B5EF4-FFF2-40B4-BE49-F238E27FC236}">
+                <a16:creationId xmlns:a16="http://schemas.microsoft.com/office/drawing/2014/main" id="{640B0207-2D68-FD05-C68F-F396CAA6A8BD}"/>
+              </a:ext>
+            </a:extLst>
+          </p:cNvPr>
+          <p:cNvSpPr txBox="1"/>
+          <p:nvPr/>
+        </p:nvSpPr>
+        <p:spPr>
+          <a:xfrm flipH="1">
+            <a:off x="10398644" y="2055272"/>
+            <a:ext cx="1362214" cy="461665"/>
+          </a:xfrm>
+          <a:prstGeom prst="rect">
+            <a:avLst/>
+          </a:prstGeom>
+          <a:noFill/>
+        </p:spPr>
+        <p:txBody>
+          <a:bodyPr wrap="square" rtlCol="0">
+            <a:spAutoFit/>
           </a:bodyPr>
           <a:lstStyle/>
           <a:p>
-            <a:pPr marL="0" indent="0">
-              <a:buNone/>
-            </a:pPr>
-            <a:r>
-              <a:rPr lang="en-US" dirty="0"/>
-              <a:t>Algorithm implemented at the sender side</a:t>
-            </a:r>
-          </a:p>
-          <a:p>
-            <a:pPr marL="0" indent="0">
-              <a:buNone/>
-            </a:pPr>
-            <a:r>
-              <a:rPr lang="en-US" dirty="0">
-                <a:solidFill>
-                  <a:srgbClr val="92D050"/>
-                </a:solidFill>
-                <a:latin typeface="Lucida Sans Typewriter"/>
-              </a:rPr>
-              <a:t># Global variable</a:t>
-            </a:r>
-          </a:p>
-          <a:p>
-            <a:pPr marL="0" indent="0">
-              <a:buNone/>
-            </a:pPr>
-            <a:r>
-              <a:rPr lang="en-US" dirty="0">
-                <a:latin typeface="Lucida Sans Typewriter"/>
-              </a:rPr>
-              <a:t>inflight = 0 </a:t>
-            </a:r>
-          </a:p>
-          <a:p>
-            <a:pPr marL="0" indent="0">
-              <a:buNone/>
-            </a:pPr>
-            <a:r>
-              <a:rPr lang="en-US" dirty="0">
-                <a:solidFill>
-                  <a:srgbClr val="92D050"/>
-                </a:solidFill>
-                <a:latin typeface="Lucida Sans Typewriter"/>
-              </a:rPr>
-              <a:t># Receive window, a global variable whose value is set by code that is not shown here</a:t>
-            </a:r>
-            <a:br>
-              <a:rPr lang="en-US" dirty="0">
-                <a:latin typeface="Lucida Sans Typewriter"/>
-              </a:rPr>
-            </a:br>
-            <a:r>
-              <a:rPr lang="en-US" dirty="0" err="1">
-                <a:latin typeface="Lucida Sans Typewriter"/>
-              </a:rPr>
-              <a:t>rwnd</a:t>
-            </a:r>
-            <a:r>
-              <a:rPr lang="en-US" dirty="0">
-                <a:latin typeface="Lucida Sans Typewriter"/>
-              </a:rPr>
-              <a:t> = 10000000</a:t>
-            </a:r>
-          </a:p>
-          <a:p>
-            <a:pPr marL="0" indent="0">
-              <a:buNone/>
-            </a:pPr>
-            <a:r>
-              <a:rPr lang="en-US" b="1" dirty="0">
-                <a:latin typeface="Lucida Sans Typewriter"/>
-              </a:rPr>
-              <a:t>def</a:t>
-            </a:r>
-            <a:r>
-              <a:rPr lang="en-US" dirty="0">
-                <a:latin typeface="Lucida Sans Typewriter"/>
-              </a:rPr>
-              <a:t> </a:t>
-            </a:r>
-            <a:r>
-              <a:rPr lang="en-US" dirty="0" err="1">
-                <a:latin typeface="Lucida Sans Typewriter"/>
-              </a:rPr>
-              <a:t>on_ack</a:t>
-            </a:r>
-            <a:r>
-              <a:rPr lang="en-US" dirty="0">
-                <a:latin typeface="Lucida Sans Typewriter"/>
-              </a:rPr>
-              <a:t>(</a:t>
-            </a:r>
-            <a:r>
-              <a:rPr lang="en-US" dirty="0" err="1">
-                <a:latin typeface="Lucida Sans Typewriter"/>
-              </a:rPr>
-              <a:t>bytes_acked</a:t>
-            </a:r>
-            <a:r>
-              <a:rPr lang="en-US" dirty="0">
-                <a:latin typeface="Lucida Sans Typewriter"/>
-              </a:rPr>
-              <a:t>: int, </a:t>
-            </a:r>
-            <a:r>
-              <a:rPr lang="en-US" dirty="0" err="1">
-                <a:latin typeface="Lucida Sans Typewriter"/>
-              </a:rPr>
-              <a:t>bytes_lost</a:t>
-            </a:r>
-            <a:r>
-              <a:rPr lang="en-US" dirty="0">
-                <a:latin typeface="Lucida Sans Typewriter"/>
-              </a:rPr>
-              <a:t>: int)</a:t>
-            </a:r>
-            <a:br>
-              <a:rPr lang="en-US" dirty="0">
-                <a:latin typeface="Lucida Sans Typewriter"/>
-              </a:rPr>
-            </a:br>
-            <a:r>
-              <a:rPr lang="en-US" dirty="0">
-                <a:latin typeface="Lucida Sans Typewriter"/>
-              </a:rPr>
-              <a:t>    </a:t>
-            </a:r>
-            <a:r>
-              <a:rPr lang="en-US" dirty="0">
-                <a:solidFill>
-                  <a:srgbClr val="92D050"/>
-                </a:solidFill>
-                <a:latin typeface="Lucida Sans Typewriter"/>
-              </a:rPr>
-              <a:t># </a:t>
-            </a:r>
-            <a:r>
-              <a:rPr lang="en-US" dirty="0" err="1">
-                <a:solidFill>
-                  <a:srgbClr val="92D050"/>
-                </a:solidFill>
-                <a:latin typeface="Lucida Sans Typewriter"/>
-              </a:rPr>
-              <a:t>bytes_lost</a:t>
-            </a:r>
-            <a:r>
-              <a:rPr lang="en-US" dirty="0">
-                <a:solidFill>
-                  <a:srgbClr val="92D050"/>
-                </a:solidFill>
-                <a:latin typeface="Lucida Sans Typewriter"/>
-              </a:rPr>
-              <a:t> is the loss detected using </a:t>
-            </a:r>
-            <a:r>
-              <a:rPr lang="en-US" dirty="0" err="1">
-                <a:solidFill>
-                  <a:srgbClr val="92D050"/>
-                </a:solidFill>
-                <a:latin typeface="Lucida Sans Typewriter"/>
-              </a:rPr>
-              <a:t>dupACK</a:t>
-            </a:r>
-            <a:r>
-              <a:rPr lang="en-US" dirty="0" err="1">
-                <a:latin typeface="Lucida Sans Typewriter"/>
-              </a:rPr>
-              <a:t>s</a:t>
-            </a:r>
-            <a:br>
-              <a:rPr lang="en-US" dirty="0">
-                <a:latin typeface="Lucida Sans Typewriter"/>
-              </a:rPr>
-            </a:br>
-            <a:r>
-              <a:rPr lang="en-US" dirty="0">
-                <a:latin typeface="Lucida Sans Typewriter"/>
-              </a:rPr>
-              <a:t>    inflight = inflight – </a:t>
-            </a:r>
-            <a:r>
-              <a:rPr lang="en-US" dirty="0" err="1">
-                <a:latin typeface="Lucida Sans Typewriter"/>
-              </a:rPr>
-              <a:t>bytes_acked</a:t>
-            </a:r>
-            <a:r>
-              <a:rPr lang="en-US" dirty="0">
-                <a:latin typeface="Lucida Sans Typewriter"/>
-              </a:rPr>
-              <a:t> – </a:t>
-            </a:r>
-            <a:r>
-              <a:rPr lang="en-US" dirty="0" err="1">
-                <a:latin typeface="Lucida Sans Typewriter"/>
-              </a:rPr>
-              <a:t>bytes_lost</a:t>
-            </a:r>
-            <a:br>
-              <a:rPr lang="en-US" dirty="0">
-                <a:latin typeface="Lucida Sans Typewriter"/>
-              </a:rPr>
-            </a:br>
-            <a:r>
-              <a:rPr lang="en-US" b="1" dirty="0">
-                <a:latin typeface="Lucida Sans Typewriter"/>
-              </a:rPr>
-              <a:t>def </a:t>
-            </a:r>
-            <a:r>
-              <a:rPr lang="en-US" dirty="0">
-                <a:latin typeface="Lucida Sans Typewriter"/>
-              </a:rPr>
-              <a:t>on_timeout():</a:t>
-            </a:r>
-            <a:br>
-              <a:rPr lang="en-US" dirty="0">
-                <a:latin typeface="Lucida Sans Typewriter"/>
-              </a:rPr>
-            </a:br>
-            <a:r>
-              <a:rPr lang="en-US" dirty="0">
-                <a:latin typeface="Lucida Sans Typewriter"/>
-              </a:rPr>
-              <a:t>    </a:t>
-            </a:r>
-            <a:r>
-              <a:rPr lang="en-US" dirty="0">
-                <a:solidFill>
-                  <a:srgbClr val="92D050"/>
-                </a:solidFill>
-                <a:latin typeface="Lucida Sans Typewriter"/>
-              </a:rPr>
-              <a:t># We assume all bytes are lost</a:t>
-            </a:r>
-            <a:br>
-              <a:rPr lang="en-US" dirty="0">
-                <a:solidFill>
-                  <a:srgbClr val="92D050"/>
-                </a:solidFill>
-                <a:latin typeface="Lucida Sans Typewriter"/>
-              </a:rPr>
-            </a:br>
-            <a:r>
-              <a:rPr lang="en-US" dirty="0">
-                <a:latin typeface="Lucida Sans Typewriter"/>
-              </a:rPr>
-              <a:t>    inflight = 0</a:t>
-            </a:r>
-            <a:br>
-              <a:rPr lang="en-US" dirty="0">
-                <a:latin typeface="Lucida Sans Typewriter"/>
-              </a:rPr>
-            </a:br>
-            <a:r>
-              <a:rPr lang="en-US" b="1" dirty="0">
-                <a:latin typeface="Lucida Sans Typewriter"/>
-              </a:rPr>
-              <a:t>def </a:t>
-            </a:r>
-            <a:r>
-              <a:rPr lang="en-US" dirty="0" err="1">
-                <a:latin typeface="Lucida Sans Typewriter"/>
-              </a:rPr>
-              <a:t>on_send</a:t>
-            </a:r>
-            <a:r>
-              <a:rPr lang="en-US" dirty="0">
-                <a:latin typeface="Lucida Sans Typewriter"/>
-              </a:rPr>
-              <a:t>(</a:t>
-            </a:r>
-            <a:r>
-              <a:rPr lang="en-US" dirty="0" err="1">
-                <a:latin typeface="Lucida Sans Typewriter"/>
-              </a:rPr>
-              <a:t>bytes_sent</a:t>
-            </a:r>
-            <a:r>
-              <a:rPr lang="en-US" dirty="0">
-                <a:latin typeface="Lucida Sans Typewriter"/>
-              </a:rPr>
-              <a:t>: int)</a:t>
-            </a:r>
-            <a:br>
-              <a:rPr lang="en-US" dirty="0">
-                <a:latin typeface="Lucida Sans Typewriter"/>
-              </a:rPr>
-            </a:br>
-            <a:r>
-              <a:rPr lang="en-US" dirty="0">
-                <a:latin typeface="Lucida Sans Typewriter"/>
-              </a:rPr>
-              <a:t>    inflight += </a:t>
-            </a:r>
-            <a:r>
-              <a:rPr lang="en-US" dirty="0" err="1">
-                <a:latin typeface="Lucida Sans Typewriter"/>
-              </a:rPr>
-              <a:t>bytes_sent</a:t>
-            </a:r>
-            <a:br>
-              <a:rPr lang="en-US" dirty="0">
-                <a:latin typeface="Lucida Sans Typewriter"/>
-              </a:rPr>
-            </a:br>
-            <a:br>
-              <a:rPr lang="en-US" dirty="0">
-                <a:latin typeface="Lucida Sans Typewriter"/>
-              </a:rPr>
-            </a:br>
-            <a:r>
-              <a:rPr lang="en-US" dirty="0">
-                <a:solidFill>
-                  <a:srgbClr val="92D050"/>
-                </a:solidFill>
-                <a:latin typeface="Lucida Sans Typewriter"/>
-              </a:rPr>
-              <a:t># Whenever inflight &lt; </a:t>
-            </a:r>
-            <a:r>
-              <a:rPr lang="en-US" dirty="0" err="1">
-                <a:solidFill>
-                  <a:srgbClr val="92D050"/>
-                </a:solidFill>
-                <a:latin typeface="Lucida Sans Typewriter"/>
-              </a:rPr>
-              <a:t>rwnd</a:t>
-            </a:r>
-            <a:r>
-              <a:rPr lang="en-US" dirty="0">
-                <a:solidFill>
-                  <a:srgbClr val="92D050"/>
-                </a:solidFill>
-                <a:latin typeface="Lucida Sans Typewriter"/>
-              </a:rPr>
-              <a:t>, send packets until inflight = </a:t>
-            </a:r>
-            <a:r>
-              <a:rPr lang="en-US" dirty="0" err="1">
-                <a:solidFill>
-                  <a:srgbClr val="92D050"/>
-                </a:solidFill>
-                <a:latin typeface="Lucida Sans Typewriter"/>
-              </a:rPr>
-              <a:t>rcv_window</a:t>
-            </a:r>
-            <a:r>
-              <a:rPr lang="en-US" dirty="0">
-                <a:solidFill>
-                  <a:srgbClr val="92D050"/>
-                </a:solidFill>
-                <a:latin typeface="Lucida Sans Typewriter"/>
-              </a:rPr>
-              <a:t>. Which bytes should we put into the packet? If there are bytes we believe are lost, retransmit those first. Else send new bytes</a:t>
+            <a:r>
+              <a:rPr lang="en-US" sz="2400" dirty="0"/>
+              <a:t>Too slow</a:t>
+            </a:r>
+          </a:p>
+        </p:txBody>
+      </p:sp>
+      <p:pic>
+        <p:nvPicPr>
+          <p:cNvPr id="34" name="Graphic 33" descr="Close with solid fill">
+            <a:extLst>
+              <a:ext uri="{FF2B5EF4-FFF2-40B4-BE49-F238E27FC236}">
+                <a16:creationId xmlns:a16="http://schemas.microsoft.com/office/drawing/2014/main" id="{DD2F4BD8-0258-6FD8-F57F-E65E98253D9B}"/>
+              </a:ext>
+            </a:extLst>
+          </p:cNvPr>
+          <p:cNvPicPr>
+            <a:picLocks noChangeAspect="1"/>
+          </p:cNvPicPr>
+          <p:nvPr/>
+        </p:nvPicPr>
+        <p:blipFill>
+          <a:blip r:embed="rId7">
+            <a:extLst>
+              <a:ext uri="{28A0092B-C50C-407E-A947-70E740481C1C}">
+                <a14:useLocalDpi xmlns:a14="http://schemas.microsoft.com/office/drawing/2010/main" val="0"/>
+              </a:ext>
+              <a:ext uri="{96DAC541-7B7A-43D3-8B79-37D633B846F1}">
+                <asvg:svgBlip xmlns:asvg="http://schemas.microsoft.com/office/drawing/2016/SVG/main" r:embed="rId8"/>
+              </a:ext>
+            </a:extLst>
+          </a:blip>
+          <a:stretch>
+            <a:fillRect/>
+          </a:stretch>
+        </p:blipFill>
+        <p:spPr>
+          <a:xfrm>
+            <a:off x="9870925" y="3688839"/>
+            <a:ext cx="601070" cy="601070"/>
+          </a:xfrm>
+          <a:prstGeom prst="rect">
+            <a:avLst/>
+          </a:prstGeom>
+        </p:spPr>
+      </p:pic>
+      <p:sp>
+        <p:nvSpPr>
+          <p:cNvPr id="35" name="TextBox 34">
+            <a:extLst>
+              <a:ext uri="{FF2B5EF4-FFF2-40B4-BE49-F238E27FC236}">
+                <a16:creationId xmlns:a16="http://schemas.microsoft.com/office/drawing/2014/main" id="{25681C70-69AD-B725-17FF-5235A47E4AF7}"/>
+              </a:ext>
+            </a:extLst>
+          </p:cNvPr>
+          <p:cNvSpPr txBox="1"/>
+          <p:nvPr/>
+        </p:nvSpPr>
+        <p:spPr>
+          <a:xfrm flipH="1">
+            <a:off x="10474131" y="3804708"/>
+            <a:ext cx="1362214" cy="461665"/>
+          </a:xfrm>
+          <a:prstGeom prst="rect">
+            <a:avLst/>
+          </a:prstGeom>
+          <a:noFill/>
+        </p:spPr>
+        <p:txBody>
+          <a:bodyPr wrap="square" rtlCol="0">
+            <a:spAutoFit/>
+          </a:bodyPr>
+          <a:lstStyle/>
+          <a:p>
+            <a:r>
+              <a:rPr lang="en-US" sz="2400" dirty="0"/>
+              <a:t>Too fast</a:t>
+            </a:r>
+          </a:p>
+        </p:txBody>
+      </p:sp>
+      <p:pic>
+        <p:nvPicPr>
+          <p:cNvPr id="36" name="Graphic 35" descr="Checkmark with solid fill">
+            <a:extLst>
+              <a:ext uri="{FF2B5EF4-FFF2-40B4-BE49-F238E27FC236}">
+                <a16:creationId xmlns:a16="http://schemas.microsoft.com/office/drawing/2014/main" id="{21355228-8E4E-F0ED-4A82-43DF6809DAD2}"/>
+              </a:ext>
+            </a:extLst>
+          </p:cNvPr>
+          <p:cNvPicPr>
+            <a:picLocks noChangeAspect="1"/>
+          </p:cNvPicPr>
+          <p:nvPr/>
+        </p:nvPicPr>
+        <p:blipFill>
+          <a:blip r:embed="rId9">
+            <a:extLst>
+              <a:ext uri="{28A0092B-C50C-407E-A947-70E740481C1C}">
+                <a14:useLocalDpi xmlns:a14="http://schemas.microsoft.com/office/drawing/2010/main" val="0"/>
+              </a:ext>
+              <a:ext uri="{96DAC541-7B7A-43D3-8B79-37D633B846F1}">
+                <asvg:svgBlip xmlns:asvg="http://schemas.microsoft.com/office/drawing/2016/SVG/main" r:embed="rId10"/>
+              </a:ext>
+            </a:extLst>
+          </a:blip>
+          <a:srcRect/>
+          <a:stretch/>
+        </p:blipFill>
+        <p:spPr>
+          <a:xfrm>
+            <a:off x="9870925" y="5148826"/>
+            <a:ext cx="601070" cy="601070"/>
+          </a:xfrm>
+          <a:prstGeom prst="rect">
+            <a:avLst/>
+          </a:prstGeom>
+        </p:spPr>
+      </p:pic>
+      <p:sp>
+        <p:nvSpPr>
+          <p:cNvPr id="37" name="TextBox 36">
+            <a:extLst>
+              <a:ext uri="{FF2B5EF4-FFF2-40B4-BE49-F238E27FC236}">
+                <a16:creationId xmlns:a16="http://schemas.microsoft.com/office/drawing/2014/main" id="{C2F5F540-938E-FB2C-250D-D042A3631AE9}"/>
+              </a:ext>
+            </a:extLst>
+          </p:cNvPr>
+          <p:cNvSpPr txBox="1"/>
+          <p:nvPr/>
+        </p:nvSpPr>
+        <p:spPr>
+          <a:xfrm flipH="1">
+            <a:off x="10474131" y="5264695"/>
+            <a:ext cx="1362214" cy="461665"/>
+          </a:xfrm>
+          <a:prstGeom prst="rect">
+            <a:avLst/>
+          </a:prstGeom>
+          <a:noFill/>
+        </p:spPr>
+        <p:txBody>
+          <a:bodyPr wrap="square" rtlCol="0">
+            <a:spAutoFit/>
+          </a:bodyPr>
+          <a:lstStyle/>
+          <a:p>
+            <a:r>
+              <a:rPr lang="en-US" sz="2400" dirty="0"/>
+              <a:t>Just right</a:t>
             </a:r>
           </a:p>
         </p:txBody>
@@ -4128,13 +4756,444 @@
     </p:spTree>
     <p:extLst>
       <p:ext uri="{BB962C8B-B14F-4D97-AF65-F5344CB8AC3E}">
-        <p14:creationId xmlns:p14="http://schemas.microsoft.com/office/powerpoint/2010/main" val="3689311734"/>
+        <p14:creationId xmlns:p14="http://schemas.microsoft.com/office/powerpoint/2010/main" val="1669409216"/>
       </p:ext>
     </p:extLst>
   </p:cSld>
   <p:clrMapOvr>
     <a:masterClrMapping/>
   </p:clrMapOvr>
+  <p:timing>
+    <p:tnLst>
+      <p:par>
+        <p:cTn id="1" dur="indefinite" restart="never" nodeType="tmRoot">
+          <p:childTnLst>
+            <p:seq concurrent="1" nextAc="seek">
+              <p:cTn id="2" dur="indefinite" nodeType="mainSeq">
+                <p:childTnLst>
+                  <p:par>
+                    <p:cTn id="3" fill="hold">
+                      <p:stCondLst>
+                        <p:cond delay="indefinite"/>
+                      </p:stCondLst>
+                      <p:childTnLst>
+                        <p:par>
+                          <p:cTn id="4" fill="hold">
+                            <p:stCondLst>
+                              <p:cond delay="0"/>
+                            </p:stCondLst>
+                            <p:childTnLst>
+                              <p:par>
+                                <p:cTn id="5" presetID="1" presetClass="entr" presetSubtype="0" fill="hold" nodeType="clickEffect">
+                                  <p:stCondLst>
+                                    <p:cond delay="0"/>
+                                  </p:stCondLst>
+                                  <p:childTnLst>
+                                    <p:set>
+                                      <p:cBhvr>
+                                        <p:cTn id="6" dur="1" fill="hold">
+                                          <p:stCondLst>
+                                            <p:cond delay="0"/>
+                                          </p:stCondLst>
+                                        </p:cTn>
+                                        <p:tgtEl>
+                                          <p:spTgt spid="8"/>
+                                        </p:tgtEl>
+                                        <p:attrNameLst>
+                                          <p:attrName>style.visibility</p:attrName>
+                                        </p:attrNameLst>
+                                      </p:cBhvr>
+                                      <p:to>
+                                        <p:strVal val="visible"/>
+                                      </p:to>
+                                    </p:set>
+                                  </p:childTnLst>
+                                </p:cTn>
+                              </p:par>
+                              <p:par>
+                                <p:cTn id="7" presetID="1" presetClass="entr" presetSubtype="0" fill="hold" nodeType="withEffect">
+                                  <p:stCondLst>
+                                    <p:cond delay="0"/>
+                                  </p:stCondLst>
+                                  <p:childTnLst>
+                                    <p:set>
+                                      <p:cBhvr>
+                                        <p:cTn id="8" dur="1" fill="hold">
+                                          <p:stCondLst>
+                                            <p:cond delay="0"/>
+                                          </p:stCondLst>
+                                        </p:cTn>
+                                        <p:tgtEl>
+                                          <p:spTgt spid="17"/>
+                                        </p:tgtEl>
+                                        <p:attrNameLst>
+                                          <p:attrName>style.visibility</p:attrName>
+                                        </p:attrNameLst>
+                                      </p:cBhvr>
+                                      <p:to>
+                                        <p:strVal val="visible"/>
+                                      </p:to>
+                                    </p:set>
+                                  </p:childTnLst>
+                                </p:cTn>
+                              </p:par>
+                            </p:childTnLst>
+                          </p:cTn>
+                        </p:par>
+                      </p:childTnLst>
+                    </p:cTn>
+                  </p:par>
+                  <p:par>
+                    <p:cTn id="9" fill="hold">
+                      <p:stCondLst>
+                        <p:cond delay="indefinite"/>
+                      </p:stCondLst>
+                      <p:childTnLst>
+                        <p:par>
+                          <p:cTn id="10" fill="hold">
+                            <p:stCondLst>
+                              <p:cond delay="0"/>
+                            </p:stCondLst>
+                            <p:childTnLst>
+                              <p:par>
+                                <p:cTn id="11" presetID="1" presetClass="entr" presetSubtype="0" fill="hold" nodeType="clickEffect">
+                                  <p:stCondLst>
+                                    <p:cond delay="0"/>
+                                  </p:stCondLst>
+                                  <p:childTnLst>
+                                    <p:set>
+                                      <p:cBhvr>
+                                        <p:cTn id="12" dur="1" fill="hold">
+                                          <p:stCondLst>
+                                            <p:cond delay="0"/>
+                                          </p:stCondLst>
+                                        </p:cTn>
+                                        <p:tgtEl>
+                                          <p:spTgt spid="32"/>
+                                        </p:tgtEl>
+                                        <p:attrNameLst>
+                                          <p:attrName>style.visibility</p:attrName>
+                                        </p:attrNameLst>
+                                      </p:cBhvr>
+                                      <p:to>
+                                        <p:strVal val="visible"/>
+                                      </p:to>
+                                    </p:set>
+                                  </p:childTnLst>
+                                </p:cTn>
+                              </p:par>
+                              <p:par>
+                                <p:cTn id="13" presetID="1" presetClass="entr" presetSubtype="0" fill="hold" grpId="0" nodeType="withEffect">
+                                  <p:stCondLst>
+                                    <p:cond delay="0"/>
+                                  </p:stCondLst>
+                                  <p:childTnLst>
+                                    <p:set>
+                                      <p:cBhvr>
+                                        <p:cTn id="14" dur="1" fill="hold">
+                                          <p:stCondLst>
+                                            <p:cond delay="0"/>
+                                          </p:stCondLst>
+                                        </p:cTn>
+                                        <p:tgtEl>
+                                          <p:spTgt spid="33"/>
+                                        </p:tgtEl>
+                                        <p:attrNameLst>
+                                          <p:attrName>style.visibility</p:attrName>
+                                        </p:attrNameLst>
+                                      </p:cBhvr>
+                                      <p:to>
+                                        <p:strVal val="visible"/>
+                                      </p:to>
+                                    </p:set>
+                                  </p:childTnLst>
+                                </p:cTn>
+                              </p:par>
+                            </p:childTnLst>
+                          </p:cTn>
+                        </p:par>
+                      </p:childTnLst>
+                    </p:cTn>
+                  </p:par>
+                  <p:par>
+                    <p:cTn id="15" fill="hold">
+                      <p:stCondLst>
+                        <p:cond delay="indefinite"/>
+                      </p:stCondLst>
+                      <p:childTnLst>
+                        <p:par>
+                          <p:cTn id="16" fill="hold">
+                            <p:stCondLst>
+                              <p:cond delay="0"/>
+                            </p:stCondLst>
+                            <p:childTnLst>
+                              <p:par>
+                                <p:cTn id="17" presetID="1" presetClass="entr" presetSubtype="0" fill="hold" nodeType="clickEffect">
+                                  <p:stCondLst>
+                                    <p:cond delay="0"/>
+                                  </p:stCondLst>
+                                  <p:childTnLst>
+                                    <p:set>
+                                      <p:cBhvr>
+                                        <p:cTn id="18" dur="1" fill="hold">
+                                          <p:stCondLst>
+                                            <p:cond delay="0"/>
+                                          </p:stCondLst>
+                                        </p:cTn>
+                                        <p:tgtEl>
+                                          <p:spTgt spid="6"/>
+                                        </p:tgtEl>
+                                        <p:attrNameLst>
+                                          <p:attrName>style.visibility</p:attrName>
+                                        </p:attrNameLst>
+                                      </p:cBhvr>
+                                      <p:to>
+                                        <p:strVal val="visible"/>
+                                      </p:to>
+                                    </p:set>
+                                  </p:childTnLst>
+                                </p:cTn>
+                              </p:par>
+                              <p:par>
+                                <p:cTn id="19" presetID="1" presetClass="entr" presetSubtype="0" fill="hold" nodeType="withEffect">
+                                  <p:stCondLst>
+                                    <p:cond delay="0"/>
+                                  </p:stCondLst>
+                                  <p:childTnLst>
+                                    <p:set>
+                                      <p:cBhvr>
+                                        <p:cTn id="20" dur="1" fill="hold">
+                                          <p:stCondLst>
+                                            <p:cond delay="0"/>
+                                          </p:stCondLst>
+                                        </p:cTn>
+                                        <p:tgtEl>
+                                          <p:spTgt spid="25"/>
+                                        </p:tgtEl>
+                                        <p:attrNameLst>
+                                          <p:attrName>style.visibility</p:attrName>
+                                        </p:attrNameLst>
+                                      </p:cBhvr>
+                                      <p:to>
+                                        <p:strVal val="visible"/>
+                                      </p:to>
+                                    </p:set>
+                                  </p:childTnLst>
+                                </p:cTn>
+                              </p:par>
+                              <p:par>
+                                <p:cTn id="21" presetID="1" presetClass="entr" presetSubtype="0" fill="hold" grpId="0" nodeType="withEffect">
+                                  <p:stCondLst>
+                                    <p:cond delay="0"/>
+                                  </p:stCondLst>
+                                  <p:childTnLst>
+                                    <p:set>
+                                      <p:cBhvr>
+                                        <p:cTn id="22" dur="1" fill="hold">
+                                          <p:stCondLst>
+                                            <p:cond delay="0"/>
+                                          </p:stCondLst>
+                                        </p:cTn>
+                                        <p:tgtEl>
+                                          <p:spTgt spid="35"/>
+                                        </p:tgtEl>
+                                        <p:attrNameLst>
+                                          <p:attrName>style.visibility</p:attrName>
+                                        </p:attrNameLst>
+                                      </p:cBhvr>
+                                      <p:to>
+                                        <p:strVal val="visible"/>
+                                      </p:to>
+                                    </p:set>
+                                  </p:childTnLst>
+                                </p:cTn>
+                              </p:par>
+                              <p:par>
+                                <p:cTn id="23" presetID="1" presetClass="entr" presetSubtype="0" fill="hold" nodeType="withEffect">
+                                  <p:stCondLst>
+                                    <p:cond delay="0"/>
+                                  </p:stCondLst>
+                                  <p:childTnLst>
+                                    <p:set>
+                                      <p:cBhvr>
+                                        <p:cTn id="24" dur="1" fill="hold">
+                                          <p:stCondLst>
+                                            <p:cond delay="0"/>
+                                          </p:stCondLst>
+                                        </p:cTn>
+                                        <p:tgtEl>
+                                          <p:spTgt spid="34"/>
+                                        </p:tgtEl>
+                                        <p:attrNameLst>
+                                          <p:attrName>style.visibility</p:attrName>
+                                        </p:attrNameLst>
+                                      </p:cBhvr>
+                                      <p:to>
+                                        <p:strVal val="visible"/>
+                                      </p:to>
+                                    </p:set>
+                                  </p:childTnLst>
+                                </p:cTn>
+                              </p:par>
+                            </p:childTnLst>
+                          </p:cTn>
+                        </p:par>
+                      </p:childTnLst>
+                    </p:cTn>
+                  </p:par>
+                  <p:par>
+                    <p:cTn id="25" fill="hold">
+                      <p:stCondLst>
+                        <p:cond delay="indefinite"/>
+                      </p:stCondLst>
+                      <p:childTnLst>
+                        <p:par>
+                          <p:cTn id="26" fill="hold">
+                            <p:stCondLst>
+                              <p:cond delay="0"/>
+                            </p:stCondLst>
+                            <p:childTnLst>
+                              <p:par>
+                                <p:cTn id="27" presetID="1" presetClass="entr" presetSubtype="0" fill="hold" nodeType="clickEffect">
+                                  <p:stCondLst>
+                                    <p:cond delay="0"/>
+                                  </p:stCondLst>
+                                  <p:childTnLst>
+                                    <p:set>
+                                      <p:cBhvr>
+                                        <p:cTn id="28" dur="1" fill="hold">
+                                          <p:stCondLst>
+                                            <p:cond delay="0"/>
+                                          </p:stCondLst>
+                                        </p:cTn>
+                                        <p:tgtEl>
+                                          <p:spTgt spid="18"/>
+                                        </p:tgtEl>
+                                        <p:attrNameLst>
+                                          <p:attrName>style.visibility</p:attrName>
+                                        </p:attrNameLst>
+                                      </p:cBhvr>
+                                      <p:to>
+                                        <p:strVal val="visible"/>
+                                      </p:to>
+                                    </p:set>
+                                  </p:childTnLst>
+                                </p:cTn>
+                              </p:par>
+                              <p:par>
+                                <p:cTn id="29" presetID="1" presetClass="entr" presetSubtype="0" fill="hold" nodeType="withEffect">
+                                  <p:stCondLst>
+                                    <p:cond delay="0"/>
+                                  </p:stCondLst>
+                                  <p:childTnLst>
+                                    <p:set>
+                                      <p:cBhvr>
+                                        <p:cTn id="30" dur="1" fill="hold">
+                                          <p:stCondLst>
+                                            <p:cond delay="0"/>
+                                          </p:stCondLst>
+                                        </p:cTn>
+                                        <p:tgtEl>
+                                          <p:spTgt spid="4"/>
+                                        </p:tgtEl>
+                                        <p:attrNameLst>
+                                          <p:attrName>style.visibility</p:attrName>
+                                        </p:attrNameLst>
+                                      </p:cBhvr>
+                                      <p:to>
+                                        <p:strVal val="visible"/>
+                                      </p:to>
+                                    </p:set>
+                                  </p:childTnLst>
+                                </p:cTn>
+                              </p:par>
+                              <p:par>
+                                <p:cTn id="31" presetID="1" presetClass="entr" presetSubtype="0" fill="hold" grpId="0" nodeType="withEffect">
+                                  <p:stCondLst>
+                                    <p:cond delay="0"/>
+                                  </p:stCondLst>
+                                  <p:childTnLst>
+                                    <p:set>
+                                      <p:cBhvr>
+                                        <p:cTn id="32" dur="1" fill="hold">
+                                          <p:stCondLst>
+                                            <p:cond delay="0"/>
+                                          </p:stCondLst>
+                                        </p:cTn>
+                                        <p:tgtEl>
+                                          <p:spTgt spid="37"/>
+                                        </p:tgtEl>
+                                        <p:attrNameLst>
+                                          <p:attrName>style.visibility</p:attrName>
+                                        </p:attrNameLst>
+                                      </p:cBhvr>
+                                      <p:to>
+                                        <p:strVal val="visible"/>
+                                      </p:to>
+                                    </p:set>
+                                  </p:childTnLst>
+                                </p:cTn>
+                              </p:par>
+                              <p:par>
+                                <p:cTn id="33" presetID="1" presetClass="entr" presetSubtype="0" fill="hold" nodeType="withEffect">
+                                  <p:stCondLst>
+                                    <p:cond delay="0"/>
+                                  </p:stCondLst>
+                                  <p:childTnLst>
+                                    <p:set>
+                                      <p:cBhvr>
+                                        <p:cTn id="34" dur="1" fill="hold">
+                                          <p:stCondLst>
+                                            <p:cond delay="0"/>
+                                          </p:stCondLst>
+                                        </p:cTn>
+                                        <p:tgtEl>
+                                          <p:spTgt spid="36"/>
+                                        </p:tgtEl>
+                                        <p:attrNameLst>
+                                          <p:attrName>style.visibility</p:attrName>
+                                        </p:attrNameLst>
+                                      </p:cBhvr>
+                                      <p:to>
+                                        <p:strVal val="visible"/>
+                                      </p:to>
+                                    </p:set>
+                                  </p:childTnLst>
+                                </p:cTn>
+                              </p:par>
+                            </p:childTnLst>
+                          </p:cTn>
+                        </p:par>
+                      </p:childTnLst>
+                    </p:cTn>
+                  </p:par>
+                </p:childTnLst>
+              </p:cTn>
+              <p:prevCondLst>
+                <p:cond evt="onPrev" delay="0">
+                  <p:tgtEl>
+                    <p:sldTgt/>
+                  </p:tgtEl>
+                </p:cond>
+              </p:prevCondLst>
+              <p:nextCondLst>
+                <p:cond evt="onNext" delay="0">
+                  <p:tgtEl>
+                    <p:sldTgt/>
+                  </p:tgtEl>
+                </p:cond>
+              </p:nextCondLst>
+            </p:seq>
+          </p:childTnLst>
+        </p:cTn>
+      </p:par>
+    </p:tnLst>
+    <p:bldLst>
+      <p:bldP spid="33" grpId="0"/>
+      <p:bldP spid="35" grpId="0"/>
+      <p:bldP spid="37" grpId="0"/>
+    </p:bldLst>
+  </p:timing>
 </p:sld>
 </file>
 
@@ -4160,6 +5219,446 @@
           <p:cNvPr id="2" name="Title 1">
             <a:extLst>
               <a:ext uri="{FF2B5EF4-FFF2-40B4-BE49-F238E27FC236}">
+                <a16:creationId xmlns:a16="http://schemas.microsoft.com/office/drawing/2014/main" id="{F4660F0D-7E26-7DD7-B618-7B0240661793}"/>
+              </a:ext>
+            </a:extLst>
+          </p:cNvPr>
+          <p:cNvSpPr>
+            <a:spLocks noGrp="1"/>
+          </p:cNvSpPr>
+          <p:nvPr>
+            <p:ph type="title"/>
+          </p:nvPr>
+        </p:nvSpPr>
+        <p:spPr/>
+        <p:txBody>
+          <a:bodyPr/>
+          <a:lstStyle/>
+          <a:p>
+            <a:r>
+              <a:rPr lang="en-US" dirty="0"/>
+              <a:t>Step 1: Revisit the receive window from the sender side</a:t>
+            </a:r>
+          </a:p>
+        </p:txBody>
+      </p:sp>
+      <p:sp>
+        <p:nvSpPr>
+          <p:cNvPr id="3" name="Content Placeholder 2">
+            <a:extLst>
+              <a:ext uri="{FF2B5EF4-FFF2-40B4-BE49-F238E27FC236}">
+                <a16:creationId xmlns:a16="http://schemas.microsoft.com/office/drawing/2014/main" id="{2B00A46F-1201-A5BA-EC3F-3397E25207CF}"/>
+              </a:ext>
+            </a:extLst>
+          </p:cNvPr>
+          <p:cNvSpPr>
+            <a:spLocks noGrp="1"/>
+          </p:cNvSpPr>
+          <p:nvPr>
+            <p:ph idx="1"/>
+          </p:nvPr>
+        </p:nvSpPr>
+        <p:spPr/>
+        <p:txBody>
+          <a:bodyPr vert="horz" lIns="91440" tIns="45720" rIns="91440" bIns="45720" rtlCol="0" anchor="t">
+            <a:normAutofit fontScale="62500" lnSpcReduction="20000"/>
+          </a:bodyPr>
+          <a:lstStyle/>
+          <a:p>
+            <a:pPr marL="0" indent="0">
+              <a:buNone/>
+            </a:pPr>
+            <a:r>
+              <a:rPr lang="en-US" dirty="0"/>
+              <a:t>Algorithm implemented at the sender side</a:t>
+            </a:r>
+          </a:p>
+          <a:p>
+            <a:pPr marL="0" indent="0">
+              <a:buNone/>
+            </a:pPr>
+            <a:r>
+              <a:rPr lang="en-US" dirty="0">
+                <a:solidFill>
+                  <a:srgbClr val="92D050"/>
+                </a:solidFill>
+                <a:latin typeface="Lucida Sans Typewriter"/>
+              </a:rPr>
+              <a:t># Global variable</a:t>
+            </a:r>
+          </a:p>
+          <a:p>
+            <a:pPr marL="0" indent="0">
+              <a:buNone/>
+            </a:pPr>
+            <a:r>
+              <a:rPr lang="en-US" dirty="0">
+                <a:latin typeface="Lucida Sans Typewriter"/>
+              </a:rPr>
+              <a:t>inflight = 0 </a:t>
+            </a:r>
+          </a:p>
+          <a:p>
+            <a:pPr marL="0" indent="0">
+              <a:buNone/>
+            </a:pPr>
+            <a:r>
+              <a:rPr lang="en-US" dirty="0">
+                <a:solidFill>
+                  <a:srgbClr val="92D050"/>
+                </a:solidFill>
+                <a:latin typeface="Lucida Sans Typewriter"/>
+              </a:rPr>
+              <a:t># Receive window, a global variable whose value is set by code that is not shown here</a:t>
+            </a:r>
+            <a:br>
+              <a:rPr lang="en-US" dirty="0">
+                <a:latin typeface="Lucida Sans Typewriter"/>
+              </a:rPr>
+            </a:br>
+            <a:r>
+              <a:rPr lang="en-US" dirty="0" err="1">
+                <a:latin typeface="Lucida Sans Typewriter"/>
+              </a:rPr>
+              <a:t>rwnd</a:t>
+            </a:r>
+            <a:r>
+              <a:rPr lang="en-US" dirty="0">
+                <a:latin typeface="Lucida Sans Typewriter"/>
+              </a:rPr>
+              <a:t> = 10000000</a:t>
+            </a:r>
+          </a:p>
+          <a:p>
+            <a:pPr marL="0" indent="0">
+              <a:buNone/>
+            </a:pPr>
+            <a:r>
+              <a:rPr lang="en-US" b="1" dirty="0">
+                <a:latin typeface="Lucida Sans Typewriter"/>
+              </a:rPr>
+              <a:t>def</a:t>
+            </a:r>
+            <a:r>
+              <a:rPr lang="en-US" dirty="0">
+                <a:latin typeface="Lucida Sans Typewriter"/>
+              </a:rPr>
+              <a:t> </a:t>
+            </a:r>
+            <a:r>
+              <a:rPr lang="en-US" dirty="0" err="1">
+                <a:latin typeface="Lucida Sans Typewriter"/>
+              </a:rPr>
+              <a:t>on_ack</a:t>
+            </a:r>
+            <a:r>
+              <a:rPr lang="en-US" dirty="0">
+                <a:latin typeface="Lucida Sans Typewriter"/>
+              </a:rPr>
+              <a:t>(</a:t>
+            </a:r>
+            <a:r>
+              <a:rPr lang="en-US" dirty="0" err="1">
+                <a:latin typeface="Lucida Sans Typewriter"/>
+              </a:rPr>
+              <a:t>bytes_acked</a:t>
+            </a:r>
+            <a:r>
+              <a:rPr lang="en-US" dirty="0">
+                <a:latin typeface="Lucida Sans Typewriter"/>
+              </a:rPr>
+              <a:t>: int, </a:t>
+            </a:r>
+            <a:r>
+              <a:rPr lang="en-US" dirty="0" err="1">
+                <a:latin typeface="Lucida Sans Typewriter"/>
+              </a:rPr>
+              <a:t>bytes_lost</a:t>
+            </a:r>
+            <a:r>
+              <a:rPr lang="en-US" dirty="0">
+                <a:latin typeface="Lucida Sans Typewriter"/>
+              </a:rPr>
+              <a:t>: int)</a:t>
+            </a:r>
+            <a:br>
+              <a:rPr lang="en-US" dirty="0">
+                <a:latin typeface="Lucida Sans Typewriter"/>
+              </a:rPr>
+            </a:br>
+            <a:r>
+              <a:rPr lang="en-US" dirty="0">
+                <a:latin typeface="Lucida Sans Typewriter"/>
+              </a:rPr>
+              <a:t>    </a:t>
+            </a:r>
+            <a:r>
+              <a:rPr lang="en-US" dirty="0">
+                <a:solidFill>
+                  <a:srgbClr val="92D050"/>
+                </a:solidFill>
+                <a:latin typeface="Lucida Sans Typewriter"/>
+              </a:rPr>
+              <a:t># </a:t>
+            </a:r>
+            <a:r>
+              <a:rPr lang="en-US" dirty="0" err="1">
+                <a:solidFill>
+                  <a:srgbClr val="92D050"/>
+                </a:solidFill>
+                <a:latin typeface="Lucida Sans Typewriter"/>
+              </a:rPr>
+              <a:t>bytes_lost</a:t>
+            </a:r>
+            <a:r>
+              <a:rPr lang="en-US" dirty="0">
+                <a:solidFill>
+                  <a:srgbClr val="92D050"/>
+                </a:solidFill>
+                <a:latin typeface="Lucida Sans Typewriter"/>
+              </a:rPr>
+              <a:t> is the loss detected using </a:t>
+            </a:r>
+            <a:r>
+              <a:rPr lang="en-US" dirty="0" err="1">
+                <a:solidFill>
+                  <a:srgbClr val="92D050"/>
+                </a:solidFill>
+                <a:latin typeface="Lucida Sans Typewriter"/>
+              </a:rPr>
+              <a:t>dupACK</a:t>
+            </a:r>
+            <a:r>
+              <a:rPr lang="en-US" dirty="0" err="1">
+                <a:latin typeface="Lucida Sans Typewriter"/>
+              </a:rPr>
+              <a:t>s</a:t>
+            </a:r>
+            <a:br>
+              <a:rPr lang="en-US" dirty="0">
+                <a:latin typeface="Lucida Sans Typewriter"/>
+              </a:rPr>
+            </a:br>
+            <a:r>
+              <a:rPr lang="en-US" dirty="0">
+                <a:latin typeface="Lucida Sans Typewriter"/>
+              </a:rPr>
+              <a:t>    inflight = inflight – </a:t>
+            </a:r>
+            <a:r>
+              <a:rPr lang="en-US" dirty="0" err="1">
+                <a:latin typeface="Lucida Sans Typewriter"/>
+              </a:rPr>
+              <a:t>bytes_acked</a:t>
+            </a:r>
+            <a:r>
+              <a:rPr lang="en-US" dirty="0">
+                <a:latin typeface="Lucida Sans Typewriter"/>
+              </a:rPr>
+              <a:t> – </a:t>
+            </a:r>
+            <a:r>
+              <a:rPr lang="en-US" dirty="0" err="1">
+                <a:latin typeface="Lucida Sans Typewriter"/>
+              </a:rPr>
+              <a:t>bytes_lost</a:t>
+            </a:r>
+            <a:br>
+              <a:rPr lang="en-US" dirty="0">
+                <a:latin typeface="Lucida Sans Typewriter"/>
+              </a:rPr>
+            </a:br>
+            <a:r>
+              <a:rPr lang="en-US" b="1" dirty="0">
+                <a:latin typeface="Lucida Sans Typewriter"/>
+              </a:rPr>
+              <a:t>def </a:t>
+            </a:r>
+            <a:r>
+              <a:rPr lang="en-US" dirty="0">
+                <a:latin typeface="Lucida Sans Typewriter"/>
+              </a:rPr>
+              <a:t>on_timeout():</a:t>
+            </a:r>
+            <a:br>
+              <a:rPr lang="en-US" dirty="0">
+                <a:latin typeface="Lucida Sans Typewriter"/>
+              </a:rPr>
+            </a:br>
+            <a:r>
+              <a:rPr lang="en-US" dirty="0">
+                <a:latin typeface="Lucida Sans Typewriter"/>
+              </a:rPr>
+              <a:t>    </a:t>
+            </a:r>
+            <a:r>
+              <a:rPr lang="en-US" dirty="0">
+                <a:solidFill>
+                  <a:srgbClr val="92D050"/>
+                </a:solidFill>
+                <a:latin typeface="Lucida Sans Typewriter"/>
+              </a:rPr>
+              <a:t># We assume all bytes are lost</a:t>
+            </a:r>
+            <a:br>
+              <a:rPr lang="en-US" dirty="0">
+                <a:solidFill>
+                  <a:srgbClr val="92D050"/>
+                </a:solidFill>
+                <a:latin typeface="Lucida Sans Typewriter"/>
+              </a:rPr>
+            </a:br>
+            <a:r>
+              <a:rPr lang="en-US" dirty="0">
+                <a:latin typeface="Lucida Sans Typewriter"/>
+              </a:rPr>
+              <a:t>    inflight = 0</a:t>
+            </a:r>
+            <a:br>
+              <a:rPr lang="en-US" dirty="0">
+                <a:latin typeface="Lucida Sans Typewriter"/>
+              </a:rPr>
+            </a:br>
+            <a:r>
+              <a:rPr lang="en-US" b="1" dirty="0">
+                <a:latin typeface="Lucida Sans Typewriter"/>
+              </a:rPr>
+              <a:t>def </a:t>
+            </a:r>
+            <a:r>
+              <a:rPr lang="en-US" dirty="0" err="1">
+                <a:latin typeface="Lucida Sans Typewriter"/>
+              </a:rPr>
+              <a:t>on_send</a:t>
+            </a:r>
+            <a:r>
+              <a:rPr lang="en-US" dirty="0">
+                <a:latin typeface="Lucida Sans Typewriter"/>
+              </a:rPr>
+              <a:t>(</a:t>
+            </a:r>
+            <a:r>
+              <a:rPr lang="en-US" dirty="0" err="1">
+                <a:latin typeface="Lucida Sans Typewriter"/>
+              </a:rPr>
+              <a:t>bytes_sent</a:t>
+            </a:r>
+            <a:r>
+              <a:rPr lang="en-US" dirty="0">
+                <a:latin typeface="Lucida Sans Typewriter"/>
+              </a:rPr>
+              <a:t>: int)</a:t>
+            </a:r>
+            <a:br>
+              <a:rPr lang="en-US" dirty="0">
+                <a:latin typeface="Lucida Sans Typewriter"/>
+              </a:rPr>
+            </a:br>
+            <a:r>
+              <a:rPr lang="en-US" dirty="0">
+                <a:latin typeface="Lucida Sans Typewriter"/>
+              </a:rPr>
+              <a:t>    inflight += </a:t>
+            </a:r>
+            <a:r>
+              <a:rPr lang="en-US" dirty="0" err="1">
+                <a:latin typeface="Lucida Sans Typewriter"/>
+              </a:rPr>
+              <a:t>bytes_sent</a:t>
+            </a:r>
+            <a:br>
+              <a:rPr lang="en-US" dirty="0">
+                <a:latin typeface="Lucida Sans Typewriter"/>
+              </a:rPr>
+            </a:br>
+            <a:br>
+              <a:rPr lang="en-US" dirty="0">
+                <a:latin typeface="Lucida Sans Typewriter"/>
+              </a:rPr>
+            </a:br>
+            <a:r>
+              <a:rPr lang="en-US" dirty="0">
+                <a:solidFill>
+                  <a:srgbClr val="92D050"/>
+                </a:solidFill>
+                <a:latin typeface="Lucida Sans Typewriter"/>
+              </a:rPr>
+              <a:t># Whenever inflight &lt; </a:t>
+            </a:r>
+            <a:r>
+              <a:rPr lang="en-US" dirty="0" err="1">
+                <a:solidFill>
+                  <a:srgbClr val="92D050"/>
+                </a:solidFill>
+                <a:latin typeface="Lucida Sans Typewriter"/>
+              </a:rPr>
+              <a:t>rwnd</a:t>
+            </a:r>
+            <a:r>
+              <a:rPr lang="en-US" dirty="0">
+                <a:solidFill>
+                  <a:srgbClr val="92D050"/>
+                </a:solidFill>
+                <a:latin typeface="Lucida Sans Typewriter"/>
+              </a:rPr>
+              <a:t>, send packets until inflight = </a:t>
+            </a:r>
+            <a:r>
+              <a:rPr lang="en-US" dirty="0" err="1">
+                <a:solidFill>
+                  <a:srgbClr val="92D050"/>
+                </a:solidFill>
+                <a:latin typeface="Lucida Sans Typewriter"/>
+              </a:rPr>
+              <a:t>rcv_window</a:t>
+            </a:r>
+            <a:r>
+              <a:rPr lang="en-US" dirty="0">
+                <a:solidFill>
+                  <a:srgbClr val="92D050"/>
+                </a:solidFill>
+                <a:latin typeface="Lucida Sans Typewriter"/>
+              </a:rPr>
+              <a:t>. Which bytes should we put into the packet? If there are bytes we believe are lost, retransmit those first. Else send new bytes</a:t>
+            </a:r>
+          </a:p>
+        </p:txBody>
+      </p:sp>
+    </p:spTree>
+    <p:extLst>
+      <p:ext uri="{BB962C8B-B14F-4D97-AF65-F5344CB8AC3E}">
+        <p14:creationId xmlns:p14="http://schemas.microsoft.com/office/powerpoint/2010/main" val="3689311734"/>
+      </p:ext>
+    </p:extLst>
+  </p:cSld>
+  <p:clrMapOvr>
+    <a:masterClrMapping/>
+  </p:clrMapOvr>
+</p:sld>
+</file>
+
+<file path=ppt/slides/slide12.xml><?xml version="1.0" encoding="utf-8"?>
+<p:sld xmlns:a="http://schemas.openxmlformats.org/drawingml/2006/main" xmlns:r="http://schemas.openxmlformats.org/officeDocument/2006/relationships" xmlns:p="http://schemas.openxmlformats.org/presentationml/2006/main">
+  <p:cSld>
+    <p:spTree>
+      <p:nvGrpSpPr>
+        <p:cNvPr id="1" name=""/>
+        <p:cNvGrpSpPr/>
+        <p:nvPr/>
+      </p:nvGrpSpPr>
+      <p:grpSpPr>
+        <a:xfrm>
+          <a:off x="0" y="0"/>
+          <a:ext cx="0" cy="0"/>
+          <a:chOff x="0" y="0"/>
+          <a:chExt cx="0" cy="0"/>
+        </a:xfrm>
+      </p:grpSpPr>
+      <p:sp>
+        <p:nvSpPr>
+          <p:cNvPr id="2" name="Title 1">
+            <a:extLst>
+              <a:ext uri="{FF2B5EF4-FFF2-40B4-BE49-F238E27FC236}">
                 <a16:creationId xmlns:a16="http://schemas.microsoft.com/office/drawing/2014/main" id="{16D2006E-B4BE-A791-F9C6-DC24C86E2821}"/>
               </a:ext>
             </a:extLst>
@@ -4329,7 +5828,7 @@
 </p:sld>
 </file>
 
-<file path=ppt/slides/slide12.xml><?xml version="1.0" encoding="utf-8"?>
+<file path=ppt/slides/slide13.xml><?xml version="1.0" encoding="utf-8"?>
 <p:sld xmlns:a="http://schemas.openxmlformats.org/drawingml/2006/main" xmlns:r="http://schemas.openxmlformats.org/officeDocument/2006/relationships" xmlns:p="http://schemas.openxmlformats.org/presentationml/2006/main">
   <p:cSld>
     <p:spTree>
@@ -5406,7 +6905,7 @@
 </p:sld>
 </file>
 
-<file path=ppt/slides/slide13.xml><?xml version="1.0" encoding="utf-8"?>
+<file path=ppt/slides/slide14.xml><?xml version="1.0" encoding="utf-8"?>
 <p:sld xmlns:a="http://schemas.openxmlformats.org/drawingml/2006/main" xmlns:r="http://schemas.openxmlformats.org/officeDocument/2006/relationships" xmlns:p="http://schemas.openxmlformats.org/presentationml/2006/main">
   <p:cSld>
     <p:spTree>
@@ -5572,7 +7071,7 @@
 </p:sld>
 </file>
 
-<file path=ppt/slides/slide14.xml><?xml version="1.0" encoding="utf-8"?>
+<file path=ppt/slides/slide15.xml><?xml version="1.0" encoding="utf-8"?>
 <p:sld xmlns:a="http://schemas.openxmlformats.org/drawingml/2006/main" xmlns:r="http://schemas.openxmlformats.org/officeDocument/2006/relationships" xmlns:p="http://schemas.openxmlformats.org/presentationml/2006/main">
   <p:cSld>
     <p:spTree>
@@ -6007,7 +7506,7 @@
 </p:sld>
 </file>
 
-<file path=ppt/slides/slide15.xml><?xml version="1.0" encoding="utf-8"?>
+<file path=ppt/slides/slide16.xml><?xml version="1.0" encoding="utf-8"?>
 <p:sld xmlns:a="http://schemas.openxmlformats.org/drawingml/2006/main" xmlns:r="http://schemas.openxmlformats.org/officeDocument/2006/relationships" xmlns:p="http://schemas.openxmlformats.org/presentationml/2006/main">
   <p:cSld>
     <p:spTree>
@@ -6563,7 +8062,7 @@
 </p:sld>
 </file>
 
-<file path=ppt/slides/slide16.xml><?xml version="1.0" encoding="utf-8"?>
+<file path=ppt/slides/slide17.xml><?xml version="1.0" encoding="utf-8"?>
 <p:sld xmlns:a="http://schemas.openxmlformats.org/drawingml/2006/main" xmlns:r="http://schemas.openxmlformats.org/officeDocument/2006/relationships" xmlns:p="http://schemas.openxmlformats.org/presentationml/2006/main">
   <p:cSld>
     <p:spTree>
@@ -6772,139 +8271,6 @@
     <p:extLst>
       <p:ext uri="{BB962C8B-B14F-4D97-AF65-F5344CB8AC3E}">
         <p14:creationId xmlns:p14="http://schemas.microsoft.com/office/powerpoint/2010/main" val="1835164158"/>
-      </p:ext>
-    </p:extLst>
-  </p:cSld>
-  <p:clrMapOvr>
-    <a:masterClrMapping/>
-  </p:clrMapOvr>
-</p:sld>
-</file>
-
-<file path=ppt/slides/slide17.xml><?xml version="1.0" encoding="utf-8"?>
-<p:sld xmlns:a="http://schemas.openxmlformats.org/drawingml/2006/main" xmlns:r="http://schemas.openxmlformats.org/officeDocument/2006/relationships" xmlns:p="http://schemas.openxmlformats.org/presentationml/2006/main">
-  <p:cSld>
-    <p:spTree>
-      <p:nvGrpSpPr>
-        <p:cNvPr id="1" name=""/>
-        <p:cNvGrpSpPr/>
-        <p:nvPr/>
-      </p:nvGrpSpPr>
-      <p:grpSpPr>
-        <a:xfrm>
-          <a:off x="0" y="0"/>
-          <a:ext cx="0" cy="0"/>
-          <a:chOff x="0" y="0"/>
-          <a:chExt cx="0" cy="0"/>
-        </a:xfrm>
-      </p:grpSpPr>
-      <p:sp>
-        <p:nvSpPr>
-          <p:cNvPr id="2" name="Title 1">
-            <a:extLst>
-              <a:ext uri="{FF2B5EF4-FFF2-40B4-BE49-F238E27FC236}">
-                <a16:creationId xmlns:a16="http://schemas.microsoft.com/office/drawing/2014/main" id="{8A676207-2E2D-B093-8D8E-CA99D68CF047}"/>
-              </a:ext>
-            </a:extLst>
-          </p:cNvPr>
-          <p:cNvSpPr>
-            <a:spLocks noGrp="1"/>
-          </p:cNvSpPr>
-          <p:nvPr>
-            <p:ph type="title"/>
-          </p:nvPr>
-        </p:nvSpPr>
-        <p:spPr/>
-        <p:txBody>
-          <a:bodyPr/>
-          <a:lstStyle/>
-          <a:p>
-            <a:r>
-              <a:rPr lang="en-US" dirty="0"/>
-              <a:t>Takeaways</a:t>
-            </a:r>
-          </a:p>
-        </p:txBody>
-      </p:sp>
-      <p:sp>
-        <p:nvSpPr>
-          <p:cNvPr id="3" name="Content Placeholder 2">
-            <a:extLst>
-              <a:ext uri="{FF2B5EF4-FFF2-40B4-BE49-F238E27FC236}">
-                <a16:creationId xmlns:a16="http://schemas.microsoft.com/office/drawing/2014/main" id="{F9A1A8B9-8037-79D9-BB7B-4C26DAC6F8B0}"/>
-              </a:ext>
-            </a:extLst>
-          </p:cNvPr>
-          <p:cNvSpPr>
-            <a:spLocks noGrp="1"/>
-          </p:cNvSpPr>
-          <p:nvPr>
-            <p:ph idx="1"/>
-          </p:nvPr>
-        </p:nvSpPr>
-        <p:spPr/>
-        <p:txBody>
-          <a:bodyPr/>
-          <a:lstStyle/>
-          <a:p>
-            <a:pPr marL="0" indent="0">
-              <a:buNone/>
-            </a:pPr>
-            <a:r>
-              <a:rPr lang="en-US" dirty="0"/>
-              <a:t>When using congestion window, it is easy to reason about queue lengths. That is why we use them.</a:t>
-            </a:r>
-          </a:p>
-          <a:p>
-            <a:pPr marL="0" indent="0">
-              <a:buNone/>
-            </a:pPr>
-            <a:endParaRPr lang="en-US" dirty="0"/>
-          </a:p>
-          <a:p>
-            <a:pPr marL="0" indent="0">
-              <a:buNone/>
-            </a:pPr>
-            <a:r>
-              <a:rPr lang="en-US" b="1" dirty="0"/>
-              <a:t>Goals:</a:t>
-            </a:r>
-            <a:endParaRPr lang="en-US" dirty="0"/>
-          </a:p>
-          <a:p>
-            <a:r>
-              <a:rPr lang="en-US" dirty="0"/>
-              <a:t>If </a:t>
-            </a:r>
-            <a:r>
-              <a:rPr lang="en-US" dirty="0" err="1"/>
-              <a:t>cwnd</a:t>
-            </a:r>
-            <a:r>
-              <a:rPr lang="en-US" dirty="0"/>
-              <a:t> &gt; BDP, q &gt; 0 and the link is fully utilized.</a:t>
-            </a:r>
-          </a:p>
-          <a:p>
-            <a:r>
-              <a:rPr lang="en-US" dirty="0"/>
-              <a:t>If q = </a:t>
-            </a:r>
-            <a:r>
-              <a:rPr lang="en-US" dirty="0" err="1"/>
-              <a:t>cwnd</a:t>
-            </a:r>
-            <a:r>
-              <a:rPr lang="en-US" dirty="0"/>
-              <a:t> – BDP &lt; buffer size, packets do not get lost.</a:t>
-            </a:r>
-          </a:p>
-        </p:txBody>
-      </p:sp>
-    </p:spTree>
-    <p:extLst>
-      <p:ext uri="{BB962C8B-B14F-4D97-AF65-F5344CB8AC3E}">
-        <p14:creationId xmlns:p14="http://schemas.microsoft.com/office/powerpoint/2010/main" val="2767624564"/>
       </p:ext>
     </p:extLst>
   </p:cSld>
@@ -6936,7 +8302,7 @@
           <p:cNvPr id="2" name="Title 1">
             <a:extLst>
               <a:ext uri="{FF2B5EF4-FFF2-40B4-BE49-F238E27FC236}">
-                <a16:creationId xmlns:a16="http://schemas.microsoft.com/office/drawing/2014/main" id="{FED45F73-BA95-2556-4C4D-2ABDA0307FB6}"/>
+                <a16:creationId xmlns:a16="http://schemas.microsoft.com/office/drawing/2014/main" id="{8A676207-2E2D-B093-8D8E-CA99D68CF047}"/>
               </a:ext>
             </a:extLst>
           </p:cNvPr>
@@ -6954,7 +8320,7 @@
           <a:p>
             <a:r>
               <a:rPr lang="en-US" dirty="0"/>
-              <a:t>Simplest possible congestion control algorithm (CCA)</a:t>
+              <a:t>Takeaways</a:t>
             </a:r>
           </a:p>
         </p:txBody>
@@ -6964,7 +8330,7 @@
           <p:cNvPr id="3" name="Content Placeholder 2">
             <a:extLst>
               <a:ext uri="{FF2B5EF4-FFF2-40B4-BE49-F238E27FC236}">
-                <a16:creationId xmlns:a16="http://schemas.microsoft.com/office/drawing/2014/main" id="{EE2C2BE0-55B3-2464-B1BB-6F21C7B39263}"/>
+                <a16:creationId xmlns:a16="http://schemas.microsoft.com/office/drawing/2014/main" id="{F9A1A8B9-8037-79D9-BB7B-4C26DAC6F8B0}"/>
               </a:ext>
             </a:extLst>
           </p:cNvPr>
@@ -6985,79 +8351,59 @@
             </a:pPr>
             <a:r>
               <a:rPr lang="en-US" dirty="0"/>
-              <a:t>Run the following every RTT</a:t>
+              <a:t>When using congestion window, it is easy to reason about queue lengths. That is why we use them.</a:t>
             </a:r>
           </a:p>
           <a:p>
             <a:pPr marL="0" indent="0">
               <a:buNone/>
             </a:pPr>
-            <a:r>
-              <a:rPr lang="en-US" dirty="0"/>
-              <a:t>If a packet got lost in the last RTT</a:t>
-            </a:r>
-          </a:p>
-          <a:p>
-            <a:pPr marL="457200" lvl="1" indent="0">
-              <a:buNone/>
-            </a:pPr>
-            <a:r>
-              <a:rPr lang="en-US" dirty="0" err="1"/>
-              <a:t>cwnd</a:t>
-            </a:r>
-            <a:r>
-              <a:rPr lang="en-US" dirty="0"/>
-              <a:t> -= 1</a:t>
-            </a:r>
+            <a:endParaRPr lang="en-US" dirty="0"/>
           </a:p>
           <a:p>
             <a:pPr marL="0" indent="0">
               <a:buNone/>
             </a:pPr>
             <a:r>
+              <a:rPr lang="en-US" b="1" dirty="0"/>
+              <a:t>Goals:</a:t>
+            </a:r>
+            <a:endParaRPr lang="en-US" dirty="0"/>
+          </a:p>
+          <a:p>
+            <a:r>
               <a:rPr lang="en-US" dirty="0"/>
-              <a:t>Else</a:t>
-            </a:r>
-          </a:p>
-          <a:p>
-            <a:pPr marL="457200" lvl="1" indent="0">
-              <a:buNone/>
-            </a:pPr>
+              <a:t>If </a:t>
+            </a:r>
             <a:r>
               <a:rPr lang="en-US" dirty="0" err="1"/>
               <a:t>cwnd</a:t>
             </a:r>
             <a:r>
               <a:rPr lang="en-US" dirty="0"/>
-              <a:t> += 1</a:t>
-            </a:r>
-          </a:p>
-          <a:p>
-            <a:pPr marL="457200" lvl="1" indent="0">
-              <a:buNone/>
-            </a:pPr>
-            <a:endParaRPr lang="en-US" dirty="0"/>
-          </a:p>
-          <a:p>
-            <a:pPr marL="0" indent="0">
-              <a:buNone/>
-            </a:pPr>
-            <a:r>
-              <a:rPr lang="en-US" b="1" dirty="0"/>
-              <a:t>Problem:</a:t>
-            </a:r>
+              <a:t> &gt; BDP, q &gt; 0 and the link is fully utilized.</a:t>
+            </a:r>
+          </a:p>
+          <a:p>
             <a:r>
               <a:rPr lang="en-US" dirty="0"/>
-              <a:t> Packet will get lost every other RTT</a:t>
-            </a:r>
-            <a:endParaRPr lang="en-US" b="1" dirty="0"/>
+              <a:t>If q = </a:t>
+            </a:r>
+            <a:r>
+              <a:rPr lang="en-US" dirty="0" err="1"/>
+              <a:t>cwnd</a:t>
+            </a:r>
+            <a:r>
+              <a:rPr lang="en-US" dirty="0"/>
+              <a:t> – BDP &lt; buffer size, packets do not get lost.</a:t>
+            </a:r>
           </a:p>
         </p:txBody>
       </p:sp>
     </p:spTree>
     <p:extLst>
       <p:ext uri="{BB962C8B-B14F-4D97-AF65-F5344CB8AC3E}">
-        <p14:creationId xmlns:p14="http://schemas.microsoft.com/office/powerpoint/2010/main" val="1179076422"/>
+        <p14:creationId xmlns:p14="http://schemas.microsoft.com/office/powerpoint/2010/main" val="2767624564"/>
       </p:ext>
     </p:extLst>
   </p:cSld>
@@ -7089,7 +8435,7 @@
           <p:cNvPr id="2" name="Title 1">
             <a:extLst>
               <a:ext uri="{FF2B5EF4-FFF2-40B4-BE49-F238E27FC236}">
-                <a16:creationId xmlns:a16="http://schemas.microsoft.com/office/drawing/2014/main" id="{4DF64875-0182-928D-B4A5-9C17D389D260}"/>
+                <a16:creationId xmlns:a16="http://schemas.microsoft.com/office/drawing/2014/main" id="{FED45F73-BA95-2556-4C4D-2ABDA0307FB6}"/>
               </a:ext>
             </a:extLst>
           </p:cNvPr>
@@ -7107,7 +8453,7 @@
           <a:p>
             <a:r>
               <a:rPr lang="en-US" dirty="0"/>
-              <a:t>Fix: Additive Increase, Multiplicative Decrease (AIMD)</a:t>
+              <a:t>Simplest possible congestion control algorithm (CCA)</a:t>
             </a:r>
           </a:p>
         </p:txBody>
@@ -7117,7 +8463,7 @@
           <p:cNvPr id="3" name="Content Placeholder 2">
             <a:extLst>
               <a:ext uri="{FF2B5EF4-FFF2-40B4-BE49-F238E27FC236}">
-                <a16:creationId xmlns:a16="http://schemas.microsoft.com/office/drawing/2014/main" id="{FF616889-A4E2-0935-94E2-7B3D7AF884E3}"/>
+                <a16:creationId xmlns:a16="http://schemas.microsoft.com/office/drawing/2014/main" id="{EE2C2BE0-55B3-2464-B1BB-6F21C7B39263}"/>
               </a:ext>
             </a:extLst>
           </p:cNvPr>
@@ -7130,9 +8476,7 @@
         </p:nvSpPr>
         <p:spPr/>
         <p:txBody>
-          <a:bodyPr>
-            <a:normAutofit fontScale="70000" lnSpcReduction="20000"/>
-          </a:bodyPr>
+          <a:bodyPr/>
           <a:lstStyle/>
           <a:p>
             <a:pPr marL="0" indent="0">
@@ -7184,167 +8528,35 @@
             </a:r>
             <a:r>
               <a:rPr lang="en-US" dirty="0"/>
-              <a:t> /= 2</a:t>
-            </a:r>
+              <a:t> += 1</a:t>
+            </a:r>
+          </a:p>
+          <a:p>
+            <a:pPr marL="457200" lvl="1" indent="0">
+              <a:buNone/>
+            </a:pPr>
+            <a:endParaRPr lang="en-US" dirty="0"/>
           </a:p>
           <a:p>
             <a:pPr marL="0" indent="0">
               <a:buNone/>
             </a:pPr>
-            <a:endParaRPr lang="en-US" dirty="0"/>
-          </a:p>
-          <a:p>
-            <a:pPr marL="0" indent="0">
-              <a:buNone/>
-            </a:pPr>
             <a:r>
               <a:rPr lang="en-US" b="1" dirty="0"/>
-              <a:t>Why it is good:</a:t>
-            </a:r>
-            <a:endParaRPr lang="en-US" dirty="0"/>
-          </a:p>
-          <a:p>
+              <a:t>Problem:</a:t>
+            </a:r>
             <a:r>
               <a:rPr lang="en-US" dirty="0"/>
-              <a:t>Because we decreased </a:t>
-            </a:r>
-            <a:r>
-              <a:rPr lang="en-US" dirty="0" err="1"/>
-              <a:t>cwnd</a:t>
-            </a:r>
-            <a:r>
-              <a:rPr lang="en-US" dirty="0"/>
-              <a:t> a lot, it takes time before the next loss. In particular, it takes </a:t>
-            </a:r>
-            <a:r>
-              <a:rPr lang="en-US" dirty="0" err="1"/>
-              <a:t>cwnd</a:t>
-            </a:r>
-            <a:r>
-              <a:rPr lang="en-US" dirty="0"/>
-              <a:t> / 2 RTTs before the next loss</a:t>
-            </a:r>
-          </a:p>
-          <a:p>
-            <a:r>
-              <a:rPr lang="en-US" dirty="0"/>
-              <a:t>Is the utilization high? Recall, we want </a:t>
-            </a:r>
-            <a:r>
-              <a:rPr lang="en-US" dirty="0" err="1"/>
-              <a:t>cwnd</a:t>
-            </a:r>
-            <a:r>
-              <a:rPr lang="en-US" dirty="0"/>
-              <a:t> &gt; C R</a:t>
-            </a:r>
-            <a:r>
-              <a:rPr lang="en-US" baseline="-25000" dirty="0"/>
-              <a:t>m</a:t>
-            </a:r>
-            <a:r>
-              <a:rPr lang="en-US" dirty="0"/>
-              <a:t>. </a:t>
-            </a:r>
-          </a:p>
-          <a:p>
-            <a:pPr lvl="1"/>
-            <a:r>
-              <a:rPr lang="en-US" dirty="0"/>
-              <a:t>Thus, if loss happens when </a:t>
-            </a:r>
-            <a:r>
-              <a:rPr lang="en-US" dirty="0" err="1"/>
-              <a:t>cwnd</a:t>
-            </a:r>
-            <a:r>
-              <a:rPr lang="en-US" dirty="0"/>
-              <a:t> &gt; 2 C R</a:t>
-            </a:r>
-            <a:r>
-              <a:rPr lang="en-US" baseline="-25000" dirty="0"/>
-              <a:t>m</a:t>
-            </a:r>
-            <a:r>
-              <a:rPr lang="en-US" dirty="0"/>
-              <a:t>, then utilization will be high. </a:t>
-            </a:r>
-          </a:p>
-          <a:p>
-            <a:pPr lvl="1"/>
-            <a:r>
-              <a:rPr lang="en-US" dirty="0"/>
-              <a:t>Loss happens when q &gt;= buffer. That is, </a:t>
-            </a:r>
-            <a:r>
-              <a:rPr lang="en-US" dirty="0" err="1"/>
-              <a:t>loss_cwnd</a:t>
-            </a:r>
-            <a:r>
-              <a:rPr lang="en-US" dirty="0"/>
-              <a:t> &gt; buffer + C R</a:t>
-            </a:r>
-            <a:r>
-              <a:rPr lang="en-US" baseline="-25000" dirty="0"/>
-              <a:t>m</a:t>
-            </a:r>
-          </a:p>
-          <a:p>
-            <a:pPr lvl="1"/>
-            <a:r>
-              <a:rPr lang="en-US" dirty="0"/>
-              <a:t>Thus, we want buffer to be large enough that </a:t>
-            </a:r>
-            <a:r>
-              <a:rPr lang="en-US" dirty="0" err="1"/>
-              <a:t>loss_cwnd</a:t>
-            </a:r>
-            <a:r>
-              <a:rPr lang="en-US" dirty="0"/>
-              <a:t> &gt; 2 C R</a:t>
-            </a:r>
-            <a:r>
-              <a:rPr lang="en-US" baseline="-25000" dirty="0"/>
-              <a:t>m</a:t>
-            </a:r>
-            <a:r>
-              <a:rPr lang="en-US" dirty="0"/>
-              <a:t>. This means, buffer + C R</a:t>
-            </a:r>
-            <a:r>
-              <a:rPr lang="en-US" baseline="-25000" dirty="0"/>
-              <a:t>m  </a:t>
-            </a:r>
-            <a:r>
-              <a:rPr lang="en-US" dirty="0"/>
-              <a:t>&gt; 2 C R</a:t>
-            </a:r>
-            <a:r>
-              <a:rPr lang="en-US" baseline="-25000" dirty="0"/>
-              <a:t>m</a:t>
-            </a:r>
-          </a:p>
-          <a:p>
-            <a:pPr lvl="1"/>
-            <a:r>
-              <a:rPr lang="en-US" dirty="0"/>
-              <a:t>As long as buffer &gt; C R</a:t>
-            </a:r>
-            <a:r>
-              <a:rPr lang="en-US" baseline="-25000" dirty="0"/>
-              <a:t>m </a:t>
-            </a:r>
-            <a:r>
-              <a:rPr lang="en-US" dirty="0"/>
-              <a:t>we are fine.</a:t>
-            </a:r>
+              <a:t> Packet will get lost every other RTT</a:t>
+            </a:r>
+            <a:endParaRPr lang="en-US" b="1" dirty="0"/>
           </a:p>
         </p:txBody>
       </p:sp>
     </p:spTree>
     <p:extLst>
       <p:ext uri="{BB962C8B-B14F-4D97-AF65-F5344CB8AC3E}">
-        <p14:creationId xmlns:p14="http://schemas.microsoft.com/office/powerpoint/2010/main" val="2457114654"/>
+        <p14:creationId xmlns:p14="http://schemas.microsoft.com/office/powerpoint/2010/main" val="1179076422"/>
       </p:ext>
     </p:extLst>
   </p:cSld>
@@ -7376,7 +8588,7 @@
           <p:cNvPr id="2" name="Title 1">
             <a:extLst>
               <a:ext uri="{FF2B5EF4-FFF2-40B4-BE49-F238E27FC236}">
-                <a16:creationId xmlns:a16="http://schemas.microsoft.com/office/drawing/2014/main" id="{07A39ADD-C4BE-7EF9-9552-91BA1C89A8A7}"/>
+                <a16:creationId xmlns:a16="http://schemas.microsoft.com/office/drawing/2014/main" id="{56B98AFE-CD11-E838-BFC2-93A33E7CF72F}"/>
               </a:ext>
             </a:extLst>
           </p:cNvPr>
@@ -7394,7 +8606,7 @@
           <a:p>
             <a:r>
               <a:rPr lang="en-US" dirty="0"/>
-              <a:t>Why Congestion Control?</a:t>
+              <a:t>Logistics</a:t>
             </a:r>
           </a:p>
         </p:txBody>
@@ -7404,7 +8616,7 @@
           <p:cNvPr id="3" name="Content Placeholder 2">
             <a:extLst>
               <a:ext uri="{FF2B5EF4-FFF2-40B4-BE49-F238E27FC236}">
-                <a16:creationId xmlns:a16="http://schemas.microsoft.com/office/drawing/2014/main" id="{57007D20-5BCD-E497-114B-817CC7B2F96B}"/>
+                <a16:creationId xmlns:a16="http://schemas.microsoft.com/office/drawing/2014/main" id="{F1CD1266-B1E3-4DA5-E9FF-525FBDB28575}"/>
               </a:ext>
             </a:extLst>
           </p:cNvPr>
@@ -7417,67 +8629,20 @@
         </p:nvSpPr>
         <p:spPr/>
         <p:txBody>
-          <a:bodyPr vert="horz" lIns="91440" tIns="45720" rIns="91440" bIns="45720" rtlCol="0" anchor="t">
-            <a:normAutofit/>
-          </a:bodyPr>
-          <a:lstStyle/>
-          <a:p>
-            <a:r>
-              <a:rPr lang="en-US" b="1" dirty="0"/>
-              <a:t>Problem: </a:t>
-            </a:r>
+          <a:bodyPr/>
+          <a:lstStyle/>
+          <a:p>
             <a:r>
               <a:rPr lang="en-US" dirty="0"/>
-              <a:t>Network links do not have infinite bandwidth. Sometimes, applications want to send data faster than the network can handle.</a:t>
-            </a:r>
-          </a:p>
-          <a:p>
-            <a:pPr lvl="1">
-              <a:buFont typeface="Courier New" panose="020B0604020202020204" pitchFamily="34" charset="0"/>
-              <a:buChar char="o"/>
-            </a:pPr>
-            <a:r>
-              <a:rPr lang="en-US" dirty="0"/>
-              <a:t>How do senders know to slow down? </a:t>
-            </a:r>
-          </a:p>
-          <a:p>
-            <a:pPr lvl="1">
-              <a:buFont typeface="Courier New" panose="020B0604020202020204" pitchFamily="34" charset="0"/>
-              <a:buChar char="o"/>
-            </a:pPr>
-            <a:r>
-              <a:rPr lang="en-US" dirty="0"/>
-              <a:t>How much should they slow down? </a:t>
-            </a:r>
-          </a:p>
-          <a:p>
-            <a:pPr lvl="1">
-              <a:buFont typeface="Courier New" panose="020B0604020202020204" pitchFamily="34" charset="0"/>
-              <a:buChar char="o"/>
-            </a:pPr>
-            <a:r>
-              <a:rPr lang="en-US" dirty="0"/>
-              <a:t>If multiple hosts are sharing the same bandwidth, the </a:t>
-            </a:r>
-            <a:r>
-              <a:rPr lang="en-US" i="1" dirty="0"/>
-              <a:t>total</a:t>
-            </a:r>
-            <a:r>
-              <a:rPr lang="en-US" dirty="0"/>
-              <a:t> rate at which they can send is limited. In this case, who sends how much?</a:t>
-            </a:r>
-          </a:p>
-          <a:p>
-            <a:endParaRPr lang="en-US" dirty="0"/>
+              <a:t>Assignment 3 is updated</a:t>
+            </a:r>
           </a:p>
         </p:txBody>
       </p:sp>
     </p:spTree>
     <p:extLst>
       <p:ext uri="{BB962C8B-B14F-4D97-AF65-F5344CB8AC3E}">
-        <p14:creationId xmlns:p14="http://schemas.microsoft.com/office/powerpoint/2010/main" val="1183991108"/>
+        <p14:creationId xmlns:p14="http://schemas.microsoft.com/office/powerpoint/2010/main" val="3028786496"/>
       </p:ext>
     </p:extLst>
   </p:cSld>
@@ -7488,6 +8653,293 @@
 </file>
 
 <file path=ppt/slides/slide20.xml><?xml version="1.0" encoding="utf-8"?>
+<p:sld xmlns:a="http://schemas.openxmlformats.org/drawingml/2006/main" xmlns:r="http://schemas.openxmlformats.org/officeDocument/2006/relationships" xmlns:p="http://schemas.openxmlformats.org/presentationml/2006/main">
+  <p:cSld>
+    <p:spTree>
+      <p:nvGrpSpPr>
+        <p:cNvPr id="1" name=""/>
+        <p:cNvGrpSpPr/>
+        <p:nvPr/>
+      </p:nvGrpSpPr>
+      <p:grpSpPr>
+        <a:xfrm>
+          <a:off x="0" y="0"/>
+          <a:ext cx="0" cy="0"/>
+          <a:chOff x="0" y="0"/>
+          <a:chExt cx="0" cy="0"/>
+        </a:xfrm>
+      </p:grpSpPr>
+      <p:sp>
+        <p:nvSpPr>
+          <p:cNvPr id="2" name="Title 1">
+            <a:extLst>
+              <a:ext uri="{FF2B5EF4-FFF2-40B4-BE49-F238E27FC236}">
+                <a16:creationId xmlns:a16="http://schemas.microsoft.com/office/drawing/2014/main" id="{4DF64875-0182-928D-B4A5-9C17D389D260}"/>
+              </a:ext>
+            </a:extLst>
+          </p:cNvPr>
+          <p:cNvSpPr>
+            <a:spLocks noGrp="1"/>
+          </p:cNvSpPr>
+          <p:nvPr>
+            <p:ph type="title"/>
+          </p:nvPr>
+        </p:nvSpPr>
+        <p:spPr/>
+        <p:txBody>
+          <a:bodyPr/>
+          <a:lstStyle/>
+          <a:p>
+            <a:r>
+              <a:rPr lang="en-US" dirty="0"/>
+              <a:t>Fix: Additive Increase, Multiplicative Decrease (AIMD)</a:t>
+            </a:r>
+          </a:p>
+        </p:txBody>
+      </p:sp>
+      <p:sp>
+        <p:nvSpPr>
+          <p:cNvPr id="3" name="Content Placeholder 2">
+            <a:extLst>
+              <a:ext uri="{FF2B5EF4-FFF2-40B4-BE49-F238E27FC236}">
+                <a16:creationId xmlns:a16="http://schemas.microsoft.com/office/drawing/2014/main" id="{FF616889-A4E2-0935-94E2-7B3D7AF884E3}"/>
+              </a:ext>
+            </a:extLst>
+          </p:cNvPr>
+          <p:cNvSpPr>
+            <a:spLocks noGrp="1"/>
+          </p:cNvSpPr>
+          <p:nvPr>
+            <p:ph idx="1"/>
+          </p:nvPr>
+        </p:nvSpPr>
+        <p:spPr/>
+        <p:txBody>
+          <a:bodyPr>
+            <a:normAutofit fontScale="70000" lnSpcReduction="20000"/>
+          </a:bodyPr>
+          <a:lstStyle/>
+          <a:p>
+            <a:pPr marL="0" indent="0">
+              <a:buNone/>
+            </a:pPr>
+            <a:r>
+              <a:rPr lang="en-US" dirty="0"/>
+              <a:t>Run the following every RTT</a:t>
+            </a:r>
+          </a:p>
+          <a:p>
+            <a:pPr marL="0" indent="0">
+              <a:buNone/>
+            </a:pPr>
+            <a:r>
+              <a:rPr lang="en-US" dirty="0"/>
+              <a:t>If a packet did not get lost in the last RTT</a:t>
+            </a:r>
+          </a:p>
+          <a:p>
+            <a:pPr marL="457200" lvl="1" indent="0">
+              <a:buNone/>
+            </a:pPr>
+            <a:r>
+              <a:rPr lang="en-US" dirty="0" err="1"/>
+              <a:t>cwnd</a:t>
+            </a:r>
+            <a:r>
+              <a:rPr lang="en-US" dirty="0"/>
+              <a:t> += 1</a:t>
+            </a:r>
+          </a:p>
+          <a:p>
+            <a:pPr marL="0" indent="0">
+              <a:buNone/>
+            </a:pPr>
+            <a:r>
+              <a:rPr lang="en-US" dirty="0"/>
+              <a:t>Else</a:t>
+            </a:r>
+          </a:p>
+          <a:p>
+            <a:pPr marL="457200" lvl="1" indent="0">
+              <a:buNone/>
+            </a:pPr>
+            <a:r>
+              <a:rPr lang="en-US" dirty="0" err="1"/>
+              <a:t>cwnd</a:t>
+            </a:r>
+            <a:r>
+              <a:rPr lang="en-US" dirty="0"/>
+              <a:t> /= 2</a:t>
+            </a:r>
+          </a:p>
+          <a:p>
+            <a:pPr marL="0" indent="0">
+              <a:buNone/>
+            </a:pPr>
+            <a:endParaRPr lang="en-US" dirty="0"/>
+          </a:p>
+          <a:p>
+            <a:pPr marL="0" indent="0">
+              <a:buNone/>
+            </a:pPr>
+            <a:r>
+              <a:rPr lang="en-US" b="1" dirty="0"/>
+              <a:t>Why it is good:</a:t>
+            </a:r>
+            <a:endParaRPr lang="en-US" dirty="0"/>
+          </a:p>
+          <a:p>
+            <a:r>
+              <a:rPr lang="en-US" dirty="0"/>
+              <a:t>Because we decreased </a:t>
+            </a:r>
+            <a:r>
+              <a:rPr lang="en-US" dirty="0" err="1"/>
+              <a:t>cwnd</a:t>
+            </a:r>
+            <a:r>
+              <a:rPr lang="en-US" dirty="0"/>
+              <a:t> a lot, it takes time before the next loss. In particular, it takes </a:t>
+            </a:r>
+            <a:r>
+              <a:rPr lang="en-US" dirty="0" err="1"/>
+              <a:t>cwnd</a:t>
+            </a:r>
+            <a:r>
+              <a:rPr lang="en-US" dirty="0"/>
+              <a:t> / 2 RTTs before the next loss</a:t>
+            </a:r>
+          </a:p>
+          <a:p>
+            <a:r>
+              <a:rPr lang="en-US" dirty="0"/>
+              <a:t>Is the utilization high? Recall, we want </a:t>
+            </a:r>
+            <a:r>
+              <a:rPr lang="en-US" dirty="0" err="1"/>
+              <a:t>cwnd</a:t>
+            </a:r>
+            <a:r>
+              <a:rPr lang="en-US" dirty="0"/>
+              <a:t> &gt; C R</a:t>
+            </a:r>
+            <a:r>
+              <a:rPr lang="en-US" baseline="-25000" dirty="0"/>
+              <a:t>m</a:t>
+            </a:r>
+            <a:r>
+              <a:rPr lang="en-US" dirty="0"/>
+              <a:t>. </a:t>
+            </a:r>
+          </a:p>
+          <a:p>
+            <a:pPr lvl="1"/>
+            <a:r>
+              <a:rPr lang="en-US" dirty="0"/>
+              <a:t>Thus, if loss happens when </a:t>
+            </a:r>
+            <a:r>
+              <a:rPr lang="en-US" dirty="0" err="1"/>
+              <a:t>cwnd</a:t>
+            </a:r>
+            <a:r>
+              <a:rPr lang="en-US" dirty="0"/>
+              <a:t> &gt; 2 C R</a:t>
+            </a:r>
+            <a:r>
+              <a:rPr lang="en-US" baseline="-25000" dirty="0"/>
+              <a:t>m</a:t>
+            </a:r>
+            <a:r>
+              <a:rPr lang="en-US" dirty="0"/>
+              <a:t>, then utilization will be high. </a:t>
+            </a:r>
+          </a:p>
+          <a:p>
+            <a:pPr lvl="1"/>
+            <a:r>
+              <a:rPr lang="en-US" dirty="0"/>
+              <a:t>Loss happens when q &gt;= buffer. That is, </a:t>
+            </a:r>
+            <a:r>
+              <a:rPr lang="en-US" dirty="0" err="1"/>
+              <a:t>loss_cwnd</a:t>
+            </a:r>
+            <a:r>
+              <a:rPr lang="en-US" dirty="0"/>
+              <a:t> &gt; buffer + C R</a:t>
+            </a:r>
+            <a:r>
+              <a:rPr lang="en-US" baseline="-25000" dirty="0"/>
+              <a:t>m</a:t>
+            </a:r>
+          </a:p>
+          <a:p>
+            <a:pPr lvl="1"/>
+            <a:r>
+              <a:rPr lang="en-US" dirty="0"/>
+              <a:t>Thus, we want buffer to be large enough that </a:t>
+            </a:r>
+            <a:r>
+              <a:rPr lang="en-US" dirty="0" err="1"/>
+              <a:t>loss_cwnd</a:t>
+            </a:r>
+            <a:r>
+              <a:rPr lang="en-US" dirty="0"/>
+              <a:t> &gt; 2 C R</a:t>
+            </a:r>
+            <a:r>
+              <a:rPr lang="en-US" baseline="-25000" dirty="0"/>
+              <a:t>m</a:t>
+            </a:r>
+            <a:r>
+              <a:rPr lang="en-US" dirty="0"/>
+              <a:t>. This means, buffer + C R</a:t>
+            </a:r>
+            <a:r>
+              <a:rPr lang="en-US" baseline="-25000" dirty="0"/>
+              <a:t>m  </a:t>
+            </a:r>
+            <a:r>
+              <a:rPr lang="en-US" dirty="0"/>
+              <a:t>&gt; 2 C R</a:t>
+            </a:r>
+            <a:r>
+              <a:rPr lang="en-US" baseline="-25000" dirty="0"/>
+              <a:t>m</a:t>
+            </a:r>
+          </a:p>
+          <a:p>
+            <a:pPr lvl="1"/>
+            <a:r>
+              <a:rPr lang="en-US" dirty="0"/>
+              <a:t>As long as buffer &gt; C R</a:t>
+            </a:r>
+            <a:r>
+              <a:rPr lang="en-US" baseline="-25000" dirty="0"/>
+              <a:t>m </a:t>
+            </a:r>
+            <a:r>
+              <a:rPr lang="en-US" dirty="0"/>
+              <a:t>we are fine.</a:t>
+            </a:r>
+          </a:p>
+        </p:txBody>
+      </p:sp>
+    </p:spTree>
+    <p:extLst>
+      <p:ext uri="{BB962C8B-B14F-4D97-AF65-F5344CB8AC3E}">
+        <p14:creationId xmlns:p14="http://schemas.microsoft.com/office/powerpoint/2010/main" val="2457114654"/>
+      </p:ext>
+    </p:extLst>
+  </p:cSld>
+  <p:clrMapOvr>
+    <a:masterClrMapping/>
+  </p:clrMapOvr>
+</p:sld>
+</file>
+
+<file path=ppt/slides/slide21.xml><?xml version="1.0" encoding="utf-8"?>
 <p:sld xmlns:a="http://schemas.openxmlformats.org/drawingml/2006/main" xmlns:r="http://schemas.openxmlformats.org/officeDocument/2006/relationships" xmlns:p="http://schemas.openxmlformats.org/presentationml/2006/main">
   <p:cSld>
     <p:spTree>
@@ -9851,7 +11303,7 @@
 </p:sld>
 </file>
 
-<file path=ppt/slides/slide21.xml><?xml version="1.0" encoding="utf-8"?>
+<file path=ppt/slides/slide22.xml><?xml version="1.0" encoding="utf-8"?>
 <p:sld xmlns:a="http://schemas.openxmlformats.org/drawingml/2006/main" xmlns:r="http://schemas.openxmlformats.org/officeDocument/2006/relationships" xmlns:p="http://schemas.openxmlformats.org/presentationml/2006/main">
   <p:cSld>
     <p:spTree>
@@ -10056,6 +11508,139 @@
 </file>
 
 <file path=ppt/slides/slide3.xml><?xml version="1.0" encoding="utf-8"?>
+<p:sld xmlns:a="http://schemas.openxmlformats.org/drawingml/2006/main" xmlns:r="http://schemas.openxmlformats.org/officeDocument/2006/relationships" xmlns:p="http://schemas.openxmlformats.org/presentationml/2006/main">
+  <p:cSld>
+    <p:spTree>
+      <p:nvGrpSpPr>
+        <p:cNvPr id="1" name=""/>
+        <p:cNvGrpSpPr/>
+        <p:nvPr/>
+      </p:nvGrpSpPr>
+      <p:grpSpPr>
+        <a:xfrm>
+          <a:off x="0" y="0"/>
+          <a:ext cx="0" cy="0"/>
+          <a:chOff x="0" y="0"/>
+          <a:chExt cx="0" cy="0"/>
+        </a:xfrm>
+      </p:grpSpPr>
+      <p:sp>
+        <p:nvSpPr>
+          <p:cNvPr id="2" name="Title 1">
+            <a:extLst>
+              <a:ext uri="{FF2B5EF4-FFF2-40B4-BE49-F238E27FC236}">
+                <a16:creationId xmlns:a16="http://schemas.microsoft.com/office/drawing/2014/main" id="{07A39ADD-C4BE-7EF9-9552-91BA1C89A8A7}"/>
+              </a:ext>
+            </a:extLst>
+          </p:cNvPr>
+          <p:cNvSpPr>
+            <a:spLocks noGrp="1"/>
+          </p:cNvSpPr>
+          <p:nvPr>
+            <p:ph type="title"/>
+          </p:nvPr>
+        </p:nvSpPr>
+        <p:spPr/>
+        <p:txBody>
+          <a:bodyPr/>
+          <a:lstStyle/>
+          <a:p>
+            <a:r>
+              <a:rPr lang="en-US" dirty="0"/>
+              <a:t>Why Congestion Control?</a:t>
+            </a:r>
+          </a:p>
+        </p:txBody>
+      </p:sp>
+      <p:sp>
+        <p:nvSpPr>
+          <p:cNvPr id="3" name="Content Placeholder 2">
+            <a:extLst>
+              <a:ext uri="{FF2B5EF4-FFF2-40B4-BE49-F238E27FC236}">
+                <a16:creationId xmlns:a16="http://schemas.microsoft.com/office/drawing/2014/main" id="{57007D20-5BCD-E497-114B-817CC7B2F96B}"/>
+              </a:ext>
+            </a:extLst>
+          </p:cNvPr>
+          <p:cNvSpPr>
+            <a:spLocks noGrp="1"/>
+          </p:cNvSpPr>
+          <p:nvPr>
+            <p:ph idx="1"/>
+          </p:nvPr>
+        </p:nvSpPr>
+        <p:spPr/>
+        <p:txBody>
+          <a:bodyPr vert="horz" lIns="91440" tIns="45720" rIns="91440" bIns="45720" rtlCol="0" anchor="t">
+            <a:normAutofit/>
+          </a:bodyPr>
+          <a:lstStyle/>
+          <a:p>
+            <a:r>
+              <a:rPr lang="en-US" b="1" dirty="0"/>
+              <a:t>Problem: </a:t>
+            </a:r>
+            <a:r>
+              <a:rPr lang="en-US" dirty="0"/>
+              <a:t>Network links do not have infinite bandwidth. Sometimes, applications want to send data faster than the network can handle.</a:t>
+            </a:r>
+          </a:p>
+          <a:p>
+            <a:pPr lvl="1">
+              <a:buFont typeface="Courier New" panose="020B0604020202020204" pitchFamily="34" charset="0"/>
+              <a:buChar char="o"/>
+            </a:pPr>
+            <a:r>
+              <a:rPr lang="en-US" dirty="0"/>
+              <a:t>How do senders know to slow down? </a:t>
+            </a:r>
+          </a:p>
+          <a:p>
+            <a:pPr lvl="1">
+              <a:buFont typeface="Courier New" panose="020B0604020202020204" pitchFamily="34" charset="0"/>
+              <a:buChar char="o"/>
+            </a:pPr>
+            <a:r>
+              <a:rPr lang="en-US" dirty="0"/>
+              <a:t>How much should they slow down? </a:t>
+            </a:r>
+          </a:p>
+          <a:p>
+            <a:pPr lvl="1">
+              <a:buFont typeface="Courier New" panose="020B0604020202020204" pitchFamily="34" charset="0"/>
+              <a:buChar char="o"/>
+            </a:pPr>
+            <a:r>
+              <a:rPr lang="en-US" dirty="0"/>
+              <a:t>If multiple hosts are sharing the same bandwidth, the </a:t>
+            </a:r>
+            <a:r>
+              <a:rPr lang="en-US" i="1" dirty="0"/>
+              <a:t>total</a:t>
+            </a:r>
+            <a:r>
+              <a:rPr lang="en-US" dirty="0"/>
+              <a:t> rate at which they can send is limited. In this case, who sends how much?</a:t>
+            </a:r>
+          </a:p>
+          <a:p>
+            <a:endParaRPr lang="en-US" dirty="0"/>
+          </a:p>
+        </p:txBody>
+      </p:sp>
+    </p:spTree>
+    <p:extLst>
+      <p:ext uri="{BB962C8B-B14F-4D97-AF65-F5344CB8AC3E}">
+        <p14:creationId xmlns:p14="http://schemas.microsoft.com/office/powerpoint/2010/main" val="1183991108"/>
+      </p:ext>
+    </p:extLst>
+  </p:cSld>
+  <p:clrMapOvr>
+    <a:masterClrMapping/>
+  </p:clrMapOvr>
+</p:sld>
+</file>
+
+<file path=ppt/slides/slide4.xml><?xml version="1.0" encoding="utf-8"?>
 <p:sld xmlns:a="http://schemas.openxmlformats.org/drawingml/2006/main" xmlns:r="http://schemas.openxmlformats.org/officeDocument/2006/relationships" xmlns:p="http://schemas.openxmlformats.org/presentationml/2006/main">
   <p:cSld>
     <p:spTree>
@@ -11000,850 +12585,6 @@
 </p:sld>
 </file>
 
-<file path=ppt/slides/slide4.xml><?xml version="1.0" encoding="utf-8"?>
-<p:sld xmlns:a="http://schemas.openxmlformats.org/drawingml/2006/main" xmlns:r="http://schemas.openxmlformats.org/officeDocument/2006/relationships" xmlns:p="http://schemas.openxmlformats.org/presentationml/2006/main">
-  <p:cSld>
-    <p:spTree>
-      <p:nvGrpSpPr>
-        <p:cNvPr id="1" name=""/>
-        <p:cNvGrpSpPr/>
-        <p:nvPr/>
-      </p:nvGrpSpPr>
-      <p:grpSpPr>
-        <a:xfrm>
-          <a:off x="0" y="0"/>
-          <a:ext cx="0" cy="0"/>
-          <a:chOff x="0" y="0"/>
-          <a:chExt cx="0" cy="0"/>
-        </a:xfrm>
-      </p:grpSpPr>
-      <p:sp>
-        <p:nvSpPr>
-          <p:cNvPr id="2" name="Title 1">
-            <a:extLst>
-              <a:ext uri="{FF2B5EF4-FFF2-40B4-BE49-F238E27FC236}">
-                <a16:creationId xmlns:a16="http://schemas.microsoft.com/office/drawing/2014/main" id="{669A6A4C-E678-E890-01F3-E40415E7D245}"/>
-              </a:ext>
-            </a:extLst>
-          </p:cNvPr>
-          <p:cNvSpPr>
-            <a:spLocks noGrp="1"/>
-          </p:cNvSpPr>
-          <p:nvPr>
-            <p:ph type="title"/>
-          </p:nvPr>
-        </p:nvSpPr>
-        <p:spPr/>
-        <p:txBody>
-          <a:bodyPr/>
-          <a:lstStyle/>
-          <a:p>
-            <a:r>
-              <a:rPr lang="en-US" dirty="0"/>
-              <a:t>Problem with bursting: congestion collapse</a:t>
-            </a:r>
-          </a:p>
-        </p:txBody>
-      </p:sp>
-      <p:sp>
-        <p:nvSpPr>
-          <p:cNvPr id="4" name="Rectangle 3">
-            <a:extLst>
-              <a:ext uri="{FF2B5EF4-FFF2-40B4-BE49-F238E27FC236}">
-                <a16:creationId xmlns:a16="http://schemas.microsoft.com/office/drawing/2014/main" id="{8A61E1B0-5B4A-EC26-9859-CCE90EB0ADF5}"/>
-              </a:ext>
-            </a:extLst>
-          </p:cNvPr>
-          <p:cNvSpPr/>
-          <p:nvPr/>
-        </p:nvSpPr>
-        <p:spPr>
-          <a:xfrm>
-            <a:off x="1140407" y="2716245"/>
-            <a:ext cx="1347755" cy="653142"/>
-          </a:xfrm>
-          <a:prstGeom prst="rect">
-            <a:avLst/>
-          </a:prstGeom>
-        </p:spPr>
-        <p:style>
-          <a:lnRef idx="2">
-            <a:schemeClr val="accent1"/>
-          </a:lnRef>
-          <a:fillRef idx="1">
-            <a:schemeClr val="lt1"/>
-          </a:fillRef>
-          <a:effectRef idx="0">
-            <a:schemeClr val="accent1"/>
-          </a:effectRef>
-          <a:fontRef idx="minor">
-            <a:schemeClr val="dk1"/>
-          </a:fontRef>
-        </p:style>
-        <p:txBody>
-          <a:bodyPr rtlCol="0" anchor="ctr"/>
-          <a:lstStyle/>
-          <a:p>
-            <a:pPr algn="ctr"/>
-            <a:r>
-              <a:rPr lang="en-US" sz="2400" dirty="0"/>
-              <a:t>Host 1</a:t>
-            </a:r>
-          </a:p>
-        </p:txBody>
-      </p:sp>
-      <p:sp>
-        <p:nvSpPr>
-          <p:cNvPr id="5" name="Rectangle 4">
-            <a:extLst>
-              <a:ext uri="{FF2B5EF4-FFF2-40B4-BE49-F238E27FC236}">
-                <a16:creationId xmlns:a16="http://schemas.microsoft.com/office/drawing/2014/main" id="{FBC37723-A97A-8223-2689-A3F711C36B07}"/>
-              </a:ext>
-            </a:extLst>
-          </p:cNvPr>
-          <p:cNvSpPr/>
-          <p:nvPr/>
-        </p:nvSpPr>
-        <p:spPr>
-          <a:xfrm>
-            <a:off x="1140406" y="3670040"/>
-            <a:ext cx="1347755" cy="653142"/>
-          </a:xfrm>
-          <a:prstGeom prst="rect">
-            <a:avLst/>
-          </a:prstGeom>
-        </p:spPr>
-        <p:style>
-          <a:lnRef idx="2">
-            <a:schemeClr val="accent1"/>
-          </a:lnRef>
-          <a:fillRef idx="1">
-            <a:schemeClr val="lt1"/>
-          </a:fillRef>
-          <a:effectRef idx="0">
-            <a:schemeClr val="accent1"/>
-          </a:effectRef>
-          <a:fontRef idx="minor">
-            <a:schemeClr val="dk1"/>
-          </a:fontRef>
-        </p:style>
-        <p:txBody>
-          <a:bodyPr lIns="91440" tIns="45720" rIns="91440" bIns="45720" rtlCol="0" anchor="ctr"/>
-          <a:lstStyle/>
-          <a:p>
-            <a:pPr algn="ctr"/>
-            <a:r>
-              <a:rPr lang="en-US" sz="2400" dirty="0"/>
-              <a:t>Host 2</a:t>
-            </a:r>
-          </a:p>
-        </p:txBody>
-      </p:sp>
-      <p:sp>
-        <p:nvSpPr>
-          <p:cNvPr id="6" name="Rectangle 5">
-            <a:extLst>
-              <a:ext uri="{FF2B5EF4-FFF2-40B4-BE49-F238E27FC236}">
-                <a16:creationId xmlns:a16="http://schemas.microsoft.com/office/drawing/2014/main" id="{69715DA9-6088-0E88-9501-B1083A6D989E}"/>
-              </a:ext>
-            </a:extLst>
-          </p:cNvPr>
-          <p:cNvSpPr/>
-          <p:nvPr/>
-        </p:nvSpPr>
-        <p:spPr>
-          <a:xfrm>
-            <a:off x="1140406" y="4623836"/>
-            <a:ext cx="1347755" cy="653142"/>
-          </a:xfrm>
-          <a:prstGeom prst="rect">
-            <a:avLst/>
-          </a:prstGeom>
-        </p:spPr>
-        <p:style>
-          <a:lnRef idx="2">
-            <a:schemeClr val="accent1"/>
-          </a:lnRef>
-          <a:fillRef idx="1">
-            <a:schemeClr val="lt1"/>
-          </a:fillRef>
-          <a:effectRef idx="0">
-            <a:schemeClr val="accent1"/>
-          </a:effectRef>
-          <a:fontRef idx="minor">
-            <a:schemeClr val="dk1"/>
-          </a:fontRef>
-        </p:style>
-        <p:txBody>
-          <a:bodyPr lIns="91440" tIns="45720" rIns="91440" bIns="45720" rtlCol="0" anchor="ctr"/>
-          <a:lstStyle/>
-          <a:p>
-            <a:pPr algn="ctr"/>
-            <a:r>
-              <a:rPr lang="en-US" sz="2400" dirty="0"/>
-              <a:t>Host 3</a:t>
-            </a:r>
-          </a:p>
-        </p:txBody>
-      </p:sp>
-      <p:sp>
-        <p:nvSpPr>
-          <p:cNvPr id="3" name="Oval 2">
-            <a:extLst>
-              <a:ext uri="{FF2B5EF4-FFF2-40B4-BE49-F238E27FC236}">
-                <a16:creationId xmlns:a16="http://schemas.microsoft.com/office/drawing/2014/main" id="{B07C3524-B680-904B-4B47-3E6D4BB7CCE6}"/>
-              </a:ext>
-            </a:extLst>
-          </p:cNvPr>
-          <p:cNvSpPr/>
-          <p:nvPr/>
-        </p:nvSpPr>
-        <p:spPr>
-          <a:xfrm>
-            <a:off x="4641272" y="3671455"/>
-            <a:ext cx="1237012" cy="851064"/>
-          </a:xfrm>
-          <a:prstGeom prst="ellipse">
-            <a:avLst/>
-          </a:prstGeom>
-        </p:spPr>
-        <p:style>
-          <a:lnRef idx="2">
-            <a:schemeClr val="accent1">
-              <a:shade val="15000"/>
-            </a:schemeClr>
-          </a:lnRef>
-          <a:fillRef idx="1">
-            <a:schemeClr val="accent1"/>
-          </a:fillRef>
-          <a:effectRef idx="0">
-            <a:schemeClr val="accent1"/>
-          </a:effectRef>
-          <a:fontRef idx="minor">
-            <a:schemeClr val="lt1"/>
-          </a:fontRef>
-        </p:style>
-        <p:txBody>
-          <a:bodyPr rtlCol="0" anchor="ctr"/>
-          <a:lstStyle/>
-          <a:p>
-            <a:pPr algn="ctr"/>
-            <a:r>
-              <a:rPr lang="en-US" dirty="0"/>
-              <a:t>Router</a:t>
-            </a:r>
-          </a:p>
-        </p:txBody>
-      </p:sp>
-      <p:sp>
-        <p:nvSpPr>
-          <p:cNvPr id="11" name="Oval 10">
-            <a:extLst>
-              <a:ext uri="{FF2B5EF4-FFF2-40B4-BE49-F238E27FC236}">
-                <a16:creationId xmlns:a16="http://schemas.microsoft.com/office/drawing/2014/main" id="{FA15B701-4608-C245-7304-D303062187B1}"/>
-              </a:ext>
-            </a:extLst>
-          </p:cNvPr>
-          <p:cNvSpPr/>
-          <p:nvPr/>
-        </p:nvSpPr>
-        <p:spPr>
-          <a:xfrm>
-            <a:off x="7832765" y="3681351"/>
-            <a:ext cx="1237012" cy="851064"/>
-          </a:xfrm>
-          <a:prstGeom prst="ellipse">
-            <a:avLst/>
-          </a:prstGeom>
-        </p:spPr>
-        <p:style>
-          <a:lnRef idx="2">
-            <a:schemeClr val="accent1">
-              <a:shade val="15000"/>
-            </a:schemeClr>
-          </a:lnRef>
-          <a:fillRef idx="1">
-            <a:schemeClr val="accent1"/>
-          </a:fillRef>
-          <a:effectRef idx="0">
-            <a:schemeClr val="accent1"/>
-          </a:effectRef>
-          <a:fontRef idx="minor">
-            <a:schemeClr val="lt1"/>
-          </a:fontRef>
-        </p:style>
-        <p:txBody>
-          <a:bodyPr rtlCol="0" anchor="ctr"/>
-          <a:lstStyle/>
-          <a:p>
-            <a:pPr algn="ctr"/>
-            <a:r>
-              <a:rPr lang="en-US" dirty="0"/>
-              <a:t>Router</a:t>
-            </a:r>
-          </a:p>
-        </p:txBody>
-      </p:sp>
-      <p:sp>
-        <p:nvSpPr>
-          <p:cNvPr id="13" name="Rectangle 12">
-            <a:extLst>
-              <a:ext uri="{FF2B5EF4-FFF2-40B4-BE49-F238E27FC236}">
-                <a16:creationId xmlns:a16="http://schemas.microsoft.com/office/drawing/2014/main" id="{E848CC14-86FD-679E-1C68-9FC84646EFBA}"/>
-              </a:ext>
-            </a:extLst>
-          </p:cNvPr>
-          <p:cNvSpPr/>
-          <p:nvPr/>
-        </p:nvSpPr>
-        <p:spPr>
-          <a:xfrm>
-            <a:off x="10210186" y="3809764"/>
-            <a:ext cx="1872248" cy="653142"/>
-          </a:xfrm>
-          <a:prstGeom prst="rect">
-            <a:avLst/>
-          </a:prstGeom>
-        </p:spPr>
-        <p:style>
-          <a:lnRef idx="2">
-            <a:schemeClr val="accent1"/>
-          </a:lnRef>
-          <a:fillRef idx="1">
-            <a:schemeClr val="lt1"/>
-          </a:fillRef>
-          <a:effectRef idx="0">
-            <a:schemeClr val="accent1"/>
-          </a:effectRef>
-          <a:fontRef idx="minor">
-            <a:schemeClr val="dk1"/>
-          </a:fontRef>
-        </p:style>
-        <p:txBody>
-          <a:bodyPr lIns="91440" tIns="45720" rIns="91440" bIns="45720" rtlCol="0" anchor="ctr"/>
-          <a:lstStyle/>
-          <a:p>
-            <a:pPr algn="ctr"/>
-            <a:r>
-              <a:rPr lang="en-US" sz="2400" dirty="0"/>
-              <a:t>Host 4</a:t>
-            </a:r>
-          </a:p>
-        </p:txBody>
-      </p:sp>
-      <p:cxnSp>
-        <p:nvCxnSpPr>
-          <p:cNvPr id="14" name="Straight Arrow Connector 13">
-            <a:extLst>
-              <a:ext uri="{FF2B5EF4-FFF2-40B4-BE49-F238E27FC236}">
-                <a16:creationId xmlns:a16="http://schemas.microsoft.com/office/drawing/2014/main" id="{2880E862-311A-7164-AC5F-1A48CE98A326}"/>
-              </a:ext>
-            </a:extLst>
-          </p:cNvPr>
-          <p:cNvCxnSpPr/>
-          <p:nvPr/>
-        </p:nvCxnSpPr>
-        <p:spPr>
-          <a:xfrm>
-            <a:off x="2501735" y="3065812"/>
-            <a:ext cx="2136568" cy="998516"/>
-          </a:xfrm>
-          <a:prstGeom prst="straightConnector1">
-            <a:avLst/>
-          </a:prstGeom>
-          <a:ln w="57150">
-            <a:solidFill>
-              <a:srgbClr val="4472C4"/>
-            </a:solidFill>
-            <a:tailEnd type="triangle"/>
-          </a:ln>
-        </p:spPr>
-        <p:style>
-          <a:lnRef idx="2">
-            <a:schemeClr val="accent1"/>
-          </a:lnRef>
-          <a:fillRef idx="0">
-            <a:schemeClr val="accent1"/>
-          </a:fillRef>
-          <a:effectRef idx="1">
-            <a:schemeClr val="accent1"/>
-          </a:effectRef>
-          <a:fontRef idx="minor">
-            <a:schemeClr val="tx1"/>
-          </a:fontRef>
-        </p:style>
-      </p:cxnSp>
-      <p:cxnSp>
-        <p:nvCxnSpPr>
-          <p:cNvPr id="15" name="Straight Arrow Connector 14">
-            <a:extLst>
-              <a:ext uri="{FF2B5EF4-FFF2-40B4-BE49-F238E27FC236}">
-                <a16:creationId xmlns:a16="http://schemas.microsoft.com/office/drawing/2014/main" id="{DA8A76D4-1A4C-360C-6FCC-B114879DEA3F}"/>
-              </a:ext>
-            </a:extLst>
-          </p:cNvPr>
-          <p:cNvCxnSpPr>
-            <a:cxnSpLocks/>
-          </p:cNvCxnSpPr>
-          <p:nvPr/>
-        </p:nvCxnSpPr>
-        <p:spPr>
-          <a:xfrm flipV="1">
-            <a:off x="2501735" y="4084120"/>
-            <a:ext cx="2136568" cy="891638"/>
-          </a:xfrm>
-          <a:prstGeom prst="straightConnector1">
-            <a:avLst/>
-          </a:prstGeom>
-          <a:ln w="57150">
-            <a:solidFill>
-              <a:srgbClr val="4472C4"/>
-            </a:solidFill>
-            <a:tailEnd type="triangle"/>
-          </a:ln>
-        </p:spPr>
-        <p:style>
-          <a:lnRef idx="2">
-            <a:schemeClr val="accent1"/>
-          </a:lnRef>
-          <a:fillRef idx="0">
-            <a:schemeClr val="accent1"/>
-          </a:fillRef>
-          <a:effectRef idx="1">
-            <a:schemeClr val="accent1"/>
-          </a:effectRef>
-          <a:fontRef idx="minor">
-            <a:schemeClr val="tx1"/>
-          </a:fontRef>
-        </p:style>
-      </p:cxnSp>
-      <p:cxnSp>
-        <p:nvCxnSpPr>
-          <p:cNvPr id="16" name="Straight Arrow Connector 15">
-            <a:extLst>
-              <a:ext uri="{FF2B5EF4-FFF2-40B4-BE49-F238E27FC236}">
-                <a16:creationId xmlns:a16="http://schemas.microsoft.com/office/drawing/2014/main" id="{55E57710-243B-2B0B-0C2C-9B9E213009E5}"/>
-              </a:ext>
-            </a:extLst>
-          </p:cNvPr>
-          <p:cNvCxnSpPr>
-            <a:cxnSpLocks/>
-          </p:cNvCxnSpPr>
-          <p:nvPr/>
-        </p:nvCxnSpPr>
-        <p:spPr>
-          <a:xfrm>
-            <a:off x="2501736" y="4030682"/>
-            <a:ext cx="2146464" cy="48491"/>
-          </a:xfrm>
-          <a:prstGeom prst="straightConnector1">
-            <a:avLst/>
-          </a:prstGeom>
-          <a:ln w="57150">
-            <a:solidFill>
-              <a:srgbClr val="4472C4"/>
-            </a:solidFill>
-            <a:tailEnd type="triangle"/>
-          </a:ln>
-        </p:spPr>
-        <p:style>
-          <a:lnRef idx="2">
-            <a:schemeClr val="accent1"/>
-          </a:lnRef>
-          <a:fillRef idx="0">
-            <a:schemeClr val="accent1"/>
-          </a:fillRef>
-          <a:effectRef idx="1">
-            <a:schemeClr val="accent1"/>
-          </a:effectRef>
-          <a:fontRef idx="minor">
-            <a:schemeClr val="tx1"/>
-          </a:fontRef>
-        </p:style>
-      </p:cxnSp>
-      <p:cxnSp>
-        <p:nvCxnSpPr>
-          <p:cNvPr id="17" name="Straight Arrow Connector 16">
-            <a:extLst>
-              <a:ext uri="{FF2B5EF4-FFF2-40B4-BE49-F238E27FC236}">
-                <a16:creationId xmlns:a16="http://schemas.microsoft.com/office/drawing/2014/main" id="{D1F9D89C-6AED-557C-DEF5-DC2F202A451C}"/>
-              </a:ext>
-            </a:extLst>
-          </p:cNvPr>
-          <p:cNvCxnSpPr>
-            <a:cxnSpLocks/>
-          </p:cNvCxnSpPr>
-          <p:nvPr/>
-        </p:nvCxnSpPr>
-        <p:spPr>
-          <a:xfrm>
-            <a:off x="5881255" y="4080162"/>
-            <a:ext cx="1943594" cy="28699"/>
-          </a:xfrm>
-          <a:prstGeom prst="straightConnector1">
-            <a:avLst/>
-          </a:prstGeom>
-          <a:ln w="57150">
-            <a:solidFill>
-              <a:srgbClr val="4472C4"/>
-            </a:solidFill>
-            <a:tailEnd type="triangle"/>
-          </a:ln>
-        </p:spPr>
-        <p:style>
-          <a:lnRef idx="2">
-            <a:schemeClr val="accent1"/>
-          </a:lnRef>
-          <a:fillRef idx="0">
-            <a:schemeClr val="accent1"/>
-          </a:fillRef>
-          <a:effectRef idx="1">
-            <a:schemeClr val="accent1"/>
-          </a:effectRef>
-          <a:fontRef idx="minor">
-            <a:schemeClr val="tx1"/>
-          </a:fontRef>
-        </p:style>
-      </p:cxnSp>
-      <p:cxnSp>
-        <p:nvCxnSpPr>
-          <p:cNvPr id="18" name="Straight Arrow Connector 17">
-            <a:extLst>
-              <a:ext uri="{FF2B5EF4-FFF2-40B4-BE49-F238E27FC236}">
-                <a16:creationId xmlns:a16="http://schemas.microsoft.com/office/drawing/2014/main" id="{F0995883-08EB-C6B0-C6EA-A4D2CCB02B10}"/>
-              </a:ext>
-            </a:extLst>
-          </p:cNvPr>
-          <p:cNvCxnSpPr>
-            <a:cxnSpLocks/>
-          </p:cNvCxnSpPr>
-          <p:nvPr/>
-        </p:nvCxnSpPr>
-        <p:spPr>
-          <a:xfrm flipV="1">
-            <a:off x="9077696" y="4108861"/>
-            <a:ext cx="1033153" cy="989"/>
-          </a:xfrm>
-          <a:prstGeom prst="straightConnector1">
-            <a:avLst/>
-          </a:prstGeom>
-          <a:ln w="57150">
-            <a:solidFill>
-              <a:srgbClr val="4472C4"/>
-            </a:solidFill>
-            <a:tailEnd type="triangle"/>
-          </a:ln>
-        </p:spPr>
-        <p:style>
-          <a:lnRef idx="2">
-            <a:schemeClr val="accent1"/>
-          </a:lnRef>
-          <a:fillRef idx="0">
-            <a:schemeClr val="accent1"/>
-          </a:fillRef>
-          <a:effectRef idx="1">
-            <a:schemeClr val="accent1"/>
-          </a:effectRef>
-          <a:fontRef idx="minor">
-            <a:schemeClr val="tx1"/>
-          </a:fontRef>
-        </p:style>
-      </p:cxnSp>
-      <p:sp>
-        <p:nvSpPr>
-          <p:cNvPr id="19" name="TextBox 18">
-            <a:extLst>
-              <a:ext uri="{FF2B5EF4-FFF2-40B4-BE49-F238E27FC236}">
-                <a16:creationId xmlns:a16="http://schemas.microsoft.com/office/drawing/2014/main" id="{A28BB2FA-2ABB-B4E5-8A47-CB40DA8CDFD9}"/>
-              </a:ext>
-            </a:extLst>
-          </p:cNvPr>
-          <p:cNvSpPr txBox="1"/>
-          <p:nvPr/>
-        </p:nvSpPr>
-        <p:spPr>
-          <a:xfrm rot="1680000">
-            <a:off x="2988623" y="3137064"/>
-            <a:ext cx="1362694" cy="461665"/>
-          </a:xfrm>
-          <a:prstGeom prst="rect">
-            <a:avLst/>
-          </a:prstGeom>
-          <a:noFill/>
-        </p:spPr>
-        <p:txBody>
-          <a:bodyPr rot="0" spcFirstLastPara="0" vertOverflow="overflow" horzOverflow="overflow" vert="horz" wrap="square" lIns="91440" tIns="45720" rIns="91440" bIns="45720" numCol="1" spcCol="0" rtlCol="0" fromWordArt="0" anchor="t" anchorCtr="0" forceAA="0" compatLnSpc="1">
-            <a:prstTxWarp prst="textNoShape">
-              <a:avLst/>
-            </a:prstTxWarp>
-            <a:spAutoFit/>
-          </a:bodyPr>
-          <a:lstStyle/>
-          <a:p>
-            <a:r>
-              <a:rPr lang="en-US" sz="2400" dirty="0"/>
-              <a:t>1 Gbit/s</a:t>
-            </a:r>
-          </a:p>
-        </p:txBody>
-      </p:sp>
-      <p:sp>
-        <p:nvSpPr>
-          <p:cNvPr id="20" name="TextBox 19">
-            <a:extLst>
-              <a:ext uri="{FF2B5EF4-FFF2-40B4-BE49-F238E27FC236}">
-                <a16:creationId xmlns:a16="http://schemas.microsoft.com/office/drawing/2014/main" id="{DFC0C6A1-F5C0-E2C5-9017-C6BC6608C19E}"/>
-              </a:ext>
-            </a:extLst>
-          </p:cNvPr>
-          <p:cNvSpPr txBox="1"/>
-          <p:nvPr/>
-        </p:nvSpPr>
-        <p:spPr>
-          <a:xfrm>
-            <a:off x="2676895" y="3631869"/>
-            <a:ext cx="1362694" cy="461665"/>
-          </a:xfrm>
-          <a:prstGeom prst="rect">
-            <a:avLst/>
-          </a:prstGeom>
-          <a:noFill/>
-        </p:spPr>
-        <p:txBody>
-          <a:bodyPr rot="0" spcFirstLastPara="0" vertOverflow="overflow" horzOverflow="overflow" vert="horz" wrap="square" lIns="91440" tIns="45720" rIns="91440" bIns="45720" numCol="1" spcCol="0" rtlCol="0" fromWordArt="0" anchor="t" anchorCtr="0" forceAA="0" compatLnSpc="1">
-            <a:prstTxWarp prst="textNoShape">
-              <a:avLst/>
-            </a:prstTxWarp>
-            <a:spAutoFit/>
-          </a:bodyPr>
-          <a:lstStyle/>
-          <a:p>
-            <a:r>
-              <a:rPr lang="en-US" sz="2400" dirty="0"/>
-              <a:t>1 Gbit/s</a:t>
-            </a:r>
-          </a:p>
-        </p:txBody>
-      </p:sp>
-      <p:sp>
-        <p:nvSpPr>
-          <p:cNvPr id="21" name="TextBox 20">
-            <a:extLst>
-              <a:ext uri="{FF2B5EF4-FFF2-40B4-BE49-F238E27FC236}">
-                <a16:creationId xmlns:a16="http://schemas.microsoft.com/office/drawing/2014/main" id="{63EBD61F-901F-5D93-7092-CC2D9127DC9C}"/>
-              </a:ext>
-            </a:extLst>
-          </p:cNvPr>
-          <p:cNvSpPr txBox="1"/>
-          <p:nvPr/>
-        </p:nvSpPr>
-        <p:spPr>
-          <a:xfrm rot="-1080000">
-            <a:off x="2676894" y="4195947"/>
-            <a:ext cx="1362694" cy="461665"/>
-          </a:xfrm>
-          <a:prstGeom prst="rect">
-            <a:avLst/>
-          </a:prstGeom>
-          <a:noFill/>
-        </p:spPr>
-        <p:txBody>
-          <a:bodyPr rot="0" spcFirstLastPara="0" vertOverflow="overflow" horzOverflow="overflow" vert="horz" wrap="square" lIns="91440" tIns="45720" rIns="91440" bIns="45720" numCol="1" spcCol="0" rtlCol="0" fromWordArt="0" anchor="t" anchorCtr="0" forceAA="0" compatLnSpc="1">
-            <a:prstTxWarp prst="textNoShape">
-              <a:avLst/>
-            </a:prstTxWarp>
-            <a:spAutoFit/>
-          </a:bodyPr>
-          <a:lstStyle/>
-          <a:p>
-            <a:r>
-              <a:rPr lang="en-US" sz="2400" dirty="0"/>
-              <a:t>1 Gbit/s</a:t>
-            </a:r>
-          </a:p>
-        </p:txBody>
-      </p:sp>
-      <p:sp>
-        <p:nvSpPr>
-          <p:cNvPr id="22" name="TextBox 21">
-            <a:extLst>
-              <a:ext uri="{FF2B5EF4-FFF2-40B4-BE49-F238E27FC236}">
-                <a16:creationId xmlns:a16="http://schemas.microsoft.com/office/drawing/2014/main" id="{28659C7A-B8E1-6D52-8074-AC35B07D69D7}"/>
-              </a:ext>
-            </a:extLst>
-          </p:cNvPr>
-          <p:cNvSpPr txBox="1"/>
-          <p:nvPr/>
-        </p:nvSpPr>
-        <p:spPr>
-          <a:xfrm>
-            <a:off x="6026724" y="3621973"/>
-            <a:ext cx="1362694" cy="461665"/>
-          </a:xfrm>
-          <a:prstGeom prst="rect">
-            <a:avLst/>
-          </a:prstGeom>
-          <a:noFill/>
-        </p:spPr>
-        <p:txBody>
-          <a:bodyPr rot="0" spcFirstLastPara="0" vertOverflow="overflow" horzOverflow="overflow" vert="horz" wrap="square" lIns="91440" tIns="45720" rIns="91440" bIns="45720" numCol="1" spcCol="0" rtlCol="0" fromWordArt="0" anchor="t" anchorCtr="0" forceAA="0" compatLnSpc="1">
-            <a:prstTxWarp prst="textNoShape">
-              <a:avLst/>
-            </a:prstTxWarp>
-            <a:spAutoFit/>
-          </a:bodyPr>
-          <a:lstStyle/>
-          <a:p>
-            <a:r>
-              <a:rPr lang="en-US" sz="2400" dirty="0"/>
-              <a:t>1 Gbit/s</a:t>
-            </a:r>
-          </a:p>
-        </p:txBody>
-      </p:sp>
-      <p:sp>
-        <p:nvSpPr>
-          <p:cNvPr id="23" name="TextBox 22">
-            <a:extLst>
-              <a:ext uri="{FF2B5EF4-FFF2-40B4-BE49-F238E27FC236}">
-                <a16:creationId xmlns:a16="http://schemas.microsoft.com/office/drawing/2014/main" id="{74553C66-E134-0612-ABC2-775C7EAE29CD}"/>
-              </a:ext>
-            </a:extLst>
-          </p:cNvPr>
-          <p:cNvSpPr txBox="1"/>
-          <p:nvPr/>
-        </p:nvSpPr>
-        <p:spPr>
-          <a:xfrm>
-            <a:off x="8990606" y="3562596"/>
-            <a:ext cx="1362694" cy="461665"/>
-          </a:xfrm>
-          <a:prstGeom prst="rect">
-            <a:avLst/>
-          </a:prstGeom>
-          <a:noFill/>
-        </p:spPr>
-        <p:txBody>
-          <a:bodyPr rot="0" spcFirstLastPara="0" vertOverflow="overflow" horzOverflow="overflow" vert="horz" wrap="square" lIns="91440" tIns="45720" rIns="91440" bIns="45720" numCol="1" spcCol="0" rtlCol="0" fromWordArt="0" anchor="t" anchorCtr="0" forceAA="0" compatLnSpc="1">
-            <a:prstTxWarp prst="textNoShape">
-              <a:avLst/>
-            </a:prstTxWarp>
-            <a:spAutoFit/>
-          </a:bodyPr>
-          <a:lstStyle/>
-          <a:p>
-            <a:r>
-              <a:rPr lang="en-US" sz="2400" dirty="0"/>
-              <a:t>1 Gbit/s</a:t>
-            </a:r>
-          </a:p>
-        </p:txBody>
-      </p:sp>
-      <p:cxnSp>
-        <p:nvCxnSpPr>
-          <p:cNvPr id="24" name="Straight Arrow Connector 23">
-            <a:extLst>
-              <a:ext uri="{FF2B5EF4-FFF2-40B4-BE49-F238E27FC236}">
-                <a16:creationId xmlns:a16="http://schemas.microsoft.com/office/drawing/2014/main" id="{6976BACB-A794-9BA6-9970-DEB564AC5C64}"/>
-              </a:ext>
-            </a:extLst>
-          </p:cNvPr>
-          <p:cNvCxnSpPr>
-            <a:cxnSpLocks/>
-          </p:cNvCxnSpPr>
-          <p:nvPr/>
-        </p:nvCxnSpPr>
-        <p:spPr>
-          <a:xfrm>
-            <a:off x="5762502" y="4441370"/>
-            <a:ext cx="949035" cy="478971"/>
-          </a:xfrm>
-          <a:prstGeom prst="straightConnector1">
-            <a:avLst/>
-          </a:prstGeom>
-          <a:ln>
-            <a:tailEnd type="triangle"/>
-          </a:ln>
-        </p:spPr>
-        <p:style>
-          <a:lnRef idx="1">
-            <a:schemeClr val="accent2"/>
-          </a:lnRef>
-          <a:fillRef idx="0">
-            <a:schemeClr val="accent2"/>
-          </a:fillRef>
-          <a:effectRef idx="0">
-            <a:schemeClr val="accent2"/>
-          </a:effectRef>
-          <a:fontRef idx="minor">
-            <a:schemeClr val="tx1"/>
-          </a:fontRef>
-        </p:style>
-      </p:cxnSp>
-      <p:sp>
-        <p:nvSpPr>
-          <p:cNvPr id="25" name="TextBox 24">
-            <a:extLst>
-              <a:ext uri="{FF2B5EF4-FFF2-40B4-BE49-F238E27FC236}">
-                <a16:creationId xmlns:a16="http://schemas.microsoft.com/office/drawing/2014/main" id="{8773DC9A-8691-02B2-02B2-08949DD004B5}"/>
-              </a:ext>
-            </a:extLst>
-          </p:cNvPr>
-          <p:cNvSpPr txBox="1"/>
-          <p:nvPr/>
-        </p:nvSpPr>
-        <p:spPr>
-          <a:xfrm>
-            <a:off x="4106883" y="4858986"/>
-            <a:ext cx="7839692" cy="2031325"/>
-          </a:xfrm>
-          <a:prstGeom prst="rect">
-            <a:avLst/>
-          </a:prstGeom>
-          <a:noFill/>
-        </p:spPr>
-        <p:txBody>
-          <a:bodyPr rot="0" spcFirstLastPara="0" vertOverflow="overflow" horzOverflow="overflow" vert="horz" wrap="square" lIns="91440" tIns="45720" rIns="91440" bIns="45720" numCol="1" spcCol="0" rtlCol="0" fromWordArt="0" anchor="t" anchorCtr="0" forceAA="0" compatLnSpc="1">
-            <a:prstTxWarp prst="textNoShape">
-              <a:avLst/>
-            </a:prstTxWarp>
-            <a:spAutoFit/>
-          </a:bodyPr>
-          <a:lstStyle/>
-          <a:p>
-            <a:r>
-              <a:rPr lang="en-US" dirty="0"/>
-              <a:t>After the first round of transmissions, 2/3 of all transmissions are retransmissions. 2/3 of those will get retransmitted too. Thus, on average a packet will have to be transmitted 3 times before it goes through successfully.</a:t>
-            </a:r>
-            <a:br>
-              <a:rPr lang="en-US" dirty="0"/>
-            </a:br>
-            <a:br>
-              <a:rPr lang="en-US" dirty="0"/>
-            </a:br>
-            <a:r>
-              <a:rPr lang="en-US" dirty="0"/>
-              <a:t>What is the problem though? Who is it harming really? Everyone is still getting a net of 1/3 Gbit/s as long as we never incorrectly retransmit packets</a:t>
-            </a:r>
-          </a:p>
-          <a:p>
-            <a:endParaRPr lang="en-US" dirty="0"/>
-          </a:p>
-        </p:txBody>
-      </p:sp>
-    </p:spTree>
-    <p:extLst>
-      <p:ext uri="{BB962C8B-B14F-4D97-AF65-F5344CB8AC3E}">
-        <p14:creationId xmlns:p14="http://schemas.microsoft.com/office/powerpoint/2010/main" val="16239411"/>
-      </p:ext>
-    </p:extLst>
-  </p:cSld>
-  <p:clrMapOvr>
-    <a:masterClrMapping/>
-  </p:clrMapOvr>
-</p:sld>
-</file>
-
 <file path=ppt/slides/slide5.xml><?xml version="1.0" encoding="utf-8"?>
 <p:sld xmlns:a="http://schemas.openxmlformats.org/drawingml/2006/main" xmlns:r="http://schemas.openxmlformats.org/officeDocument/2006/relationships" xmlns:p="http://schemas.openxmlformats.org/presentationml/2006/main">
   <p:cSld>
@@ -11903,7 +12644,7 @@
         </p:nvSpPr>
         <p:spPr>
           <a:xfrm>
-            <a:off x="299238" y="1974037"/>
+            <a:off x="1140407" y="2716245"/>
             <a:ext cx="1347755" cy="653142"/>
           </a:xfrm>
           <a:prstGeom prst="rect">
@@ -12189,8 +12930,8 @@
         </p:nvCxnSpPr>
         <p:spPr>
           <a:xfrm>
-            <a:off x="1645722" y="2437409"/>
-            <a:ext cx="973777" cy="300842"/>
+            <a:off x="2501735" y="3065812"/>
+            <a:ext cx="2136568" cy="998516"/>
           </a:xfrm>
           <a:prstGeom prst="straightConnector1">
             <a:avLst/>
@@ -12406,8 +13147,8 @@
           <p:nvPr/>
         </p:nvSpPr>
         <p:spPr>
-          <a:xfrm rot="1320000">
-            <a:off x="1736766" y="2211778"/>
+          <a:xfrm rot="1680000">
+            <a:off x="2988623" y="3137064"/>
             <a:ext cx="1362694" cy="461665"/>
           </a:xfrm>
           <a:prstGeom prst="rect">
@@ -12638,6 +13379,850 @@
         </p:nvSpPr>
         <p:spPr>
           <a:xfrm>
+            <a:off x="4106883" y="4858986"/>
+            <a:ext cx="7839692" cy="2031325"/>
+          </a:xfrm>
+          <a:prstGeom prst="rect">
+            <a:avLst/>
+          </a:prstGeom>
+          <a:noFill/>
+        </p:spPr>
+        <p:txBody>
+          <a:bodyPr rot="0" spcFirstLastPara="0" vertOverflow="overflow" horzOverflow="overflow" vert="horz" wrap="square" lIns="91440" tIns="45720" rIns="91440" bIns="45720" numCol="1" spcCol="0" rtlCol="0" fromWordArt="0" anchor="t" anchorCtr="0" forceAA="0" compatLnSpc="1">
+            <a:prstTxWarp prst="textNoShape">
+              <a:avLst/>
+            </a:prstTxWarp>
+            <a:spAutoFit/>
+          </a:bodyPr>
+          <a:lstStyle/>
+          <a:p>
+            <a:r>
+              <a:rPr lang="en-US" dirty="0"/>
+              <a:t>After the first round of transmissions, 2/3 of all transmissions are retransmissions. 2/3 of those will get retransmitted too. Thus, on average a packet will have to be transmitted 3 times before it goes through successfully.</a:t>
+            </a:r>
+            <a:br>
+              <a:rPr lang="en-US" dirty="0"/>
+            </a:br>
+            <a:br>
+              <a:rPr lang="en-US" dirty="0"/>
+            </a:br>
+            <a:r>
+              <a:rPr lang="en-US" dirty="0"/>
+              <a:t>What is the problem though? Who is it harming really? Everyone is still getting a net of 1/3 Gbit/s as long as we never incorrectly retransmit packets</a:t>
+            </a:r>
+          </a:p>
+          <a:p>
+            <a:endParaRPr lang="en-US" dirty="0"/>
+          </a:p>
+        </p:txBody>
+      </p:sp>
+    </p:spTree>
+    <p:extLst>
+      <p:ext uri="{BB962C8B-B14F-4D97-AF65-F5344CB8AC3E}">
+        <p14:creationId xmlns:p14="http://schemas.microsoft.com/office/powerpoint/2010/main" val="16239411"/>
+      </p:ext>
+    </p:extLst>
+  </p:cSld>
+  <p:clrMapOvr>
+    <a:masterClrMapping/>
+  </p:clrMapOvr>
+</p:sld>
+</file>
+
+<file path=ppt/slides/slide6.xml><?xml version="1.0" encoding="utf-8"?>
+<p:sld xmlns:a="http://schemas.openxmlformats.org/drawingml/2006/main" xmlns:r="http://schemas.openxmlformats.org/officeDocument/2006/relationships" xmlns:p="http://schemas.openxmlformats.org/presentationml/2006/main">
+  <p:cSld>
+    <p:spTree>
+      <p:nvGrpSpPr>
+        <p:cNvPr id="1" name=""/>
+        <p:cNvGrpSpPr/>
+        <p:nvPr/>
+      </p:nvGrpSpPr>
+      <p:grpSpPr>
+        <a:xfrm>
+          <a:off x="0" y="0"/>
+          <a:ext cx="0" cy="0"/>
+          <a:chOff x="0" y="0"/>
+          <a:chExt cx="0" cy="0"/>
+        </a:xfrm>
+      </p:grpSpPr>
+      <p:sp>
+        <p:nvSpPr>
+          <p:cNvPr id="2" name="Title 1">
+            <a:extLst>
+              <a:ext uri="{FF2B5EF4-FFF2-40B4-BE49-F238E27FC236}">
+                <a16:creationId xmlns:a16="http://schemas.microsoft.com/office/drawing/2014/main" id="{669A6A4C-E678-E890-01F3-E40415E7D245}"/>
+              </a:ext>
+            </a:extLst>
+          </p:cNvPr>
+          <p:cNvSpPr>
+            <a:spLocks noGrp="1"/>
+          </p:cNvSpPr>
+          <p:nvPr>
+            <p:ph type="title"/>
+          </p:nvPr>
+        </p:nvSpPr>
+        <p:spPr/>
+        <p:txBody>
+          <a:bodyPr/>
+          <a:lstStyle/>
+          <a:p>
+            <a:r>
+              <a:rPr lang="en-US" dirty="0"/>
+              <a:t>Problem with bursting: congestion collapse</a:t>
+            </a:r>
+          </a:p>
+        </p:txBody>
+      </p:sp>
+      <p:sp>
+        <p:nvSpPr>
+          <p:cNvPr id="4" name="Rectangle 3">
+            <a:extLst>
+              <a:ext uri="{FF2B5EF4-FFF2-40B4-BE49-F238E27FC236}">
+                <a16:creationId xmlns:a16="http://schemas.microsoft.com/office/drawing/2014/main" id="{8A61E1B0-5B4A-EC26-9859-CCE90EB0ADF5}"/>
+              </a:ext>
+            </a:extLst>
+          </p:cNvPr>
+          <p:cNvSpPr/>
+          <p:nvPr/>
+        </p:nvSpPr>
+        <p:spPr>
+          <a:xfrm>
+            <a:off x="299238" y="1974037"/>
+            <a:ext cx="1347755" cy="653142"/>
+          </a:xfrm>
+          <a:prstGeom prst="rect">
+            <a:avLst/>
+          </a:prstGeom>
+        </p:spPr>
+        <p:style>
+          <a:lnRef idx="2">
+            <a:schemeClr val="accent1"/>
+          </a:lnRef>
+          <a:fillRef idx="1">
+            <a:schemeClr val="lt1"/>
+          </a:fillRef>
+          <a:effectRef idx="0">
+            <a:schemeClr val="accent1"/>
+          </a:effectRef>
+          <a:fontRef idx="minor">
+            <a:schemeClr val="dk1"/>
+          </a:fontRef>
+        </p:style>
+        <p:txBody>
+          <a:bodyPr rtlCol="0" anchor="ctr"/>
+          <a:lstStyle/>
+          <a:p>
+            <a:pPr algn="ctr"/>
+            <a:r>
+              <a:rPr lang="en-US" sz="2400" dirty="0"/>
+              <a:t>Host 1</a:t>
+            </a:r>
+          </a:p>
+        </p:txBody>
+      </p:sp>
+      <p:sp>
+        <p:nvSpPr>
+          <p:cNvPr id="5" name="Rectangle 4">
+            <a:extLst>
+              <a:ext uri="{FF2B5EF4-FFF2-40B4-BE49-F238E27FC236}">
+                <a16:creationId xmlns:a16="http://schemas.microsoft.com/office/drawing/2014/main" id="{FBC37723-A97A-8223-2689-A3F711C36B07}"/>
+              </a:ext>
+            </a:extLst>
+          </p:cNvPr>
+          <p:cNvSpPr/>
+          <p:nvPr/>
+        </p:nvSpPr>
+        <p:spPr>
+          <a:xfrm>
+            <a:off x="1140406" y="3670040"/>
+            <a:ext cx="1347755" cy="653142"/>
+          </a:xfrm>
+          <a:prstGeom prst="rect">
+            <a:avLst/>
+          </a:prstGeom>
+        </p:spPr>
+        <p:style>
+          <a:lnRef idx="2">
+            <a:schemeClr val="accent1"/>
+          </a:lnRef>
+          <a:fillRef idx="1">
+            <a:schemeClr val="lt1"/>
+          </a:fillRef>
+          <a:effectRef idx="0">
+            <a:schemeClr val="accent1"/>
+          </a:effectRef>
+          <a:fontRef idx="minor">
+            <a:schemeClr val="dk1"/>
+          </a:fontRef>
+        </p:style>
+        <p:txBody>
+          <a:bodyPr lIns="91440" tIns="45720" rIns="91440" bIns="45720" rtlCol="0" anchor="ctr"/>
+          <a:lstStyle/>
+          <a:p>
+            <a:pPr algn="ctr"/>
+            <a:r>
+              <a:rPr lang="en-US" sz="2400" dirty="0"/>
+              <a:t>Host 2</a:t>
+            </a:r>
+          </a:p>
+        </p:txBody>
+      </p:sp>
+      <p:sp>
+        <p:nvSpPr>
+          <p:cNvPr id="6" name="Rectangle 5">
+            <a:extLst>
+              <a:ext uri="{FF2B5EF4-FFF2-40B4-BE49-F238E27FC236}">
+                <a16:creationId xmlns:a16="http://schemas.microsoft.com/office/drawing/2014/main" id="{69715DA9-6088-0E88-9501-B1083A6D989E}"/>
+              </a:ext>
+            </a:extLst>
+          </p:cNvPr>
+          <p:cNvSpPr/>
+          <p:nvPr/>
+        </p:nvSpPr>
+        <p:spPr>
+          <a:xfrm>
+            <a:off x="1140406" y="4623836"/>
+            <a:ext cx="1347755" cy="653142"/>
+          </a:xfrm>
+          <a:prstGeom prst="rect">
+            <a:avLst/>
+          </a:prstGeom>
+        </p:spPr>
+        <p:style>
+          <a:lnRef idx="2">
+            <a:schemeClr val="accent1"/>
+          </a:lnRef>
+          <a:fillRef idx="1">
+            <a:schemeClr val="lt1"/>
+          </a:fillRef>
+          <a:effectRef idx="0">
+            <a:schemeClr val="accent1"/>
+          </a:effectRef>
+          <a:fontRef idx="minor">
+            <a:schemeClr val="dk1"/>
+          </a:fontRef>
+        </p:style>
+        <p:txBody>
+          <a:bodyPr lIns="91440" tIns="45720" rIns="91440" bIns="45720" rtlCol="0" anchor="ctr"/>
+          <a:lstStyle/>
+          <a:p>
+            <a:pPr algn="ctr"/>
+            <a:r>
+              <a:rPr lang="en-US" sz="2400" dirty="0"/>
+              <a:t>Host 3</a:t>
+            </a:r>
+          </a:p>
+        </p:txBody>
+      </p:sp>
+      <p:sp>
+        <p:nvSpPr>
+          <p:cNvPr id="3" name="Oval 2">
+            <a:extLst>
+              <a:ext uri="{FF2B5EF4-FFF2-40B4-BE49-F238E27FC236}">
+                <a16:creationId xmlns:a16="http://schemas.microsoft.com/office/drawing/2014/main" id="{B07C3524-B680-904B-4B47-3E6D4BB7CCE6}"/>
+              </a:ext>
+            </a:extLst>
+          </p:cNvPr>
+          <p:cNvSpPr/>
+          <p:nvPr/>
+        </p:nvSpPr>
+        <p:spPr>
+          <a:xfrm>
+            <a:off x="4641272" y="3671455"/>
+            <a:ext cx="1237012" cy="851064"/>
+          </a:xfrm>
+          <a:prstGeom prst="ellipse">
+            <a:avLst/>
+          </a:prstGeom>
+        </p:spPr>
+        <p:style>
+          <a:lnRef idx="2">
+            <a:schemeClr val="accent1">
+              <a:shade val="15000"/>
+            </a:schemeClr>
+          </a:lnRef>
+          <a:fillRef idx="1">
+            <a:schemeClr val="accent1"/>
+          </a:fillRef>
+          <a:effectRef idx="0">
+            <a:schemeClr val="accent1"/>
+          </a:effectRef>
+          <a:fontRef idx="minor">
+            <a:schemeClr val="lt1"/>
+          </a:fontRef>
+        </p:style>
+        <p:txBody>
+          <a:bodyPr rtlCol="0" anchor="ctr"/>
+          <a:lstStyle/>
+          <a:p>
+            <a:pPr algn="ctr"/>
+            <a:r>
+              <a:rPr lang="en-US" dirty="0"/>
+              <a:t>Router</a:t>
+            </a:r>
+          </a:p>
+        </p:txBody>
+      </p:sp>
+      <p:sp>
+        <p:nvSpPr>
+          <p:cNvPr id="11" name="Oval 10">
+            <a:extLst>
+              <a:ext uri="{FF2B5EF4-FFF2-40B4-BE49-F238E27FC236}">
+                <a16:creationId xmlns:a16="http://schemas.microsoft.com/office/drawing/2014/main" id="{FA15B701-4608-C245-7304-D303062187B1}"/>
+              </a:ext>
+            </a:extLst>
+          </p:cNvPr>
+          <p:cNvSpPr/>
+          <p:nvPr/>
+        </p:nvSpPr>
+        <p:spPr>
+          <a:xfrm>
+            <a:off x="7832765" y="3681351"/>
+            <a:ext cx="1237012" cy="851064"/>
+          </a:xfrm>
+          <a:prstGeom prst="ellipse">
+            <a:avLst/>
+          </a:prstGeom>
+        </p:spPr>
+        <p:style>
+          <a:lnRef idx="2">
+            <a:schemeClr val="accent1">
+              <a:shade val="15000"/>
+            </a:schemeClr>
+          </a:lnRef>
+          <a:fillRef idx="1">
+            <a:schemeClr val="accent1"/>
+          </a:fillRef>
+          <a:effectRef idx="0">
+            <a:schemeClr val="accent1"/>
+          </a:effectRef>
+          <a:fontRef idx="minor">
+            <a:schemeClr val="lt1"/>
+          </a:fontRef>
+        </p:style>
+        <p:txBody>
+          <a:bodyPr rtlCol="0" anchor="ctr"/>
+          <a:lstStyle/>
+          <a:p>
+            <a:pPr algn="ctr"/>
+            <a:r>
+              <a:rPr lang="en-US" dirty="0"/>
+              <a:t>Router</a:t>
+            </a:r>
+          </a:p>
+        </p:txBody>
+      </p:sp>
+      <p:sp>
+        <p:nvSpPr>
+          <p:cNvPr id="13" name="Rectangle 12">
+            <a:extLst>
+              <a:ext uri="{FF2B5EF4-FFF2-40B4-BE49-F238E27FC236}">
+                <a16:creationId xmlns:a16="http://schemas.microsoft.com/office/drawing/2014/main" id="{E848CC14-86FD-679E-1C68-9FC84646EFBA}"/>
+              </a:ext>
+            </a:extLst>
+          </p:cNvPr>
+          <p:cNvSpPr/>
+          <p:nvPr/>
+        </p:nvSpPr>
+        <p:spPr>
+          <a:xfrm>
+            <a:off x="10210186" y="3809764"/>
+            <a:ext cx="1872248" cy="653142"/>
+          </a:xfrm>
+          <a:prstGeom prst="rect">
+            <a:avLst/>
+          </a:prstGeom>
+        </p:spPr>
+        <p:style>
+          <a:lnRef idx="2">
+            <a:schemeClr val="accent1"/>
+          </a:lnRef>
+          <a:fillRef idx="1">
+            <a:schemeClr val="lt1"/>
+          </a:fillRef>
+          <a:effectRef idx="0">
+            <a:schemeClr val="accent1"/>
+          </a:effectRef>
+          <a:fontRef idx="minor">
+            <a:schemeClr val="dk1"/>
+          </a:fontRef>
+        </p:style>
+        <p:txBody>
+          <a:bodyPr lIns="91440" tIns="45720" rIns="91440" bIns="45720" rtlCol="0" anchor="ctr"/>
+          <a:lstStyle/>
+          <a:p>
+            <a:pPr algn="ctr"/>
+            <a:r>
+              <a:rPr lang="en-US" sz="2400" dirty="0"/>
+              <a:t>Host 4</a:t>
+            </a:r>
+          </a:p>
+        </p:txBody>
+      </p:sp>
+      <p:cxnSp>
+        <p:nvCxnSpPr>
+          <p:cNvPr id="14" name="Straight Arrow Connector 13">
+            <a:extLst>
+              <a:ext uri="{FF2B5EF4-FFF2-40B4-BE49-F238E27FC236}">
+                <a16:creationId xmlns:a16="http://schemas.microsoft.com/office/drawing/2014/main" id="{2880E862-311A-7164-AC5F-1A48CE98A326}"/>
+              </a:ext>
+            </a:extLst>
+          </p:cNvPr>
+          <p:cNvCxnSpPr/>
+          <p:nvPr/>
+        </p:nvCxnSpPr>
+        <p:spPr>
+          <a:xfrm>
+            <a:off x="1645722" y="2437409"/>
+            <a:ext cx="973777" cy="300842"/>
+          </a:xfrm>
+          <a:prstGeom prst="straightConnector1">
+            <a:avLst/>
+          </a:prstGeom>
+          <a:ln w="57150">
+            <a:solidFill>
+              <a:srgbClr val="4472C4"/>
+            </a:solidFill>
+            <a:tailEnd type="triangle"/>
+          </a:ln>
+        </p:spPr>
+        <p:style>
+          <a:lnRef idx="2">
+            <a:schemeClr val="accent1"/>
+          </a:lnRef>
+          <a:fillRef idx="0">
+            <a:schemeClr val="accent1"/>
+          </a:fillRef>
+          <a:effectRef idx="1">
+            <a:schemeClr val="accent1"/>
+          </a:effectRef>
+          <a:fontRef idx="minor">
+            <a:schemeClr val="tx1"/>
+          </a:fontRef>
+        </p:style>
+      </p:cxnSp>
+      <p:cxnSp>
+        <p:nvCxnSpPr>
+          <p:cNvPr id="15" name="Straight Arrow Connector 14">
+            <a:extLst>
+              <a:ext uri="{FF2B5EF4-FFF2-40B4-BE49-F238E27FC236}">
+                <a16:creationId xmlns:a16="http://schemas.microsoft.com/office/drawing/2014/main" id="{DA8A76D4-1A4C-360C-6FCC-B114879DEA3F}"/>
+              </a:ext>
+            </a:extLst>
+          </p:cNvPr>
+          <p:cNvCxnSpPr>
+            <a:cxnSpLocks/>
+          </p:cNvCxnSpPr>
+          <p:nvPr/>
+        </p:nvCxnSpPr>
+        <p:spPr>
+          <a:xfrm flipV="1">
+            <a:off x="2501735" y="4084120"/>
+            <a:ext cx="2136568" cy="891638"/>
+          </a:xfrm>
+          <a:prstGeom prst="straightConnector1">
+            <a:avLst/>
+          </a:prstGeom>
+          <a:ln w="57150">
+            <a:solidFill>
+              <a:srgbClr val="4472C4"/>
+            </a:solidFill>
+            <a:tailEnd type="triangle"/>
+          </a:ln>
+        </p:spPr>
+        <p:style>
+          <a:lnRef idx="2">
+            <a:schemeClr val="accent1"/>
+          </a:lnRef>
+          <a:fillRef idx="0">
+            <a:schemeClr val="accent1"/>
+          </a:fillRef>
+          <a:effectRef idx="1">
+            <a:schemeClr val="accent1"/>
+          </a:effectRef>
+          <a:fontRef idx="minor">
+            <a:schemeClr val="tx1"/>
+          </a:fontRef>
+        </p:style>
+      </p:cxnSp>
+      <p:cxnSp>
+        <p:nvCxnSpPr>
+          <p:cNvPr id="16" name="Straight Arrow Connector 15">
+            <a:extLst>
+              <a:ext uri="{FF2B5EF4-FFF2-40B4-BE49-F238E27FC236}">
+                <a16:creationId xmlns:a16="http://schemas.microsoft.com/office/drawing/2014/main" id="{55E57710-243B-2B0B-0C2C-9B9E213009E5}"/>
+              </a:ext>
+            </a:extLst>
+          </p:cNvPr>
+          <p:cNvCxnSpPr>
+            <a:cxnSpLocks/>
+          </p:cNvCxnSpPr>
+          <p:nvPr/>
+        </p:nvCxnSpPr>
+        <p:spPr>
+          <a:xfrm>
+            <a:off x="2501736" y="4030682"/>
+            <a:ext cx="2146464" cy="48491"/>
+          </a:xfrm>
+          <a:prstGeom prst="straightConnector1">
+            <a:avLst/>
+          </a:prstGeom>
+          <a:ln w="57150">
+            <a:solidFill>
+              <a:srgbClr val="4472C4"/>
+            </a:solidFill>
+            <a:tailEnd type="triangle"/>
+          </a:ln>
+        </p:spPr>
+        <p:style>
+          <a:lnRef idx="2">
+            <a:schemeClr val="accent1"/>
+          </a:lnRef>
+          <a:fillRef idx="0">
+            <a:schemeClr val="accent1"/>
+          </a:fillRef>
+          <a:effectRef idx="1">
+            <a:schemeClr val="accent1"/>
+          </a:effectRef>
+          <a:fontRef idx="minor">
+            <a:schemeClr val="tx1"/>
+          </a:fontRef>
+        </p:style>
+      </p:cxnSp>
+      <p:cxnSp>
+        <p:nvCxnSpPr>
+          <p:cNvPr id="17" name="Straight Arrow Connector 16">
+            <a:extLst>
+              <a:ext uri="{FF2B5EF4-FFF2-40B4-BE49-F238E27FC236}">
+                <a16:creationId xmlns:a16="http://schemas.microsoft.com/office/drawing/2014/main" id="{D1F9D89C-6AED-557C-DEF5-DC2F202A451C}"/>
+              </a:ext>
+            </a:extLst>
+          </p:cNvPr>
+          <p:cNvCxnSpPr>
+            <a:cxnSpLocks/>
+          </p:cNvCxnSpPr>
+          <p:nvPr/>
+        </p:nvCxnSpPr>
+        <p:spPr>
+          <a:xfrm>
+            <a:off x="5881255" y="4080162"/>
+            <a:ext cx="1943594" cy="28699"/>
+          </a:xfrm>
+          <a:prstGeom prst="straightConnector1">
+            <a:avLst/>
+          </a:prstGeom>
+          <a:ln w="57150">
+            <a:solidFill>
+              <a:srgbClr val="4472C4"/>
+            </a:solidFill>
+            <a:tailEnd type="triangle"/>
+          </a:ln>
+        </p:spPr>
+        <p:style>
+          <a:lnRef idx="2">
+            <a:schemeClr val="accent1"/>
+          </a:lnRef>
+          <a:fillRef idx="0">
+            <a:schemeClr val="accent1"/>
+          </a:fillRef>
+          <a:effectRef idx="1">
+            <a:schemeClr val="accent1"/>
+          </a:effectRef>
+          <a:fontRef idx="minor">
+            <a:schemeClr val="tx1"/>
+          </a:fontRef>
+        </p:style>
+      </p:cxnSp>
+      <p:cxnSp>
+        <p:nvCxnSpPr>
+          <p:cNvPr id="18" name="Straight Arrow Connector 17">
+            <a:extLst>
+              <a:ext uri="{FF2B5EF4-FFF2-40B4-BE49-F238E27FC236}">
+                <a16:creationId xmlns:a16="http://schemas.microsoft.com/office/drawing/2014/main" id="{F0995883-08EB-C6B0-C6EA-A4D2CCB02B10}"/>
+              </a:ext>
+            </a:extLst>
+          </p:cNvPr>
+          <p:cNvCxnSpPr>
+            <a:cxnSpLocks/>
+          </p:cNvCxnSpPr>
+          <p:nvPr/>
+        </p:nvCxnSpPr>
+        <p:spPr>
+          <a:xfrm flipV="1">
+            <a:off x="9077696" y="4108861"/>
+            <a:ext cx="1033153" cy="989"/>
+          </a:xfrm>
+          <a:prstGeom prst="straightConnector1">
+            <a:avLst/>
+          </a:prstGeom>
+          <a:ln w="57150">
+            <a:solidFill>
+              <a:srgbClr val="4472C4"/>
+            </a:solidFill>
+            <a:tailEnd type="triangle"/>
+          </a:ln>
+        </p:spPr>
+        <p:style>
+          <a:lnRef idx="2">
+            <a:schemeClr val="accent1"/>
+          </a:lnRef>
+          <a:fillRef idx="0">
+            <a:schemeClr val="accent1"/>
+          </a:fillRef>
+          <a:effectRef idx="1">
+            <a:schemeClr val="accent1"/>
+          </a:effectRef>
+          <a:fontRef idx="minor">
+            <a:schemeClr val="tx1"/>
+          </a:fontRef>
+        </p:style>
+      </p:cxnSp>
+      <p:sp>
+        <p:nvSpPr>
+          <p:cNvPr id="19" name="TextBox 18">
+            <a:extLst>
+              <a:ext uri="{FF2B5EF4-FFF2-40B4-BE49-F238E27FC236}">
+                <a16:creationId xmlns:a16="http://schemas.microsoft.com/office/drawing/2014/main" id="{A28BB2FA-2ABB-B4E5-8A47-CB40DA8CDFD9}"/>
+              </a:ext>
+            </a:extLst>
+          </p:cNvPr>
+          <p:cNvSpPr txBox="1"/>
+          <p:nvPr/>
+        </p:nvSpPr>
+        <p:spPr>
+          <a:xfrm rot="1320000">
+            <a:off x="1736766" y="2211778"/>
+            <a:ext cx="1362694" cy="461665"/>
+          </a:xfrm>
+          <a:prstGeom prst="rect">
+            <a:avLst/>
+          </a:prstGeom>
+          <a:noFill/>
+        </p:spPr>
+        <p:txBody>
+          <a:bodyPr rot="0" spcFirstLastPara="0" vertOverflow="overflow" horzOverflow="overflow" vert="horz" wrap="square" lIns="91440" tIns="45720" rIns="91440" bIns="45720" numCol="1" spcCol="0" rtlCol="0" fromWordArt="0" anchor="t" anchorCtr="0" forceAA="0" compatLnSpc="1">
+            <a:prstTxWarp prst="textNoShape">
+              <a:avLst/>
+            </a:prstTxWarp>
+            <a:spAutoFit/>
+          </a:bodyPr>
+          <a:lstStyle/>
+          <a:p>
+            <a:r>
+              <a:rPr lang="en-US" sz="2400" dirty="0"/>
+              <a:t>1 Gbit/s</a:t>
+            </a:r>
+          </a:p>
+        </p:txBody>
+      </p:sp>
+      <p:sp>
+        <p:nvSpPr>
+          <p:cNvPr id="20" name="TextBox 19">
+            <a:extLst>
+              <a:ext uri="{FF2B5EF4-FFF2-40B4-BE49-F238E27FC236}">
+                <a16:creationId xmlns:a16="http://schemas.microsoft.com/office/drawing/2014/main" id="{DFC0C6A1-F5C0-E2C5-9017-C6BC6608C19E}"/>
+              </a:ext>
+            </a:extLst>
+          </p:cNvPr>
+          <p:cNvSpPr txBox="1"/>
+          <p:nvPr/>
+        </p:nvSpPr>
+        <p:spPr>
+          <a:xfrm>
+            <a:off x="2676895" y="3631869"/>
+            <a:ext cx="1362694" cy="461665"/>
+          </a:xfrm>
+          <a:prstGeom prst="rect">
+            <a:avLst/>
+          </a:prstGeom>
+          <a:noFill/>
+        </p:spPr>
+        <p:txBody>
+          <a:bodyPr rot="0" spcFirstLastPara="0" vertOverflow="overflow" horzOverflow="overflow" vert="horz" wrap="square" lIns="91440" tIns="45720" rIns="91440" bIns="45720" numCol="1" spcCol="0" rtlCol="0" fromWordArt="0" anchor="t" anchorCtr="0" forceAA="0" compatLnSpc="1">
+            <a:prstTxWarp prst="textNoShape">
+              <a:avLst/>
+            </a:prstTxWarp>
+            <a:spAutoFit/>
+          </a:bodyPr>
+          <a:lstStyle/>
+          <a:p>
+            <a:r>
+              <a:rPr lang="en-US" sz="2400" dirty="0"/>
+              <a:t>1 Gbit/s</a:t>
+            </a:r>
+          </a:p>
+        </p:txBody>
+      </p:sp>
+      <p:sp>
+        <p:nvSpPr>
+          <p:cNvPr id="21" name="TextBox 20">
+            <a:extLst>
+              <a:ext uri="{FF2B5EF4-FFF2-40B4-BE49-F238E27FC236}">
+                <a16:creationId xmlns:a16="http://schemas.microsoft.com/office/drawing/2014/main" id="{63EBD61F-901F-5D93-7092-CC2D9127DC9C}"/>
+              </a:ext>
+            </a:extLst>
+          </p:cNvPr>
+          <p:cNvSpPr txBox="1"/>
+          <p:nvPr/>
+        </p:nvSpPr>
+        <p:spPr>
+          <a:xfrm rot="-1080000">
+            <a:off x="2676894" y="4195947"/>
+            <a:ext cx="1362694" cy="461665"/>
+          </a:xfrm>
+          <a:prstGeom prst="rect">
+            <a:avLst/>
+          </a:prstGeom>
+          <a:noFill/>
+        </p:spPr>
+        <p:txBody>
+          <a:bodyPr rot="0" spcFirstLastPara="0" vertOverflow="overflow" horzOverflow="overflow" vert="horz" wrap="square" lIns="91440" tIns="45720" rIns="91440" bIns="45720" numCol="1" spcCol="0" rtlCol="0" fromWordArt="0" anchor="t" anchorCtr="0" forceAA="0" compatLnSpc="1">
+            <a:prstTxWarp prst="textNoShape">
+              <a:avLst/>
+            </a:prstTxWarp>
+            <a:spAutoFit/>
+          </a:bodyPr>
+          <a:lstStyle/>
+          <a:p>
+            <a:r>
+              <a:rPr lang="en-US" sz="2400" dirty="0"/>
+              <a:t>1 Gbit/s</a:t>
+            </a:r>
+          </a:p>
+        </p:txBody>
+      </p:sp>
+      <p:sp>
+        <p:nvSpPr>
+          <p:cNvPr id="22" name="TextBox 21">
+            <a:extLst>
+              <a:ext uri="{FF2B5EF4-FFF2-40B4-BE49-F238E27FC236}">
+                <a16:creationId xmlns:a16="http://schemas.microsoft.com/office/drawing/2014/main" id="{28659C7A-B8E1-6D52-8074-AC35B07D69D7}"/>
+              </a:ext>
+            </a:extLst>
+          </p:cNvPr>
+          <p:cNvSpPr txBox="1"/>
+          <p:nvPr/>
+        </p:nvSpPr>
+        <p:spPr>
+          <a:xfrm>
+            <a:off x="6026724" y="3621973"/>
+            <a:ext cx="1362694" cy="461665"/>
+          </a:xfrm>
+          <a:prstGeom prst="rect">
+            <a:avLst/>
+          </a:prstGeom>
+          <a:noFill/>
+        </p:spPr>
+        <p:txBody>
+          <a:bodyPr rot="0" spcFirstLastPara="0" vertOverflow="overflow" horzOverflow="overflow" vert="horz" wrap="square" lIns="91440" tIns="45720" rIns="91440" bIns="45720" numCol="1" spcCol="0" rtlCol="0" fromWordArt="0" anchor="t" anchorCtr="0" forceAA="0" compatLnSpc="1">
+            <a:prstTxWarp prst="textNoShape">
+              <a:avLst/>
+            </a:prstTxWarp>
+            <a:spAutoFit/>
+          </a:bodyPr>
+          <a:lstStyle/>
+          <a:p>
+            <a:r>
+              <a:rPr lang="en-US" sz="2400" dirty="0"/>
+              <a:t>1 Gbit/s</a:t>
+            </a:r>
+          </a:p>
+        </p:txBody>
+      </p:sp>
+      <p:sp>
+        <p:nvSpPr>
+          <p:cNvPr id="23" name="TextBox 22">
+            <a:extLst>
+              <a:ext uri="{FF2B5EF4-FFF2-40B4-BE49-F238E27FC236}">
+                <a16:creationId xmlns:a16="http://schemas.microsoft.com/office/drawing/2014/main" id="{74553C66-E134-0612-ABC2-775C7EAE29CD}"/>
+              </a:ext>
+            </a:extLst>
+          </p:cNvPr>
+          <p:cNvSpPr txBox="1"/>
+          <p:nvPr/>
+        </p:nvSpPr>
+        <p:spPr>
+          <a:xfrm>
+            <a:off x="8990606" y="3562596"/>
+            <a:ext cx="1362694" cy="461665"/>
+          </a:xfrm>
+          <a:prstGeom prst="rect">
+            <a:avLst/>
+          </a:prstGeom>
+          <a:noFill/>
+        </p:spPr>
+        <p:txBody>
+          <a:bodyPr rot="0" spcFirstLastPara="0" vertOverflow="overflow" horzOverflow="overflow" vert="horz" wrap="square" lIns="91440" tIns="45720" rIns="91440" bIns="45720" numCol="1" spcCol="0" rtlCol="0" fromWordArt="0" anchor="t" anchorCtr="0" forceAA="0" compatLnSpc="1">
+            <a:prstTxWarp prst="textNoShape">
+              <a:avLst/>
+            </a:prstTxWarp>
+            <a:spAutoFit/>
+          </a:bodyPr>
+          <a:lstStyle/>
+          <a:p>
+            <a:r>
+              <a:rPr lang="en-US" sz="2400" dirty="0"/>
+              <a:t>1 Gbit/s</a:t>
+            </a:r>
+          </a:p>
+        </p:txBody>
+      </p:sp>
+      <p:cxnSp>
+        <p:nvCxnSpPr>
+          <p:cNvPr id="24" name="Straight Arrow Connector 23">
+            <a:extLst>
+              <a:ext uri="{FF2B5EF4-FFF2-40B4-BE49-F238E27FC236}">
+                <a16:creationId xmlns:a16="http://schemas.microsoft.com/office/drawing/2014/main" id="{6976BACB-A794-9BA6-9970-DEB564AC5C64}"/>
+              </a:ext>
+            </a:extLst>
+          </p:cNvPr>
+          <p:cNvCxnSpPr>
+            <a:cxnSpLocks/>
+          </p:cNvCxnSpPr>
+          <p:nvPr/>
+        </p:nvCxnSpPr>
+        <p:spPr>
+          <a:xfrm>
+            <a:off x="5762502" y="4441370"/>
+            <a:ext cx="949035" cy="478971"/>
+          </a:xfrm>
+          <a:prstGeom prst="straightConnector1">
+            <a:avLst/>
+          </a:prstGeom>
+          <a:ln>
+            <a:tailEnd type="triangle"/>
+          </a:ln>
+        </p:spPr>
+        <p:style>
+          <a:lnRef idx="1">
+            <a:schemeClr val="accent2"/>
+          </a:lnRef>
+          <a:fillRef idx="0">
+            <a:schemeClr val="accent2"/>
+          </a:fillRef>
+          <a:effectRef idx="0">
+            <a:schemeClr val="accent2"/>
+          </a:effectRef>
+          <a:fontRef idx="minor">
+            <a:schemeClr val="tx1"/>
+          </a:fontRef>
+        </p:style>
+      </p:cxnSp>
+      <p:sp>
+        <p:nvSpPr>
+          <p:cNvPr id="25" name="TextBox 24">
+            <a:extLst>
+              <a:ext uri="{FF2B5EF4-FFF2-40B4-BE49-F238E27FC236}">
+                <a16:creationId xmlns:a16="http://schemas.microsoft.com/office/drawing/2014/main" id="{8773DC9A-8691-02B2-02B2-08949DD004B5}"/>
+              </a:ext>
+            </a:extLst>
+          </p:cNvPr>
+          <p:cNvSpPr txBox="1"/>
+          <p:nvPr/>
+        </p:nvSpPr>
+        <p:spPr>
+          <a:xfrm>
             <a:off x="3804010" y="4858986"/>
             <a:ext cx="7350096" cy="2031325"/>
           </a:xfrm>
@@ -13181,7 +14766,7 @@
 </p:sld>
 </file>
 
-<file path=ppt/slides/slide6.xml><?xml version="1.0" encoding="utf-8"?>
+<file path=ppt/slides/slide7.xml><?xml version="1.0" encoding="utf-8"?>
 <p:sld xmlns:a="http://schemas.openxmlformats.org/drawingml/2006/main" xmlns:r="http://schemas.openxmlformats.org/officeDocument/2006/relationships" xmlns:p="http://schemas.openxmlformats.org/presentationml/2006/main">
   <p:cSld>
     <p:spTree>
@@ -14269,7 +15854,7 @@
 </p:sld>
 </file>
 
-<file path=ppt/slides/slide7.xml><?xml version="1.0" encoding="utf-8"?>
+<file path=ppt/slides/slide8.xml><?xml version="1.0" encoding="utf-8"?>
 <p:sld xmlns:a="http://schemas.openxmlformats.org/drawingml/2006/main" xmlns:r="http://schemas.openxmlformats.org/officeDocument/2006/relationships" xmlns:p="http://schemas.openxmlformats.org/presentationml/2006/main">
   <p:cSld>
     <p:spTree>
@@ -15106,7 +16691,7 @@
 </p:sld>
 </file>
 
-<file path=ppt/slides/slide8.xml><?xml version="1.0" encoding="utf-8"?>
+<file path=ppt/slides/slide9.xml><?xml version="1.0" encoding="utf-8"?>
 <p:sld xmlns:a="http://schemas.openxmlformats.org/drawingml/2006/main" xmlns:r="http://schemas.openxmlformats.org/officeDocument/2006/relationships" xmlns:p="http://schemas.openxmlformats.org/presentationml/2006/main">
   <p:cSld>
     <p:spTree>
@@ -15579,1513 +17164,6 @@
     </p:tnLst>
     <p:bldLst>
       <p:bldP spid="3" grpId="0" build="p"/>
-    </p:bldLst>
-  </p:timing>
-</p:sld>
-</file>
-
-<file path=ppt/slides/slide9.xml><?xml version="1.0" encoding="utf-8"?>
-<p:sld xmlns:a="http://schemas.openxmlformats.org/drawingml/2006/main" xmlns:r="http://schemas.openxmlformats.org/officeDocument/2006/relationships" xmlns:p="http://schemas.openxmlformats.org/presentationml/2006/main">
-  <p:cSld>
-    <p:spTree>
-      <p:nvGrpSpPr>
-        <p:cNvPr id="1" name=""/>
-        <p:cNvGrpSpPr/>
-        <p:nvPr/>
-      </p:nvGrpSpPr>
-      <p:grpSpPr>
-        <a:xfrm>
-          <a:off x="0" y="0"/>
-          <a:ext cx="0" cy="0"/>
-          <a:chOff x="0" y="0"/>
-          <a:chExt cx="0" cy="0"/>
-        </a:xfrm>
-      </p:grpSpPr>
-      <p:sp>
-        <p:nvSpPr>
-          <p:cNvPr id="2" name="Title 1">
-            <a:extLst>
-              <a:ext uri="{FF2B5EF4-FFF2-40B4-BE49-F238E27FC236}">
-                <a16:creationId xmlns:a16="http://schemas.microsoft.com/office/drawing/2014/main" id="{4EE6213B-8890-2D02-3F1B-85DD9AC354E0}"/>
-              </a:ext>
-            </a:extLst>
-          </p:cNvPr>
-          <p:cNvSpPr>
-            <a:spLocks noGrp="1"/>
-          </p:cNvSpPr>
-          <p:nvPr>
-            <p:ph type="title"/>
-          </p:nvPr>
-        </p:nvSpPr>
-        <p:spPr>
-          <a:xfrm>
-            <a:off x="1097280" y="286603"/>
-            <a:ext cx="10431574" cy="1450757"/>
-          </a:xfrm>
-        </p:spPr>
-        <p:txBody>
-          <a:bodyPr/>
-          <a:lstStyle/>
-          <a:p>
-            <a:r>
-              <a:rPr lang="en-US" dirty="0"/>
-              <a:t>The problem: finding the right sending rate</a:t>
-            </a:r>
-          </a:p>
-        </p:txBody>
-      </p:sp>
-      <p:pic>
-        <p:nvPicPr>
-          <p:cNvPr id="4" name="Picture 3">
-            <a:extLst>
-              <a:ext uri="{FF2B5EF4-FFF2-40B4-BE49-F238E27FC236}">
-                <a16:creationId xmlns:a16="http://schemas.microsoft.com/office/drawing/2014/main" id="{757DF1D2-08C1-3BAA-C22D-AE13060187B5}"/>
-              </a:ext>
-            </a:extLst>
-          </p:cNvPr>
-          <p:cNvPicPr>
-            <a:picLocks noChangeAspect="1"/>
-          </p:cNvPicPr>
-          <p:nvPr/>
-        </p:nvPicPr>
-        <p:blipFill>
-          <a:blip r:embed="rId3">
-            <a:extLst>
-              <a:ext uri="{28A0092B-C50C-407E-A947-70E740481C1C}">
-                <a14:useLocalDpi xmlns:a14="http://schemas.microsoft.com/office/drawing/2010/main" val="0"/>
-              </a:ext>
-            </a:extLst>
-          </a:blip>
-          <a:srcRect/>
-          <a:stretch/>
-        </p:blipFill>
-        <p:spPr>
-          <a:xfrm>
-            <a:off x="247828" y="5081572"/>
-            <a:ext cx="10014768" cy="625923"/>
-          </a:xfrm>
-          <a:prstGeom prst="rect">
-            <a:avLst/>
-          </a:prstGeom>
-        </p:spPr>
-      </p:pic>
-      <p:pic>
-        <p:nvPicPr>
-          <p:cNvPr id="6" name="Picture 5">
-            <a:extLst>
-              <a:ext uri="{FF2B5EF4-FFF2-40B4-BE49-F238E27FC236}">
-                <a16:creationId xmlns:a16="http://schemas.microsoft.com/office/drawing/2014/main" id="{34B9798E-3012-87EC-BAA8-9492096495EC}"/>
-              </a:ext>
-            </a:extLst>
-          </p:cNvPr>
-          <p:cNvPicPr>
-            <a:picLocks noChangeAspect="1"/>
-          </p:cNvPicPr>
-          <p:nvPr/>
-        </p:nvPicPr>
-        <p:blipFill>
-          <a:blip r:embed="rId4">
-            <a:extLst>
-              <a:ext uri="{28A0092B-C50C-407E-A947-70E740481C1C}">
-                <a14:useLocalDpi xmlns:a14="http://schemas.microsoft.com/office/drawing/2010/main" val="0"/>
-              </a:ext>
-            </a:extLst>
-          </a:blip>
-          <a:srcRect/>
-          <a:stretch/>
-        </p:blipFill>
-        <p:spPr>
-          <a:xfrm>
-            <a:off x="247828" y="3620800"/>
-            <a:ext cx="10014768" cy="625923"/>
-          </a:xfrm>
-          <a:prstGeom prst="rect">
-            <a:avLst/>
-          </a:prstGeom>
-        </p:spPr>
-      </p:pic>
-      <p:pic>
-        <p:nvPicPr>
-          <p:cNvPr id="8" name="Picture 7">
-            <a:extLst>
-              <a:ext uri="{FF2B5EF4-FFF2-40B4-BE49-F238E27FC236}">
-                <a16:creationId xmlns:a16="http://schemas.microsoft.com/office/drawing/2014/main" id="{D3E5B37C-4F81-E5B4-227C-A7D92C92E71C}"/>
-              </a:ext>
-            </a:extLst>
-          </p:cNvPr>
-          <p:cNvPicPr>
-            <a:picLocks noChangeAspect="1"/>
-          </p:cNvPicPr>
-          <p:nvPr/>
-        </p:nvPicPr>
-        <p:blipFill>
-          <a:blip r:embed="rId5">
-            <a:extLst>
-              <a:ext uri="{28A0092B-C50C-407E-A947-70E740481C1C}">
-                <a14:useLocalDpi xmlns:a14="http://schemas.microsoft.com/office/drawing/2010/main" val="0"/>
-              </a:ext>
-            </a:extLst>
-          </a:blip>
-          <a:srcRect/>
-          <a:stretch/>
-        </p:blipFill>
-        <p:spPr>
-          <a:xfrm>
-            <a:off x="111993" y="1846511"/>
-            <a:ext cx="10014768" cy="625923"/>
-          </a:xfrm>
-          <a:prstGeom prst="rect">
-            <a:avLst/>
-          </a:prstGeom>
-        </p:spPr>
-      </p:pic>
-      <p:grpSp>
-        <p:nvGrpSpPr>
-          <p:cNvPr id="17" name="Group 16">
-            <a:extLst>
-              <a:ext uri="{FF2B5EF4-FFF2-40B4-BE49-F238E27FC236}">
-                <a16:creationId xmlns:a16="http://schemas.microsoft.com/office/drawing/2014/main" id="{765A8A71-DCE5-9413-AD6A-26B74AA94C2D}"/>
-              </a:ext>
-            </a:extLst>
-          </p:cNvPr>
-          <p:cNvGrpSpPr/>
-          <p:nvPr/>
-        </p:nvGrpSpPr>
-        <p:grpSpPr>
-          <a:xfrm>
-            <a:off x="221802" y="1977206"/>
-            <a:ext cx="9571115" cy="563267"/>
-            <a:chOff x="304299" y="1977206"/>
-            <a:chExt cx="11651888" cy="563267"/>
-          </a:xfrm>
-        </p:grpSpPr>
-        <p:sp>
-          <p:nvSpPr>
-            <p:cNvPr id="9" name="Rectangle 8">
-              <a:extLst>
-                <a:ext uri="{FF2B5EF4-FFF2-40B4-BE49-F238E27FC236}">
-                  <a16:creationId xmlns:a16="http://schemas.microsoft.com/office/drawing/2014/main" id="{5B24C1FC-7E5D-BB87-A0A4-CBEE903C8CAB}"/>
-                </a:ext>
-              </a:extLst>
-            </p:cNvPr>
-            <p:cNvSpPr/>
-            <p:nvPr/>
-          </p:nvSpPr>
-          <p:spPr>
-            <a:xfrm>
-              <a:off x="304299" y="1977206"/>
-              <a:ext cx="1331174" cy="498102"/>
-            </a:xfrm>
-            <a:prstGeom prst="rect">
-              <a:avLst/>
-            </a:prstGeom>
-          </p:spPr>
-          <p:style>
-            <a:lnRef idx="2">
-              <a:schemeClr val="accent1">
-                <a:shade val="50000"/>
-              </a:schemeClr>
-            </a:lnRef>
-            <a:fillRef idx="1">
-              <a:schemeClr val="accent1"/>
-            </a:fillRef>
-            <a:effectRef idx="0">
-              <a:schemeClr val="accent1"/>
-            </a:effectRef>
-            <a:fontRef idx="minor">
-              <a:schemeClr val="lt1"/>
-            </a:fontRef>
-          </p:style>
-          <p:txBody>
-            <a:bodyPr rtlCol="0" anchor="ctr"/>
-            <a:lstStyle/>
-            <a:p>
-              <a:pPr algn="ctr"/>
-              <a:r>
-                <a:rPr lang="en-US" sz="2000" dirty="0"/>
-                <a:t>Sender</a:t>
-              </a:r>
-              <a:endParaRPr lang="en-US" sz="1600" dirty="0"/>
-            </a:p>
-          </p:txBody>
-        </p:sp>
-        <p:sp>
-          <p:nvSpPr>
-            <p:cNvPr id="10" name="Rectangle 9">
-              <a:extLst>
-                <a:ext uri="{FF2B5EF4-FFF2-40B4-BE49-F238E27FC236}">
-                  <a16:creationId xmlns:a16="http://schemas.microsoft.com/office/drawing/2014/main" id="{0C558644-C60E-F0F8-9599-791E9BD97614}"/>
-                </a:ext>
-              </a:extLst>
-            </p:cNvPr>
-            <p:cNvSpPr/>
-            <p:nvPr/>
-          </p:nvSpPr>
-          <p:spPr>
-            <a:xfrm>
-              <a:off x="10239800" y="1982624"/>
-              <a:ext cx="1716387" cy="498102"/>
-            </a:xfrm>
-            <a:prstGeom prst="rect">
-              <a:avLst/>
-            </a:prstGeom>
-          </p:spPr>
-          <p:style>
-            <a:lnRef idx="2">
-              <a:schemeClr val="accent1">
-                <a:shade val="50000"/>
-              </a:schemeClr>
-            </a:lnRef>
-            <a:fillRef idx="1">
-              <a:schemeClr val="accent1"/>
-            </a:fillRef>
-            <a:effectRef idx="0">
-              <a:schemeClr val="accent1"/>
-            </a:effectRef>
-            <a:fontRef idx="minor">
-              <a:schemeClr val="lt1"/>
-            </a:fontRef>
-          </p:style>
-          <p:txBody>
-            <a:bodyPr rtlCol="0" anchor="ctr"/>
-            <a:lstStyle/>
-            <a:p>
-              <a:pPr algn="ctr"/>
-              <a:r>
-                <a:rPr lang="en-US" sz="2400" dirty="0"/>
-                <a:t>Receiver</a:t>
-              </a:r>
-              <a:endParaRPr lang="en-US" dirty="0"/>
-            </a:p>
-          </p:txBody>
-        </p:sp>
-        <p:pic>
-          <p:nvPicPr>
-            <p:cNvPr id="14" name="Picture 13" descr="Logo, icon&#10;&#10;Description automatically generated">
-              <a:extLst>
-                <a:ext uri="{FF2B5EF4-FFF2-40B4-BE49-F238E27FC236}">
-                  <a16:creationId xmlns:a16="http://schemas.microsoft.com/office/drawing/2014/main" id="{5F16A247-0840-39A1-779D-5AD478C9BFBA}"/>
-                </a:ext>
-              </a:extLst>
-            </p:cNvPr>
-            <p:cNvPicPr>
-              <a:picLocks noChangeAspect="1"/>
-            </p:cNvPicPr>
-            <p:nvPr/>
-          </p:nvPicPr>
-          <p:blipFill>
-            <a:blip r:embed="rId6">
-              <a:extLst>
-                <a:ext uri="{28A0092B-C50C-407E-A947-70E740481C1C}">
-                  <a14:useLocalDpi xmlns:a14="http://schemas.microsoft.com/office/drawing/2010/main" val="0"/>
-                </a:ext>
-              </a:extLst>
-            </a:blip>
-            <a:stretch>
-              <a:fillRect/>
-            </a:stretch>
-          </p:blipFill>
-          <p:spPr>
-            <a:xfrm>
-              <a:off x="2382471" y="2030926"/>
-              <a:ext cx="695026" cy="498102"/>
-            </a:xfrm>
-            <a:prstGeom prst="rect">
-              <a:avLst/>
-            </a:prstGeom>
-          </p:spPr>
-        </p:pic>
-        <p:pic>
-          <p:nvPicPr>
-            <p:cNvPr id="15" name="Picture 14" descr="Logo, icon&#10;&#10;Description automatically generated">
-              <a:extLst>
-                <a:ext uri="{FF2B5EF4-FFF2-40B4-BE49-F238E27FC236}">
-                  <a16:creationId xmlns:a16="http://schemas.microsoft.com/office/drawing/2014/main" id="{5E53FB2A-51EA-9B63-E6DE-4C802C2E8B70}"/>
-                </a:ext>
-              </a:extLst>
-            </p:cNvPr>
-            <p:cNvPicPr>
-              <a:picLocks noChangeAspect="1"/>
-            </p:cNvPicPr>
-            <p:nvPr/>
-          </p:nvPicPr>
-          <p:blipFill>
-            <a:blip r:embed="rId6">
-              <a:extLst>
-                <a:ext uri="{28A0092B-C50C-407E-A947-70E740481C1C}">
-                  <a14:useLocalDpi xmlns:a14="http://schemas.microsoft.com/office/drawing/2010/main" val="0"/>
-                </a:ext>
-              </a:extLst>
-            </a:blip>
-            <a:stretch>
-              <a:fillRect/>
-            </a:stretch>
-          </p:blipFill>
-          <p:spPr>
-            <a:xfrm>
-              <a:off x="7555427" y="2042371"/>
-              <a:ext cx="695026" cy="498102"/>
-            </a:xfrm>
-            <a:prstGeom prst="rect">
-              <a:avLst/>
-            </a:prstGeom>
-          </p:spPr>
-        </p:pic>
-        <p:pic>
-          <p:nvPicPr>
-            <p:cNvPr id="16" name="Picture 15" descr="Logo, icon&#10;&#10;Description automatically generated">
-              <a:extLst>
-                <a:ext uri="{FF2B5EF4-FFF2-40B4-BE49-F238E27FC236}">
-                  <a16:creationId xmlns:a16="http://schemas.microsoft.com/office/drawing/2014/main" id="{05A61C1E-4EE5-55B8-31E1-A24A2DFF02BB}"/>
-                </a:ext>
-              </a:extLst>
-            </p:cNvPr>
-            <p:cNvPicPr>
-              <a:picLocks noChangeAspect="1"/>
-            </p:cNvPicPr>
-            <p:nvPr/>
-          </p:nvPicPr>
-          <p:blipFill>
-            <a:blip r:embed="rId6">
-              <a:extLst>
-                <a:ext uri="{28A0092B-C50C-407E-A947-70E740481C1C}">
-                  <a14:useLocalDpi xmlns:a14="http://schemas.microsoft.com/office/drawing/2010/main" val="0"/>
-                </a:ext>
-              </a:extLst>
-            </a:blip>
-            <a:stretch>
-              <a:fillRect/>
-            </a:stretch>
-          </p:blipFill>
-          <p:spPr>
-            <a:xfrm>
-              <a:off x="4305159" y="2030926"/>
-              <a:ext cx="695026" cy="498102"/>
-            </a:xfrm>
-            <a:prstGeom prst="rect">
-              <a:avLst/>
-            </a:prstGeom>
-          </p:spPr>
-        </p:pic>
-      </p:grpSp>
-      <p:grpSp>
-        <p:nvGrpSpPr>
-          <p:cNvPr id="18" name="Group 17">
-            <a:extLst>
-              <a:ext uri="{FF2B5EF4-FFF2-40B4-BE49-F238E27FC236}">
-                <a16:creationId xmlns:a16="http://schemas.microsoft.com/office/drawing/2014/main" id="{9A8D790B-4486-53D8-A25F-9A509BB6AF10}"/>
-              </a:ext>
-            </a:extLst>
-          </p:cNvPr>
-          <p:cNvGrpSpPr/>
-          <p:nvPr/>
-        </p:nvGrpSpPr>
-        <p:grpSpPr>
-          <a:xfrm>
-            <a:off x="215196" y="5192047"/>
-            <a:ext cx="9580242" cy="557849"/>
-            <a:chOff x="110257" y="1982624"/>
-            <a:chExt cx="11662999" cy="557849"/>
-          </a:xfrm>
-        </p:grpSpPr>
-        <p:sp>
-          <p:nvSpPr>
-            <p:cNvPr id="19" name="Rectangle 18">
-              <a:extLst>
-                <a:ext uri="{FF2B5EF4-FFF2-40B4-BE49-F238E27FC236}">
-                  <a16:creationId xmlns:a16="http://schemas.microsoft.com/office/drawing/2014/main" id="{23B3C3B3-5982-41BE-3F89-67F8BB7FE377}"/>
-                </a:ext>
-              </a:extLst>
-            </p:cNvPr>
-            <p:cNvSpPr/>
-            <p:nvPr/>
-          </p:nvSpPr>
-          <p:spPr>
-            <a:xfrm>
-              <a:off x="110257" y="1982624"/>
-              <a:ext cx="1339216" cy="498102"/>
-            </a:xfrm>
-            <a:prstGeom prst="rect">
-              <a:avLst/>
-            </a:prstGeom>
-          </p:spPr>
-          <p:style>
-            <a:lnRef idx="2">
-              <a:schemeClr val="accent1">
-                <a:shade val="50000"/>
-              </a:schemeClr>
-            </a:lnRef>
-            <a:fillRef idx="1">
-              <a:schemeClr val="accent1"/>
-            </a:fillRef>
-            <a:effectRef idx="0">
-              <a:schemeClr val="accent1"/>
-            </a:effectRef>
-            <a:fontRef idx="minor">
-              <a:schemeClr val="lt1"/>
-            </a:fontRef>
-          </p:style>
-          <p:txBody>
-            <a:bodyPr rtlCol="0" anchor="ctr"/>
-            <a:lstStyle/>
-            <a:p>
-              <a:pPr algn="ctr"/>
-              <a:r>
-                <a:rPr lang="en-US" sz="2000" dirty="0"/>
-                <a:t>Sender</a:t>
-              </a:r>
-              <a:endParaRPr lang="en-US" sz="1600" dirty="0"/>
-            </a:p>
-          </p:txBody>
-        </p:sp>
-        <p:sp>
-          <p:nvSpPr>
-            <p:cNvPr id="20" name="Rectangle 19">
-              <a:extLst>
-                <a:ext uri="{FF2B5EF4-FFF2-40B4-BE49-F238E27FC236}">
-                  <a16:creationId xmlns:a16="http://schemas.microsoft.com/office/drawing/2014/main" id="{9ED54C4A-9F53-0F59-83D9-137736B847EA}"/>
-                </a:ext>
-              </a:extLst>
-            </p:cNvPr>
-            <p:cNvSpPr/>
-            <p:nvPr/>
-          </p:nvSpPr>
-          <p:spPr>
-            <a:xfrm>
-              <a:off x="10054268" y="1982624"/>
-              <a:ext cx="1718988" cy="498102"/>
-            </a:xfrm>
-            <a:prstGeom prst="rect">
-              <a:avLst/>
-            </a:prstGeom>
-          </p:spPr>
-          <p:style>
-            <a:lnRef idx="2">
-              <a:schemeClr val="accent1">
-                <a:shade val="50000"/>
-              </a:schemeClr>
-            </a:lnRef>
-            <a:fillRef idx="1">
-              <a:schemeClr val="accent1"/>
-            </a:fillRef>
-            <a:effectRef idx="0">
-              <a:schemeClr val="accent1"/>
-            </a:effectRef>
-            <a:fontRef idx="minor">
-              <a:schemeClr val="lt1"/>
-            </a:fontRef>
-          </p:style>
-          <p:txBody>
-            <a:bodyPr rtlCol="0" anchor="ctr"/>
-            <a:lstStyle/>
-            <a:p>
-              <a:pPr algn="ctr"/>
-              <a:r>
-                <a:rPr lang="en-US" sz="2400" dirty="0"/>
-                <a:t>Receiver</a:t>
-              </a:r>
-              <a:endParaRPr lang="en-US" dirty="0"/>
-            </a:p>
-          </p:txBody>
-        </p:sp>
-        <p:pic>
-          <p:nvPicPr>
-            <p:cNvPr id="21" name="Picture 20" descr="Logo, icon&#10;&#10;Description automatically generated">
-              <a:extLst>
-                <a:ext uri="{FF2B5EF4-FFF2-40B4-BE49-F238E27FC236}">
-                  <a16:creationId xmlns:a16="http://schemas.microsoft.com/office/drawing/2014/main" id="{B09691C8-61C3-85FF-3A4B-048B912168F0}"/>
-                </a:ext>
-              </a:extLst>
-            </p:cNvPr>
-            <p:cNvPicPr>
-              <a:picLocks noChangeAspect="1"/>
-            </p:cNvPicPr>
-            <p:nvPr/>
-          </p:nvPicPr>
-          <p:blipFill>
-            <a:blip r:embed="rId6">
-              <a:extLst>
-                <a:ext uri="{28A0092B-C50C-407E-A947-70E740481C1C}">
-                  <a14:useLocalDpi xmlns:a14="http://schemas.microsoft.com/office/drawing/2010/main" val="0"/>
-                </a:ext>
-              </a:extLst>
-            </a:blip>
-            <a:stretch>
-              <a:fillRect/>
-            </a:stretch>
-          </p:blipFill>
-          <p:spPr>
-            <a:xfrm>
-              <a:off x="2382471" y="2030926"/>
-              <a:ext cx="695026" cy="498102"/>
-            </a:xfrm>
-            <a:prstGeom prst="rect">
-              <a:avLst/>
-            </a:prstGeom>
-          </p:spPr>
-        </p:pic>
-        <p:pic>
-          <p:nvPicPr>
-            <p:cNvPr id="22" name="Picture 21" descr="Logo, icon&#10;&#10;Description automatically generated">
-              <a:extLst>
-                <a:ext uri="{FF2B5EF4-FFF2-40B4-BE49-F238E27FC236}">
-                  <a16:creationId xmlns:a16="http://schemas.microsoft.com/office/drawing/2014/main" id="{26EA2287-1277-A619-15C7-A4CFFD20C2E1}"/>
-                </a:ext>
-              </a:extLst>
-            </p:cNvPr>
-            <p:cNvPicPr>
-              <a:picLocks noChangeAspect="1"/>
-            </p:cNvPicPr>
-            <p:nvPr/>
-          </p:nvPicPr>
-          <p:blipFill>
-            <a:blip r:embed="rId6">
-              <a:extLst>
-                <a:ext uri="{28A0092B-C50C-407E-A947-70E740481C1C}">
-                  <a14:useLocalDpi xmlns:a14="http://schemas.microsoft.com/office/drawing/2010/main" val="0"/>
-                </a:ext>
-              </a:extLst>
-            </a:blip>
-            <a:stretch>
-              <a:fillRect/>
-            </a:stretch>
-          </p:blipFill>
-          <p:spPr>
-            <a:xfrm>
-              <a:off x="7555427" y="2042371"/>
-              <a:ext cx="695026" cy="498102"/>
-            </a:xfrm>
-            <a:prstGeom prst="rect">
-              <a:avLst/>
-            </a:prstGeom>
-          </p:spPr>
-        </p:pic>
-        <p:pic>
-          <p:nvPicPr>
-            <p:cNvPr id="23" name="Picture 22" descr="Logo, icon&#10;&#10;Description automatically generated">
-              <a:extLst>
-                <a:ext uri="{FF2B5EF4-FFF2-40B4-BE49-F238E27FC236}">
-                  <a16:creationId xmlns:a16="http://schemas.microsoft.com/office/drawing/2014/main" id="{73388607-CB6E-F825-FB48-8219A7C1CE6D}"/>
-                </a:ext>
-              </a:extLst>
-            </p:cNvPr>
-            <p:cNvPicPr>
-              <a:picLocks noChangeAspect="1"/>
-            </p:cNvPicPr>
-            <p:nvPr/>
-          </p:nvPicPr>
-          <p:blipFill>
-            <a:blip r:embed="rId6">
-              <a:extLst>
-                <a:ext uri="{28A0092B-C50C-407E-A947-70E740481C1C}">
-                  <a14:useLocalDpi xmlns:a14="http://schemas.microsoft.com/office/drawing/2010/main" val="0"/>
-                </a:ext>
-              </a:extLst>
-            </a:blip>
-            <a:stretch>
-              <a:fillRect/>
-            </a:stretch>
-          </p:blipFill>
-          <p:spPr>
-            <a:xfrm>
-              <a:off x="4305159" y="2030926"/>
-              <a:ext cx="695026" cy="498102"/>
-            </a:xfrm>
-            <a:prstGeom prst="rect">
-              <a:avLst/>
-            </a:prstGeom>
-          </p:spPr>
-        </p:pic>
-      </p:grpSp>
-      <p:grpSp>
-        <p:nvGrpSpPr>
-          <p:cNvPr id="25" name="Group 24">
-            <a:extLst>
-              <a:ext uri="{FF2B5EF4-FFF2-40B4-BE49-F238E27FC236}">
-                <a16:creationId xmlns:a16="http://schemas.microsoft.com/office/drawing/2014/main" id="{2F24D33F-0121-3456-FDC5-5DD9A00F45E8}"/>
-              </a:ext>
-            </a:extLst>
-          </p:cNvPr>
-          <p:cNvGrpSpPr/>
-          <p:nvPr/>
-        </p:nvGrpSpPr>
-        <p:grpSpPr>
-          <a:xfrm>
-            <a:off x="215196" y="3744961"/>
-            <a:ext cx="9580242" cy="557849"/>
-            <a:chOff x="110257" y="1982624"/>
-            <a:chExt cx="11662999" cy="557849"/>
-          </a:xfrm>
-        </p:grpSpPr>
-        <p:sp>
-          <p:nvSpPr>
-            <p:cNvPr id="26" name="Rectangle 25">
-              <a:extLst>
-                <a:ext uri="{FF2B5EF4-FFF2-40B4-BE49-F238E27FC236}">
-                  <a16:creationId xmlns:a16="http://schemas.microsoft.com/office/drawing/2014/main" id="{A593618B-524F-84B5-4E90-2DE16F841FD0}"/>
-                </a:ext>
-              </a:extLst>
-            </p:cNvPr>
-            <p:cNvSpPr/>
-            <p:nvPr/>
-          </p:nvSpPr>
-          <p:spPr>
-            <a:xfrm>
-              <a:off x="110257" y="1986973"/>
-              <a:ext cx="1339216" cy="498102"/>
-            </a:xfrm>
-            <a:prstGeom prst="rect">
-              <a:avLst/>
-            </a:prstGeom>
-          </p:spPr>
-          <p:style>
-            <a:lnRef idx="2">
-              <a:schemeClr val="accent1">
-                <a:shade val="50000"/>
-              </a:schemeClr>
-            </a:lnRef>
-            <a:fillRef idx="1">
-              <a:schemeClr val="accent1"/>
-            </a:fillRef>
-            <a:effectRef idx="0">
-              <a:schemeClr val="accent1"/>
-            </a:effectRef>
-            <a:fontRef idx="minor">
-              <a:schemeClr val="lt1"/>
-            </a:fontRef>
-          </p:style>
-          <p:txBody>
-            <a:bodyPr rtlCol="0" anchor="ctr"/>
-            <a:lstStyle/>
-            <a:p>
-              <a:pPr algn="ctr"/>
-              <a:r>
-                <a:rPr lang="en-US" sz="2000" dirty="0"/>
-                <a:t>Sender</a:t>
-              </a:r>
-              <a:endParaRPr lang="en-US" sz="1600" dirty="0"/>
-            </a:p>
-          </p:txBody>
-        </p:sp>
-        <p:sp>
-          <p:nvSpPr>
-            <p:cNvPr id="27" name="Rectangle 26">
-              <a:extLst>
-                <a:ext uri="{FF2B5EF4-FFF2-40B4-BE49-F238E27FC236}">
-                  <a16:creationId xmlns:a16="http://schemas.microsoft.com/office/drawing/2014/main" id="{A9546EED-E587-1EA8-21DF-12D09A0C2198}"/>
-                </a:ext>
-              </a:extLst>
-            </p:cNvPr>
-            <p:cNvSpPr/>
-            <p:nvPr/>
-          </p:nvSpPr>
-          <p:spPr>
-            <a:xfrm>
-              <a:off x="10054268" y="1982624"/>
-              <a:ext cx="1718988" cy="498102"/>
-            </a:xfrm>
-            <a:prstGeom prst="rect">
-              <a:avLst/>
-            </a:prstGeom>
-          </p:spPr>
-          <p:style>
-            <a:lnRef idx="2">
-              <a:schemeClr val="accent1">
-                <a:shade val="50000"/>
-              </a:schemeClr>
-            </a:lnRef>
-            <a:fillRef idx="1">
-              <a:schemeClr val="accent1"/>
-            </a:fillRef>
-            <a:effectRef idx="0">
-              <a:schemeClr val="accent1"/>
-            </a:effectRef>
-            <a:fontRef idx="minor">
-              <a:schemeClr val="lt1"/>
-            </a:fontRef>
-          </p:style>
-          <p:txBody>
-            <a:bodyPr rtlCol="0" anchor="ctr"/>
-            <a:lstStyle/>
-            <a:p>
-              <a:pPr algn="ctr"/>
-              <a:r>
-                <a:rPr lang="en-US" sz="2400" dirty="0"/>
-                <a:t>Receiver</a:t>
-              </a:r>
-              <a:endParaRPr lang="en-US" dirty="0"/>
-            </a:p>
-          </p:txBody>
-        </p:sp>
-        <p:pic>
-          <p:nvPicPr>
-            <p:cNvPr id="28" name="Picture 27" descr="Logo, icon&#10;&#10;Description automatically generated">
-              <a:extLst>
-                <a:ext uri="{FF2B5EF4-FFF2-40B4-BE49-F238E27FC236}">
-                  <a16:creationId xmlns:a16="http://schemas.microsoft.com/office/drawing/2014/main" id="{7990018B-ADA0-7903-1456-ADA095BA82D2}"/>
-                </a:ext>
-              </a:extLst>
-            </p:cNvPr>
-            <p:cNvPicPr>
-              <a:picLocks noChangeAspect="1"/>
-            </p:cNvPicPr>
-            <p:nvPr/>
-          </p:nvPicPr>
-          <p:blipFill>
-            <a:blip r:embed="rId6">
-              <a:extLst>
-                <a:ext uri="{28A0092B-C50C-407E-A947-70E740481C1C}">
-                  <a14:useLocalDpi xmlns:a14="http://schemas.microsoft.com/office/drawing/2010/main" val="0"/>
-                </a:ext>
-              </a:extLst>
-            </a:blip>
-            <a:stretch>
-              <a:fillRect/>
-            </a:stretch>
-          </p:blipFill>
-          <p:spPr>
-            <a:xfrm>
-              <a:off x="2382471" y="2030926"/>
-              <a:ext cx="695026" cy="498102"/>
-            </a:xfrm>
-            <a:prstGeom prst="rect">
-              <a:avLst/>
-            </a:prstGeom>
-          </p:spPr>
-        </p:pic>
-        <p:pic>
-          <p:nvPicPr>
-            <p:cNvPr id="29" name="Picture 28" descr="Logo, icon&#10;&#10;Description automatically generated">
-              <a:extLst>
-                <a:ext uri="{FF2B5EF4-FFF2-40B4-BE49-F238E27FC236}">
-                  <a16:creationId xmlns:a16="http://schemas.microsoft.com/office/drawing/2014/main" id="{9005FF14-AA6D-6A4D-D493-43A0DEB9B840}"/>
-                </a:ext>
-              </a:extLst>
-            </p:cNvPr>
-            <p:cNvPicPr>
-              <a:picLocks noChangeAspect="1"/>
-            </p:cNvPicPr>
-            <p:nvPr/>
-          </p:nvPicPr>
-          <p:blipFill>
-            <a:blip r:embed="rId6">
-              <a:extLst>
-                <a:ext uri="{28A0092B-C50C-407E-A947-70E740481C1C}">
-                  <a14:useLocalDpi xmlns:a14="http://schemas.microsoft.com/office/drawing/2010/main" val="0"/>
-                </a:ext>
-              </a:extLst>
-            </a:blip>
-            <a:stretch>
-              <a:fillRect/>
-            </a:stretch>
-          </p:blipFill>
-          <p:spPr>
-            <a:xfrm>
-              <a:off x="7555427" y="2042371"/>
-              <a:ext cx="695026" cy="498102"/>
-            </a:xfrm>
-            <a:prstGeom prst="rect">
-              <a:avLst/>
-            </a:prstGeom>
-          </p:spPr>
-        </p:pic>
-        <p:pic>
-          <p:nvPicPr>
-            <p:cNvPr id="30" name="Picture 29" descr="Logo, icon&#10;&#10;Description automatically generated">
-              <a:extLst>
-                <a:ext uri="{FF2B5EF4-FFF2-40B4-BE49-F238E27FC236}">
-                  <a16:creationId xmlns:a16="http://schemas.microsoft.com/office/drawing/2014/main" id="{E2093536-A4D0-1664-23DB-925572496CF9}"/>
-                </a:ext>
-              </a:extLst>
-            </p:cNvPr>
-            <p:cNvPicPr>
-              <a:picLocks noChangeAspect="1"/>
-            </p:cNvPicPr>
-            <p:nvPr/>
-          </p:nvPicPr>
-          <p:blipFill>
-            <a:blip r:embed="rId6">
-              <a:extLst>
-                <a:ext uri="{28A0092B-C50C-407E-A947-70E740481C1C}">
-                  <a14:useLocalDpi xmlns:a14="http://schemas.microsoft.com/office/drawing/2010/main" val="0"/>
-                </a:ext>
-              </a:extLst>
-            </a:blip>
-            <a:stretch>
-              <a:fillRect/>
-            </a:stretch>
-          </p:blipFill>
-          <p:spPr>
-            <a:xfrm>
-              <a:off x="4305159" y="2030926"/>
-              <a:ext cx="695026" cy="498102"/>
-            </a:xfrm>
-            <a:prstGeom prst="rect">
-              <a:avLst/>
-            </a:prstGeom>
-          </p:spPr>
-        </p:pic>
-      </p:grpSp>
-      <p:pic>
-        <p:nvPicPr>
-          <p:cNvPr id="32" name="Graphic 31" descr="Close with solid fill">
-            <a:extLst>
-              <a:ext uri="{FF2B5EF4-FFF2-40B4-BE49-F238E27FC236}">
-                <a16:creationId xmlns:a16="http://schemas.microsoft.com/office/drawing/2014/main" id="{F91DB20B-C26A-6D5A-B699-ACF9E169392E}"/>
-              </a:ext>
-            </a:extLst>
-          </p:cNvPr>
-          <p:cNvPicPr>
-            <a:picLocks noChangeAspect="1"/>
-          </p:cNvPicPr>
-          <p:nvPr/>
-        </p:nvPicPr>
-        <p:blipFill>
-          <a:blip r:embed="rId7">
-            <a:extLst>
-              <a:ext uri="{28A0092B-C50C-407E-A947-70E740481C1C}">
-                <a14:useLocalDpi xmlns:a14="http://schemas.microsoft.com/office/drawing/2010/main" val="0"/>
-              </a:ext>
-              <a:ext uri="{96DAC541-7B7A-43D3-8B79-37D633B846F1}">
-                <asvg:svgBlip xmlns:asvg="http://schemas.microsoft.com/office/drawing/2016/SVG/main" r:embed="rId8"/>
-              </a:ext>
-            </a:extLst>
-          </a:blip>
-          <a:stretch>
-            <a:fillRect/>
-          </a:stretch>
-        </p:blipFill>
-        <p:spPr>
-          <a:xfrm>
-            <a:off x="9795438" y="1939403"/>
-            <a:ext cx="601070" cy="601070"/>
-          </a:xfrm>
-          <a:prstGeom prst="rect">
-            <a:avLst/>
-          </a:prstGeom>
-        </p:spPr>
-      </p:pic>
-      <p:sp>
-        <p:nvSpPr>
-          <p:cNvPr id="33" name="TextBox 32">
-            <a:extLst>
-              <a:ext uri="{FF2B5EF4-FFF2-40B4-BE49-F238E27FC236}">
-                <a16:creationId xmlns:a16="http://schemas.microsoft.com/office/drawing/2014/main" id="{640B0207-2D68-FD05-C68F-F396CAA6A8BD}"/>
-              </a:ext>
-            </a:extLst>
-          </p:cNvPr>
-          <p:cNvSpPr txBox="1"/>
-          <p:nvPr/>
-        </p:nvSpPr>
-        <p:spPr>
-          <a:xfrm flipH="1">
-            <a:off x="10398644" y="2055272"/>
-            <a:ext cx="1362214" cy="461665"/>
-          </a:xfrm>
-          <a:prstGeom prst="rect">
-            <a:avLst/>
-          </a:prstGeom>
-          <a:noFill/>
-        </p:spPr>
-        <p:txBody>
-          <a:bodyPr wrap="square" rtlCol="0">
-            <a:spAutoFit/>
-          </a:bodyPr>
-          <a:lstStyle/>
-          <a:p>
-            <a:r>
-              <a:rPr lang="en-US" sz="2400" dirty="0"/>
-              <a:t>Too slow</a:t>
-            </a:r>
-          </a:p>
-        </p:txBody>
-      </p:sp>
-      <p:pic>
-        <p:nvPicPr>
-          <p:cNvPr id="34" name="Graphic 33" descr="Close with solid fill">
-            <a:extLst>
-              <a:ext uri="{FF2B5EF4-FFF2-40B4-BE49-F238E27FC236}">
-                <a16:creationId xmlns:a16="http://schemas.microsoft.com/office/drawing/2014/main" id="{DD2F4BD8-0258-6FD8-F57F-E65E98253D9B}"/>
-              </a:ext>
-            </a:extLst>
-          </p:cNvPr>
-          <p:cNvPicPr>
-            <a:picLocks noChangeAspect="1"/>
-          </p:cNvPicPr>
-          <p:nvPr/>
-        </p:nvPicPr>
-        <p:blipFill>
-          <a:blip r:embed="rId7">
-            <a:extLst>
-              <a:ext uri="{28A0092B-C50C-407E-A947-70E740481C1C}">
-                <a14:useLocalDpi xmlns:a14="http://schemas.microsoft.com/office/drawing/2010/main" val="0"/>
-              </a:ext>
-              <a:ext uri="{96DAC541-7B7A-43D3-8B79-37D633B846F1}">
-                <asvg:svgBlip xmlns:asvg="http://schemas.microsoft.com/office/drawing/2016/SVG/main" r:embed="rId8"/>
-              </a:ext>
-            </a:extLst>
-          </a:blip>
-          <a:stretch>
-            <a:fillRect/>
-          </a:stretch>
-        </p:blipFill>
-        <p:spPr>
-          <a:xfrm>
-            <a:off x="9870925" y="3688839"/>
-            <a:ext cx="601070" cy="601070"/>
-          </a:xfrm>
-          <a:prstGeom prst="rect">
-            <a:avLst/>
-          </a:prstGeom>
-        </p:spPr>
-      </p:pic>
-      <p:sp>
-        <p:nvSpPr>
-          <p:cNvPr id="35" name="TextBox 34">
-            <a:extLst>
-              <a:ext uri="{FF2B5EF4-FFF2-40B4-BE49-F238E27FC236}">
-                <a16:creationId xmlns:a16="http://schemas.microsoft.com/office/drawing/2014/main" id="{25681C70-69AD-B725-17FF-5235A47E4AF7}"/>
-              </a:ext>
-            </a:extLst>
-          </p:cNvPr>
-          <p:cNvSpPr txBox="1"/>
-          <p:nvPr/>
-        </p:nvSpPr>
-        <p:spPr>
-          <a:xfrm flipH="1">
-            <a:off x="10474131" y="3804708"/>
-            <a:ext cx="1362214" cy="461665"/>
-          </a:xfrm>
-          <a:prstGeom prst="rect">
-            <a:avLst/>
-          </a:prstGeom>
-          <a:noFill/>
-        </p:spPr>
-        <p:txBody>
-          <a:bodyPr wrap="square" rtlCol="0">
-            <a:spAutoFit/>
-          </a:bodyPr>
-          <a:lstStyle/>
-          <a:p>
-            <a:r>
-              <a:rPr lang="en-US" sz="2400" dirty="0"/>
-              <a:t>Too fast</a:t>
-            </a:r>
-          </a:p>
-        </p:txBody>
-      </p:sp>
-      <p:pic>
-        <p:nvPicPr>
-          <p:cNvPr id="36" name="Graphic 35" descr="Checkmark with solid fill">
-            <a:extLst>
-              <a:ext uri="{FF2B5EF4-FFF2-40B4-BE49-F238E27FC236}">
-                <a16:creationId xmlns:a16="http://schemas.microsoft.com/office/drawing/2014/main" id="{21355228-8E4E-F0ED-4A82-43DF6809DAD2}"/>
-              </a:ext>
-            </a:extLst>
-          </p:cNvPr>
-          <p:cNvPicPr>
-            <a:picLocks noChangeAspect="1"/>
-          </p:cNvPicPr>
-          <p:nvPr/>
-        </p:nvPicPr>
-        <p:blipFill>
-          <a:blip r:embed="rId9">
-            <a:extLst>
-              <a:ext uri="{28A0092B-C50C-407E-A947-70E740481C1C}">
-                <a14:useLocalDpi xmlns:a14="http://schemas.microsoft.com/office/drawing/2010/main" val="0"/>
-              </a:ext>
-              <a:ext uri="{96DAC541-7B7A-43D3-8B79-37D633B846F1}">
-                <asvg:svgBlip xmlns:asvg="http://schemas.microsoft.com/office/drawing/2016/SVG/main" r:embed="rId10"/>
-              </a:ext>
-            </a:extLst>
-          </a:blip>
-          <a:srcRect/>
-          <a:stretch/>
-        </p:blipFill>
-        <p:spPr>
-          <a:xfrm>
-            <a:off x="9870925" y="5148826"/>
-            <a:ext cx="601070" cy="601070"/>
-          </a:xfrm>
-          <a:prstGeom prst="rect">
-            <a:avLst/>
-          </a:prstGeom>
-        </p:spPr>
-      </p:pic>
-      <p:sp>
-        <p:nvSpPr>
-          <p:cNvPr id="37" name="TextBox 36">
-            <a:extLst>
-              <a:ext uri="{FF2B5EF4-FFF2-40B4-BE49-F238E27FC236}">
-                <a16:creationId xmlns:a16="http://schemas.microsoft.com/office/drawing/2014/main" id="{C2F5F540-938E-FB2C-250D-D042A3631AE9}"/>
-              </a:ext>
-            </a:extLst>
-          </p:cNvPr>
-          <p:cNvSpPr txBox="1"/>
-          <p:nvPr/>
-        </p:nvSpPr>
-        <p:spPr>
-          <a:xfrm flipH="1">
-            <a:off x="10474131" y="5264695"/>
-            <a:ext cx="1362214" cy="461665"/>
-          </a:xfrm>
-          <a:prstGeom prst="rect">
-            <a:avLst/>
-          </a:prstGeom>
-          <a:noFill/>
-        </p:spPr>
-        <p:txBody>
-          <a:bodyPr wrap="square" rtlCol="0">
-            <a:spAutoFit/>
-          </a:bodyPr>
-          <a:lstStyle/>
-          <a:p>
-            <a:r>
-              <a:rPr lang="en-US" sz="2400" dirty="0"/>
-              <a:t>Just right</a:t>
-            </a:r>
-          </a:p>
-        </p:txBody>
-      </p:sp>
-    </p:spTree>
-    <p:extLst>
-      <p:ext uri="{BB962C8B-B14F-4D97-AF65-F5344CB8AC3E}">
-        <p14:creationId xmlns:p14="http://schemas.microsoft.com/office/powerpoint/2010/main" val="1669409216"/>
-      </p:ext>
-    </p:extLst>
-  </p:cSld>
-  <p:clrMapOvr>
-    <a:masterClrMapping/>
-  </p:clrMapOvr>
-  <p:timing>
-    <p:tnLst>
-      <p:par>
-        <p:cTn id="1" dur="indefinite" restart="never" nodeType="tmRoot">
-          <p:childTnLst>
-            <p:seq concurrent="1" nextAc="seek">
-              <p:cTn id="2" dur="indefinite" nodeType="mainSeq">
-                <p:childTnLst>
-                  <p:par>
-                    <p:cTn id="3" fill="hold">
-                      <p:stCondLst>
-                        <p:cond delay="indefinite"/>
-                      </p:stCondLst>
-                      <p:childTnLst>
-                        <p:par>
-                          <p:cTn id="4" fill="hold">
-                            <p:stCondLst>
-                              <p:cond delay="0"/>
-                            </p:stCondLst>
-                            <p:childTnLst>
-                              <p:par>
-                                <p:cTn id="5" presetID="1" presetClass="entr" presetSubtype="0" fill="hold" nodeType="clickEffect">
-                                  <p:stCondLst>
-                                    <p:cond delay="0"/>
-                                  </p:stCondLst>
-                                  <p:childTnLst>
-                                    <p:set>
-                                      <p:cBhvr>
-                                        <p:cTn id="6" dur="1" fill="hold">
-                                          <p:stCondLst>
-                                            <p:cond delay="0"/>
-                                          </p:stCondLst>
-                                        </p:cTn>
-                                        <p:tgtEl>
-                                          <p:spTgt spid="8"/>
-                                        </p:tgtEl>
-                                        <p:attrNameLst>
-                                          <p:attrName>style.visibility</p:attrName>
-                                        </p:attrNameLst>
-                                      </p:cBhvr>
-                                      <p:to>
-                                        <p:strVal val="visible"/>
-                                      </p:to>
-                                    </p:set>
-                                  </p:childTnLst>
-                                </p:cTn>
-                              </p:par>
-                              <p:par>
-                                <p:cTn id="7" presetID="1" presetClass="entr" presetSubtype="0" fill="hold" nodeType="withEffect">
-                                  <p:stCondLst>
-                                    <p:cond delay="0"/>
-                                  </p:stCondLst>
-                                  <p:childTnLst>
-                                    <p:set>
-                                      <p:cBhvr>
-                                        <p:cTn id="8" dur="1" fill="hold">
-                                          <p:stCondLst>
-                                            <p:cond delay="0"/>
-                                          </p:stCondLst>
-                                        </p:cTn>
-                                        <p:tgtEl>
-                                          <p:spTgt spid="17"/>
-                                        </p:tgtEl>
-                                        <p:attrNameLst>
-                                          <p:attrName>style.visibility</p:attrName>
-                                        </p:attrNameLst>
-                                      </p:cBhvr>
-                                      <p:to>
-                                        <p:strVal val="visible"/>
-                                      </p:to>
-                                    </p:set>
-                                  </p:childTnLst>
-                                </p:cTn>
-                              </p:par>
-                            </p:childTnLst>
-                          </p:cTn>
-                        </p:par>
-                      </p:childTnLst>
-                    </p:cTn>
-                  </p:par>
-                  <p:par>
-                    <p:cTn id="9" fill="hold">
-                      <p:stCondLst>
-                        <p:cond delay="indefinite"/>
-                      </p:stCondLst>
-                      <p:childTnLst>
-                        <p:par>
-                          <p:cTn id="10" fill="hold">
-                            <p:stCondLst>
-                              <p:cond delay="0"/>
-                            </p:stCondLst>
-                            <p:childTnLst>
-                              <p:par>
-                                <p:cTn id="11" presetID="1" presetClass="entr" presetSubtype="0" fill="hold" nodeType="clickEffect">
-                                  <p:stCondLst>
-                                    <p:cond delay="0"/>
-                                  </p:stCondLst>
-                                  <p:childTnLst>
-                                    <p:set>
-                                      <p:cBhvr>
-                                        <p:cTn id="12" dur="1" fill="hold">
-                                          <p:stCondLst>
-                                            <p:cond delay="0"/>
-                                          </p:stCondLst>
-                                        </p:cTn>
-                                        <p:tgtEl>
-                                          <p:spTgt spid="32"/>
-                                        </p:tgtEl>
-                                        <p:attrNameLst>
-                                          <p:attrName>style.visibility</p:attrName>
-                                        </p:attrNameLst>
-                                      </p:cBhvr>
-                                      <p:to>
-                                        <p:strVal val="visible"/>
-                                      </p:to>
-                                    </p:set>
-                                  </p:childTnLst>
-                                </p:cTn>
-                              </p:par>
-                              <p:par>
-                                <p:cTn id="13" presetID="1" presetClass="entr" presetSubtype="0" fill="hold" grpId="0" nodeType="withEffect">
-                                  <p:stCondLst>
-                                    <p:cond delay="0"/>
-                                  </p:stCondLst>
-                                  <p:childTnLst>
-                                    <p:set>
-                                      <p:cBhvr>
-                                        <p:cTn id="14" dur="1" fill="hold">
-                                          <p:stCondLst>
-                                            <p:cond delay="0"/>
-                                          </p:stCondLst>
-                                        </p:cTn>
-                                        <p:tgtEl>
-                                          <p:spTgt spid="33"/>
-                                        </p:tgtEl>
-                                        <p:attrNameLst>
-                                          <p:attrName>style.visibility</p:attrName>
-                                        </p:attrNameLst>
-                                      </p:cBhvr>
-                                      <p:to>
-                                        <p:strVal val="visible"/>
-                                      </p:to>
-                                    </p:set>
-                                  </p:childTnLst>
-                                </p:cTn>
-                              </p:par>
-                            </p:childTnLst>
-                          </p:cTn>
-                        </p:par>
-                      </p:childTnLst>
-                    </p:cTn>
-                  </p:par>
-                  <p:par>
-                    <p:cTn id="15" fill="hold">
-                      <p:stCondLst>
-                        <p:cond delay="indefinite"/>
-                      </p:stCondLst>
-                      <p:childTnLst>
-                        <p:par>
-                          <p:cTn id="16" fill="hold">
-                            <p:stCondLst>
-                              <p:cond delay="0"/>
-                            </p:stCondLst>
-                            <p:childTnLst>
-                              <p:par>
-                                <p:cTn id="17" presetID="1" presetClass="entr" presetSubtype="0" fill="hold" nodeType="clickEffect">
-                                  <p:stCondLst>
-                                    <p:cond delay="0"/>
-                                  </p:stCondLst>
-                                  <p:childTnLst>
-                                    <p:set>
-                                      <p:cBhvr>
-                                        <p:cTn id="18" dur="1" fill="hold">
-                                          <p:stCondLst>
-                                            <p:cond delay="0"/>
-                                          </p:stCondLst>
-                                        </p:cTn>
-                                        <p:tgtEl>
-                                          <p:spTgt spid="6"/>
-                                        </p:tgtEl>
-                                        <p:attrNameLst>
-                                          <p:attrName>style.visibility</p:attrName>
-                                        </p:attrNameLst>
-                                      </p:cBhvr>
-                                      <p:to>
-                                        <p:strVal val="visible"/>
-                                      </p:to>
-                                    </p:set>
-                                  </p:childTnLst>
-                                </p:cTn>
-                              </p:par>
-                              <p:par>
-                                <p:cTn id="19" presetID="1" presetClass="entr" presetSubtype="0" fill="hold" nodeType="withEffect">
-                                  <p:stCondLst>
-                                    <p:cond delay="0"/>
-                                  </p:stCondLst>
-                                  <p:childTnLst>
-                                    <p:set>
-                                      <p:cBhvr>
-                                        <p:cTn id="20" dur="1" fill="hold">
-                                          <p:stCondLst>
-                                            <p:cond delay="0"/>
-                                          </p:stCondLst>
-                                        </p:cTn>
-                                        <p:tgtEl>
-                                          <p:spTgt spid="25"/>
-                                        </p:tgtEl>
-                                        <p:attrNameLst>
-                                          <p:attrName>style.visibility</p:attrName>
-                                        </p:attrNameLst>
-                                      </p:cBhvr>
-                                      <p:to>
-                                        <p:strVal val="visible"/>
-                                      </p:to>
-                                    </p:set>
-                                  </p:childTnLst>
-                                </p:cTn>
-                              </p:par>
-                              <p:par>
-                                <p:cTn id="21" presetID="1" presetClass="entr" presetSubtype="0" fill="hold" grpId="0" nodeType="withEffect">
-                                  <p:stCondLst>
-                                    <p:cond delay="0"/>
-                                  </p:stCondLst>
-                                  <p:childTnLst>
-                                    <p:set>
-                                      <p:cBhvr>
-                                        <p:cTn id="22" dur="1" fill="hold">
-                                          <p:stCondLst>
-                                            <p:cond delay="0"/>
-                                          </p:stCondLst>
-                                        </p:cTn>
-                                        <p:tgtEl>
-                                          <p:spTgt spid="35"/>
-                                        </p:tgtEl>
-                                        <p:attrNameLst>
-                                          <p:attrName>style.visibility</p:attrName>
-                                        </p:attrNameLst>
-                                      </p:cBhvr>
-                                      <p:to>
-                                        <p:strVal val="visible"/>
-                                      </p:to>
-                                    </p:set>
-                                  </p:childTnLst>
-                                </p:cTn>
-                              </p:par>
-                              <p:par>
-                                <p:cTn id="23" presetID="1" presetClass="entr" presetSubtype="0" fill="hold" nodeType="withEffect">
-                                  <p:stCondLst>
-                                    <p:cond delay="0"/>
-                                  </p:stCondLst>
-                                  <p:childTnLst>
-                                    <p:set>
-                                      <p:cBhvr>
-                                        <p:cTn id="24" dur="1" fill="hold">
-                                          <p:stCondLst>
-                                            <p:cond delay="0"/>
-                                          </p:stCondLst>
-                                        </p:cTn>
-                                        <p:tgtEl>
-                                          <p:spTgt spid="34"/>
-                                        </p:tgtEl>
-                                        <p:attrNameLst>
-                                          <p:attrName>style.visibility</p:attrName>
-                                        </p:attrNameLst>
-                                      </p:cBhvr>
-                                      <p:to>
-                                        <p:strVal val="visible"/>
-                                      </p:to>
-                                    </p:set>
-                                  </p:childTnLst>
-                                </p:cTn>
-                              </p:par>
-                            </p:childTnLst>
-                          </p:cTn>
-                        </p:par>
-                      </p:childTnLst>
-                    </p:cTn>
-                  </p:par>
-                  <p:par>
-                    <p:cTn id="25" fill="hold">
-                      <p:stCondLst>
-                        <p:cond delay="indefinite"/>
-                      </p:stCondLst>
-                      <p:childTnLst>
-                        <p:par>
-                          <p:cTn id="26" fill="hold">
-                            <p:stCondLst>
-                              <p:cond delay="0"/>
-                            </p:stCondLst>
-                            <p:childTnLst>
-                              <p:par>
-                                <p:cTn id="27" presetID="1" presetClass="entr" presetSubtype="0" fill="hold" nodeType="clickEffect">
-                                  <p:stCondLst>
-                                    <p:cond delay="0"/>
-                                  </p:stCondLst>
-                                  <p:childTnLst>
-                                    <p:set>
-                                      <p:cBhvr>
-                                        <p:cTn id="28" dur="1" fill="hold">
-                                          <p:stCondLst>
-                                            <p:cond delay="0"/>
-                                          </p:stCondLst>
-                                        </p:cTn>
-                                        <p:tgtEl>
-                                          <p:spTgt spid="18"/>
-                                        </p:tgtEl>
-                                        <p:attrNameLst>
-                                          <p:attrName>style.visibility</p:attrName>
-                                        </p:attrNameLst>
-                                      </p:cBhvr>
-                                      <p:to>
-                                        <p:strVal val="visible"/>
-                                      </p:to>
-                                    </p:set>
-                                  </p:childTnLst>
-                                </p:cTn>
-                              </p:par>
-                              <p:par>
-                                <p:cTn id="29" presetID="1" presetClass="entr" presetSubtype="0" fill="hold" nodeType="withEffect">
-                                  <p:stCondLst>
-                                    <p:cond delay="0"/>
-                                  </p:stCondLst>
-                                  <p:childTnLst>
-                                    <p:set>
-                                      <p:cBhvr>
-                                        <p:cTn id="30" dur="1" fill="hold">
-                                          <p:stCondLst>
-                                            <p:cond delay="0"/>
-                                          </p:stCondLst>
-                                        </p:cTn>
-                                        <p:tgtEl>
-                                          <p:spTgt spid="4"/>
-                                        </p:tgtEl>
-                                        <p:attrNameLst>
-                                          <p:attrName>style.visibility</p:attrName>
-                                        </p:attrNameLst>
-                                      </p:cBhvr>
-                                      <p:to>
-                                        <p:strVal val="visible"/>
-                                      </p:to>
-                                    </p:set>
-                                  </p:childTnLst>
-                                </p:cTn>
-                              </p:par>
-                              <p:par>
-                                <p:cTn id="31" presetID="1" presetClass="entr" presetSubtype="0" fill="hold" grpId="0" nodeType="withEffect">
-                                  <p:stCondLst>
-                                    <p:cond delay="0"/>
-                                  </p:stCondLst>
-                                  <p:childTnLst>
-                                    <p:set>
-                                      <p:cBhvr>
-                                        <p:cTn id="32" dur="1" fill="hold">
-                                          <p:stCondLst>
-                                            <p:cond delay="0"/>
-                                          </p:stCondLst>
-                                        </p:cTn>
-                                        <p:tgtEl>
-                                          <p:spTgt spid="37"/>
-                                        </p:tgtEl>
-                                        <p:attrNameLst>
-                                          <p:attrName>style.visibility</p:attrName>
-                                        </p:attrNameLst>
-                                      </p:cBhvr>
-                                      <p:to>
-                                        <p:strVal val="visible"/>
-                                      </p:to>
-                                    </p:set>
-                                  </p:childTnLst>
-                                </p:cTn>
-                              </p:par>
-                              <p:par>
-                                <p:cTn id="33" presetID="1" presetClass="entr" presetSubtype="0" fill="hold" nodeType="withEffect">
-                                  <p:stCondLst>
-                                    <p:cond delay="0"/>
-                                  </p:stCondLst>
-                                  <p:childTnLst>
-                                    <p:set>
-                                      <p:cBhvr>
-                                        <p:cTn id="34" dur="1" fill="hold">
-                                          <p:stCondLst>
-                                            <p:cond delay="0"/>
-                                          </p:stCondLst>
-                                        </p:cTn>
-                                        <p:tgtEl>
-                                          <p:spTgt spid="36"/>
-                                        </p:tgtEl>
-                                        <p:attrNameLst>
-                                          <p:attrName>style.visibility</p:attrName>
-                                        </p:attrNameLst>
-                                      </p:cBhvr>
-                                      <p:to>
-                                        <p:strVal val="visible"/>
-                                      </p:to>
-                                    </p:set>
-                                  </p:childTnLst>
-                                </p:cTn>
-                              </p:par>
-                            </p:childTnLst>
-                          </p:cTn>
-                        </p:par>
-                      </p:childTnLst>
-                    </p:cTn>
-                  </p:par>
-                </p:childTnLst>
-              </p:cTn>
-              <p:prevCondLst>
-                <p:cond evt="onPrev" delay="0">
-                  <p:tgtEl>
-                    <p:sldTgt/>
-                  </p:tgtEl>
-                </p:cond>
-              </p:prevCondLst>
-              <p:nextCondLst>
-                <p:cond evt="onNext" delay="0">
-                  <p:tgtEl>
-                    <p:sldTgt/>
-                  </p:tgtEl>
-                </p:cond>
-              </p:nextCondLst>
-            </p:seq>
-          </p:childTnLst>
-        </p:cTn>
-      </p:par>
-    </p:tnLst>
-    <p:bldLst>
-      <p:bldP spid="33" grpId="0"/>
-      <p:bldP spid="35" grpId="0"/>
-      <p:bldP spid="37" grpId="0"/>
     </p:bldLst>
   </p:timing>
 </p:sld>
